--- a/w1/w1-s6-av-slide1.pptx
+++ b/w1/w1-s6-av-slide1.pptx
@@ -5,10 +5,10 @@
     <p:sldMasterId id="2147483649" r:id="rId1"/>
   </p:sldMasterIdLst>
   <p:notesMasterIdLst>
-    <p:notesMasterId r:id="rId12"/>
+    <p:notesMasterId r:id="rId11"/>
   </p:notesMasterIdLst>
   <p:handoutMasterIdLst>
-    <p:handoutMasterId r:id="rId13"/>
+    <p:handoutMasterId r:id="rId12"/>
   </p:handoutMasterIdLst>
   <p:sldIdLst>
     <p:sldId id="906" r:id="rId2"/>
@@ -20,7 +20,6 @@
     <p:sldId id="913" r:id="rId8"/>
     <p:sldId id="915" r:id="rId9"/>
     <p:sldId id="909" r:id="rId10"/>
-    <p:sldId id="910" r:id="rId11"/>
   </p:sldIdLst>
   <p:sldSz cx="12192000" cy="6858000"/>
   <p:notesSz cx="7099300" cy="10234613"/>
@@ -163,7 +162,6 @@
             <p14:sldId id="913"/>
             <p14:sldId id="915"/>
             <p14:sldId id="909"/>
-            <p14:sldId id="910"/>
           </p14:sldIdLst>
         </p14:section>
       </p14:sectionLst>
@@ -4702,81 +4700,6 @@
 </p:sld>
 </file>
 
-<file path=ppt/slides/slide10.xml><?xml version="1.0" encoding="utf-8"?>
-<p:sld xmlns:a="http://schemas.openxmlformats.org/drawingml/2006/main" xmlns:r="http://schemas.openxmlformats.org/officeDocument/2006/relationships" xmlns:p="http://schemas.openxmlformats.org/presentationml/2006/main">
-  <p:cSld>
-    <p:spTree>
-      <p:nvGrpSpPr>
-        <p:cNvPr id="1" name=""/>
-        <p:cNvGrpSpPr/>
-        <p:nvPr/>
-      </p:nvGrpSpPr>
-      <p:grpSpPr>
-        <a:xfrm>
-          <a:off x="0" y="0"/>
-          <a:ext cx="0" cy="0"/>
-          <a:chOff x="0" y="0"/>
-          <a:chExt cx="0" cy="0"/>
-        </a:xfrm>
-      </p:grpSpPr>
-      <p:sp>
-        <p:nvSpPr>
-          <p:cNvPr id="2" name="Titre 1"/>
-          <p:cNvSpPr>
-            <a:spLocks noGrp="1"/>
-          </p:cNvSpPr>
-          <p:nvPr>
-            <p:ph type="title"/>
-          </p:nvPr>
-        </p:nvSpPr>
-        <p:spPr/>
-        <p:txBody>
-          <a:bodyPr/>
-          <a:lstStyle/>
-          <a:p>
-            <a:endParaRPr lang="fr-FR"/>
-          </a:p>
-        </p:txBody>
-      </p:sp>
-      <p:sp>
-        <p:nvSpPr>
-          <p:cNvPr id="3" name="Espace réservé du contenu 2"/>
-          <p:cNvSpPr>
-            <a:spLocks noGrp="1"/>
-          </p:cNvSpPr>
-          <p:nvPr>
-            <p:ph idx="1"/>
-          </p:nvPr>
-        </p:nvSpPr>
-        <p:spPr/>
-        <p:txBody>
-          <a:bodyPr/>
-          <a:lstStyle/>
-          <a:p>
-            <a:endParaRPr lang="fr-FR"/>
-          </a:p>
-        </p:txBody>
-      </p:sp>
-    </p:spTree>
-    <p:extLst>
-      <p:ext uri="{BB962C8B-B14F-4D97-AF65-F5344CB8AC3E}">
-        <p14:creationId xmlns:p14="http://schemas.microsoft.com/office/powerpoint/2010/main" val="1789562283"/>
-      </p:ext>
-    </p:extLst>
-  </p:cSld>
-  <p:clrMapOvr>
-    <a:masterClrMapping/>
-  </p:clrMapOvr>
-  <p:timing>
-    <p:tnLst>
-      <p:par>
-        <p:cTn id="1" dur="indefinite" restart="never" nodeType="tmRoot"/>
-      </p:par>
-    </p:tnLst>
-  </p:timing>
-</p:sld>
-</file>
-
 <file path=ppt/slides/slide2.xml><?xml version="1.0" encoding="utf-8"?>
 <p:sld xmlns:a="http://schemas.openxmlformats.org/drawingml/2006/main" xmlns:r="http://schemas.openxmlformats.org/officeDocument/2006/relationships" xmlns:p="http://schemas.openxmlformats.org/presentationml/2006/main">
   <p:cSld>
@@ -4803,7 +4726,7 @@
         <p:spPr>
           <a:xfrm>
             <a:off x="713678" y="780585"/>
-            <a:ext cx="9233210" cy="4154984"/>
+            <a:ext cx="9233210" cy="4832092"/>
           </a:xfrm>
           <a:prstGeom prst="rect">
             <a:avLst/>
@@ -4871,18 +4794,31 @@
               <a:buChar char="•"/>
             </a:pPr>
             <a:r>
-              <a:rPr lang="fr-FR" sz="4400" smtClean="0">
-                <a:latin typeface="Calibri" panose="020F0502020204030204" pitchFamily="34" charset="0"/>
-                <a:cs typeface="Calibri" panose="020F0502020204030204" pitchFamily="34" charset="0"/>
-              </a:rPr>
-              <a:t>Données </a:t>
-            </a:r>
-            <a:r>
               <a:rPr lang="fr-FR" sz="4400" dirty="0" smtClean="0">
                 <a:latin typeface="Calibri" panose="020F0502020204030204" pitchFamily="34" charset="0"/>
                 <a:cs typeface="Calibri" panose="020F0502020204030204" pitchFamily="34" charset="0"/>
               </a:rPr>
-              <a:t>et méthodes par défaut</a:t>
+              <a:t>Données et méthodes par </a:t>
+            </a:r>
+            <a:r>
+              <a:rPr lang="fr-FR" sz="4400" dirty="0" smtClean="0">
+                <a:latin typeface="Calibri" panose="020F0502020204030204" pitchFamily="34" charset="0"/>
+                <a:cs typeface="Calibri" panose="020F0502020204030204" pitchFamily="34" charset="0"/>
+              </a:rPr>
+              <a:t/>
+            </a:r>
+            <a:br>
+              <a:rPr lang="fr-FR" sz="4400" dirty="0" smtClean="0">
+                <a:latin typeface="Calibri" panose="020F0502020204030204" pitchFamily="34" charset="0"/>
+                <a:cs typeface="Calibri" panose="020F0502020204030204" pitchFamily="34" charset="0"/>
+              </a:rPr>
+            </a:br>
+            <a:r>
+              <a:rPr lang="fr-FR" sz="4400" dirty="0" smtClean="0">
+                <a:latin typeface="Calibri" panose="020F0502020204030204" pitchFamily="34" charset="0"/>
+                <a:cs typeface="Calibri" panose="020F0502020204030204" pitchFamily="34" charset="0"/>
+              </a:rPr>
+              <a:t>défaut</a:t>
             </a:r>
             <a:endParaRPr lang="fr-FR" sz="4400" dirty="0">
               <a:latin typeface="Calibri" panose="020F0502020204030204" pitchFamily="34" charset="0"/>

--- a/w1/w1-s6-av-slide1.pptx
+++ b/w1/w1-s6-av-slide1.pptx
@@ -167,7 +167,7 @@
       </p14:sectionLst>
     </p:ext>
     <p:ext uri="{EFAFB233-063F-42B5-8137-9DF3F51BA10A}">
-      <p15:sldGuideLst xmlns:p15="http://schemas.microsoft.com/office/powerpoint/2012/main">
+      <p15:sldGuideLst xmlns:p15="http://schemas.microsoft.com/office/powerpoint/2012/main" xmlns="">
         <p15:guide id="1" orient="horz" pos="2160" userDrawn="1">
           <p15:clr>
             <a:srgbClr val="A4A3A4"/>
@@ -418,7 +418,7 @@
               <a:pPr>
                 <a:defRPr/>
               </a:pPr>
-              <a:t>‹N°›</a:t>
+              <a:t>‹#›</a:t>
             </a:fld>
             <a:endParaRPr lang="en-US"/>
           </a:p>
@@ -592,7 +592,7 @@
             <a:tailEnd/>
           </a:ln>
           <a:extLst>
-            <a:ext uri="{909E8E84-426E-40DD-AFC4-6F175D3DCCD1}">
+            <a:ext uri="{909E8E84-426E-40dd-AFC4-6F175D3DCCD1}">
               <a14:hiddenFill xmlns:a14="http://schemas.microsoft.com/office/drawing/2010/main">
                 <a:solidFill>
                   <a:srgbClr val="FFFFFF"/>
@@ -778,7 +778,7 @@
               <a:pPr>
                 <a:defRPr/>
               </a:pPr>
-              <a:t>‹N°›</a:t>
+              <a:t>‹#›</a:t>
             </a:fld>
             <a:endParaRPr lang="en-US"/>
           </a:p>
@@ -1287,7 +1287,7 @@
   <p:timing>
     <p:tnLst>
       <p:par>
-        <p:cTn id="1" dur="indefinite" restart="never" nodeType="tmRoot"/>
+        <p:cTn xmlns:p14="http://schemas.microsoft.com/office/powerpoint/2010/main" id="1" dur="indefinite" restart="never" nodeType="tmRoot"/>
       </p:par>
     </p:tnLst>
   </p:timing>
@@ -1443,7 +1443,7 @@
               <a:pPr>
                 <a:defRPr/>
               </a:pPr>
-              <a:t>‹N°›</a:t>
+              <a:t>‹#›</a:t>
             </a:fld>
             <a:endParaRPr lang="fr-FR"/>
           </a:p>
@@ -1621,7 +1621,7 @@
               <a:pPr>
                 <a:defRPr/>
               </a:pPr>
-              <a:t>‹N°›</a:t>
+              <a:t>‹#›</a:t>
             </a:fld>
             <a:endParaRPr lang="fr-FR"/>
           </a:p>
@@ -1856,7 +1856,7 @@
               <a:pPr>
                 <a:defRPr/>
               </a:pPr>
-              <a:t>‹N°›</a:t>
+              <a:t>‹#›</a:t>
             </a:fld>
             <a:endParaRPr lang="fr-FR"/>
           </a:p>
@@ -2024,7 +2024,7 @@
               <a:pPr>
                 <a:defRPr/>
               </a:pPr>
-              <a:t>‹N°›</a:t>
+              <a:t>‹#›</a:t>
             </a:fld>
             <a:endParaRPr lang="fr-FR"/>
           </a:p>
@@ -2043,7 +2043,7 @@
   <p:timing>
     <p:tnLst>
       <p:par>
-        <p:cTn id="1" dur="indefinite" restart="never" nodeType="tmRoot"/>
+        <p:cTn xmlns:p14="http://schemas.microsoft.com/office/powerpoint/2010/main" id="1" dur="indefinite" restart="never" nodeType="tmRoot"/>
       </p:par>
     </p:tnLst>
   </p:timing>
@@ -2221,7 +2221,7 @@
               <a:pPr>
                 <a:defRPr/>
               </a:pPr>
-              <a:t>‹N°›</a:t>
+              <a:t>‹#›</a:t>
             </a:fld>
             <a:endParaRPr lang="fr-FR"/>
           </a:p>
@@ -2240,7 +2240,7 @@
   <p:timing>
     <p:tnLst>
       <p:par>
-        <p:cTn id="1" dur="indefinite" restart="never" nodeType="tmRoot"/>
+        <p:cTn xmlns:p14="http://schemas.microsoft.com/office/powerpoint/2010/main" id="1" dur="indefinite" restart="never" nodeType="tmRoot"/>
       </p:par>
     </p:tnLst>
   </p:timing>
@@ -2514,7 +2514,7 @@
               <a:pPr>
                 <a:defRPr/>
               </a:pPr>
-              <a:t>‹N°›</a:t>
+              <a:t>‹#›</a:t>
             </a:fld>
             <a:endParaRPr lang="fr-FR"/>
           </a:p>
@@ -2533,7 +2533,7 @@
   <p:timing>
     <p:tnLst>
       <p:par>
-        <p:cTn id="1" dur="indefinite" restart="never" nodeType="tmRoot"/>
+        <p:cTn xmlns:p14="http://schemas.microsoft.com/office/powerpoint/2010/main" id="1" dur="indefinite" restart="never" nodeType="tmRoot"/>
       </p:par>
     </p:tnLst>
   </p:timing>
@@ -2941,7 +2941,7 @@
               <a:pPr>
                 <a:defRPr/>
               </a:pPr>
-              <a:t>‹N°›</a:t>
+              <a:t>‹#›</a:t>
             </a:fld>
             <a:endParaRPr lang="fr-FR"/>
           </a:p>
@@ -2960,7 +2960,7 @@
   <p:timing>
     <p:tnLst>
       <p:par>
-        <p:cTn id="1" dur="indefinite" restart="never" nodeType="tmRoot"/>
+        <p:cTn xmlns:p14="http://schemas.microsoft.com/office/powerpoint/2010/main" id="1" dur="indefinite" restart="never" nodeType="tmRoot"/>
       </p:par>
     </p:tnLst>
   </p:timing>
@@ -3064,7 +3064,7 @@
               <a:pPr>
                 <a:defRPr/>
               </a:pPr>
-              <a:t>‹N°›</a:t>
+              <a:t>‹#›</a:t>
             </a:fld>
             <a:endParaRPr lang="fr-FR"/>
           </a:p>
@@ -3083,7 +3083,7 @@
   <p:timing>
     <p:tnLst>
       <p:par>
-        <p:cTn id="1" dur="indefinite" restart="never" nodeType="tmRoot"/>
+        <p:cTn xmlns:p14="http://schemas.microsoft.com/office/powerpoint/2010/main" id="1" dur="indefinite" restart="never" nodeType="tmRoot"/>
       </p:par>
     </p:tnLst>
   </p:timing>
@@ -3164,7 +3164,7 @@
               <a:pPr>
                 <a:defRPr/>
               </a:pPr>
-              <a:t>‹N°›</a:t>
+              <a:t>‹#›</a:t>
             </a:fld>
             <a:endParaRPr lang="fr-FR"/>
           </a:p>
@@ -3183,7 +3183,7 @@
   <p:timing>
     <p:tnLst>
       <p:par>
-        <p:cTn id="1" dur="indefinite" restart="never" nodeType="tmRoot"/>
+        <p:cTn xmlns:p14="http://schemas.microsoft.com/office/powerpoint/2010/main" id="1" dur="indefinite" restart="never" nodeType="tmRoot"/>
       </p:par>
     </p:tnLst>
   </p:timing>
@@ -3446,7 +3446,7 @@
               <a:pPr>
                 <a:defRPr/>
               </a:pPr>
-              <a:t>‹N°›</a:t>
+              <a:t>‹#›</a:t>
             </a:fld>
             <a:endParaRPr lang="fr-FR"/>
           </a:p>
@@ -3698,7 +3698,7 @@
               <a:pPr>
                 <a:defRPr/>
               </a:pPr>
-              <a:t>‹N°›</a:t>
+              <a:t>‹#›</a:t>
             </a:fld>
             <a:endParaRPr lang="fr-FR"/>
           </a:p>
@@ -3765,14 +3765,14 @@
             <a:noFill/>
           </a:ln>
           <a:extLst>
-            <a:ext uri="{909E8E84-426E-40DD-AFC4-6F175D3DCCD1}">
+            <a:ext uri="{909E8E84-426E-40dd-AFC4-6F175D3DCCD1}">
               <a14:hiddenFill xmlns:a14="http://schemas.microsoft.com/office/drawing/2010/main">
                 <a:solidFill>
                   <a:srgbClr val="FFFFFF"/>
                 </a:solidFill>
               </a14:hiddenFill>
             </a:ext>
-            <a:ext uri="{91240B29-F687-4F45-9708-019B960494DF}">
+            <a:ext uri="{91240B29-F687-4f45-9708-019B960494DF}">
               <a14:hiddenLine xmlns:a14="http://schemas.microsoft.com/office/drawing/2010/main" w="9525">
                 <a:solidFill>
                   <a:srgbClr val="000000"/>
@@ -3823,14 +3823,14 @@
             <a:noFill/>
           </a:ln>
           <a:extLst>
-            <a:ext uri="{909E8E84-426E-40DD-AFC4-6F175D3DCCD1}">
+            <a:ext uri="{909E8E84-426E-40dd-AFC4-6F175D3DCCD1}">
               <a14:hiddenFill xmlns:a14="http://schemas.microsoft.com/office/drawing/2010/main">
                 <a:solidFill>
                   <a:srgbClr val="FFFFFF"/>
                 </a:solidFill>
               </a14:hiddenFill>
             </a:ext>
-            <a:ext uri="{91240B29-F687-4F45-9708-019B960494DF}">
+            <a:ext uri="{91240B29-F687-4f45-9708-019B960494DF}">
               <a14:hiddenLine xmlns:a14="http://schemas.microsoft.com/office/drawing/2010/main" w="9525">
                 <a:solidFill>
                   <a:srgbClr val="000000"/>
@@ -3997,7 +3997,7 @@
               <a:pPr>
                 <a:defRPr/>
               </a:pPr>
-              <a:t>‹N°›</a:t>
+              <a:t>‹#›</a:t>
             </a:fld>
             <a:endParaRPr lang="fr-FR" dirty="0"/>
           </a:p>
@@ -4023,7 +4023,7 @@
   <p:timing>
     <p:tnLst>
       <p:par>
-        <p:cTn id="1" dur="indefinite" restart="never" nodeType="tmRoot"/>
+        <p:cTn xmlns:p14="http://schemas.microsoft.com/office/powerpoint/2010/main" id="1" dur="indefinite" restart="never" nodeType="tmRoot"/>
       </p:par>
     </p:tnLst>
   </p:timing>
@@ -4487,7 +4487,7 @@
   <p:timing>
     <p:tnLst>
       <p:par>
-        <p:cTn id="1" dur="indefinite" restart="never" nodeType="tmRoot">
+        <p:cTn xmlns:p14="http://schemas.microsoft.com/office/powerpoint/2010/main" id="1" dur="indefinite" restart="never" nodeType="tmRoot">
           <p:childTnLst>
             <p:seq concurrent="1" nextAc="seek">
               <p:cTn id="2" dur="indefinite" nodeType="mainSeq">
@@ -4800,13 +4800,6 @@
               </a:rPr>
               <a:t>Données et méthodes par </a:t>
             </a:r>
-            <a:r>
-              <a:rPr lang="fr-FR" sz="4400" dirty="0" smtClean="0">
-                <a:latin typeface="Calibri" panose="020F0502020204030204" pitchFamily="34" charset="0"/>
-                <a:cs typeface="Calibri" panose="020F0502020204030204" pitchFamily="34" charset="0"/>
-              </a:rPr>
-              <a:t/>
-            </a:r>
             <a:br>
               <a:rPr lang="fr-FR" sz="4400" dirty="0" smtClean="0">
                 <a:latin typeface="Calibri" panose="020F0502020204030204" pitchFamily="34" charset="0"/>
@@ -4840,7 +4833,7 @@
   <p:timing>
     <p:tnLst>
       <p:par>
-        <p:cTn id="1" dur="indefinite" restart="never" nodeType="tmRoot">
+        <p:cTn xmlns:p14="http://schemas.microsoft.com/office/powerpoint/2010/main" id="1" dur="indefinite" restart="never" nodeType="tmRoot">
           <p:childTnLst>
             <p:seq concurrent="1" nextAc="seek">
               <p:cTn id="2" dur="indefinite" nodeType="mainSeq">
@@ -5794,7 +5787,7 @@
   <p:timing>
     <p:tnLst>
       <p:par>
-        <p:cTn id="1" dur="indefinite" restart="never" nodeType="tmRoot">
+        <p:cTn xmlns:p14="http://schemas.microsoft.com/office/powerpoint/2010/main" id="1" dur="indefinite" restart="never" nodeType="tmRoot">
           <p:childTnLst>
             <p:seq concurrent="1" nextAc="seek">
               <p:cTn id="2" dur="indefinite" nodeType="mainSeq">
@@ -6404,7 +6397,7 @@
   <p:timing>
     <p:tnLst>
       <p:par>
-        <p:cTn id="1" dur="indefinite" restart="never" nodeType="tmRoot">
+        <p:cTn xmlns:p14="http://schemas.microsoft.com/office/powerpoint/2010/main" id="1" dur="indefinite" restart="never" nodeType="tmRoot">
           <p:childTnLst>
             <p:seq concurrent="1" nextAc="seek">
               <p:cTn id="2" dur="indefinite" nodeType="mainSeq">
@@ -6595,7 +6588,7 @@
   <p:timing>
     <p:tnLst>
       <p:par>
-        <p:cTn id="1" dur="indefinite" restart="never" nodeType="tmRoot">
+        <p:cTn xmlns:p14="http://schemas.microsoft.com/office/powerpoint/2010/main" id="1" dur="indefinite" restart="never" nodeType="tmRoot">
           <p:childTnLst>
             <p:seq concurrent="1" nextAc="seek">
               <p:cTn id="2" dur="indefinite" nodeType="mainSeq">
@@ -6895,7 +6888,7 @@
         <p:spPr>
           <a:xfrm>
             <a:off x="713678" y="780585"/>
-            <a:ext cx="9233210" cy="2800767"/>
+            <a:ext cx="9233210" cy="3477875"/>
           </a:xfrm>
           <a:prstGeom prst="rect">
             <a:avLst/>
@@ -6940,6 +6933,35 @@
           </a:p>
           <a:p>
             <a:r>
+              <a:rPr lang="fr-FR" sz="4400" dirty="0">
+                <a:solidFill>
+                  <a:srgbClr val="00B050"/>
+                </a:solidFill>
+                <a:latin typeface="Courier New" panose="02070309020205020404" pitchFamily="49" charset="0"/>
+                <a:cs typeface="Courier New" panose="02070309020205020404" pitchFamily="49" charset="0"/>
+              </a:rPr>
+              <a:t>d</a:t>
+            </a:r>
+            <a:r>
+              <a:rPr lang="fr-FR" sz="4400" dirty="0" smtClean="0">
+                <a:solidFill>
+                  <a:srgbClr val="00B050"/>
+                </a:solidFill>
+                <a:latin typeface="Courier New" panose="02070309020205020404" pitchFamily="49" charset="0"/>
+                <a:cs typeface="Courier New" panose="02070309020205020404" pitchFamily="49" charset="0"/>
+              </a:rPr>
+              <a:t>epartement_06</a:t>
+            </a:r>
+            <a:endParaRPr lang="fr-FR" sz="4400" dirty="0">
+              <a:solidFill>
+                <a:srgbClr val="00B050"/>
+              </a:solidFill>
+              <a:latin typeface="Courier New" panose="02070309020205020404" pitchFamily="49" charset="0"/>
+              <a:cs typeface="Courier New" panose="02070309020205020404" pitchFamily="49" charset="0"/>
+            </a:endParaRPr>
+          </a:p>
+          <a:p>
+            <a:r>
               <a:rPr lang="fr-FR" sz="4400" strike="sngStrike" dirty="0" smtClean="0">
                 <a:solidFill>
                   <a:srgbClr val="FF0000"/>
@@ -6949,6 +6971,13 @@
               </a:rPr>
               <a:t>18_departement</a:t>
             </a:r>
+            <a:endParaRPr lang="fr-FR" sz="4400" strike="sngStrike" dirty="0" smtClean="0">
+              <a:solidFill>
+                <a:srgbClr val="FF0000"/>
+              </a:solidFill>
+              <a:latin typeface="Courier New" panose="02070309020205020404" pitchFamily="49" charset="0"/>
+              <a:cs typeface="Courier New" panose="02070309020205020404" pitchFamily="49" charset="0"/>
+            </a:endParaRPr>
           </a:p>
           <a:p>
             <a:endParaRPr lang="fr-FR" sz="4400" strike="sngStrike" dirty="0">
@@ -6974,7 +7003,7 @@
   <p:timing>
     <p:tnLst>
       <p:par>
-        <p:cTn id="1" dur="indefinite" restart="never" nodeType="tmRoot">
+        <p:cTn xmlns:p14="http://schemas.microsoft.com/office/powerpoint/2010/main" id="1" dur="indefinite" restart="never" nodeType="tmRoot">
           <p:childTnLst>
             <p:seq concurrent="1" nextAc="seek">
               <p:cTn id="2" dur="indefinite" nodeType="mainSeq">
@@ -7132,6 +7161,67 @@
                                         <p:tgtEl>
                                           <p:spTgt spid="4">
                                             <p:txEl>
+                                              <p:pRg st="3" end="3"/>
+                                            </p:txEl>
+                                          </p:spTgt>
+                                        </p:tgtEl>
+                                        <p:attrNameLst>
+                                          <p:attrName>style.visibility</p:attrName>
+                                        </p:attrNameLst>
+                                      </p:cBhvr>
+                                      <p:to>
+                                        <p:strVal val="visible"/>
+                                      </p:to>
+                                    </p:set>
+                                    <p:animEffect transition="in" filter="fade">
+                                      <p:cBhvr>
+                                        <p:cTn id="17" dur="500"/>
+                                        <p:tgtEl>
+                                          <p:spTgt spid="4">
+                                            <p:txEl>
+                                              <p:pRg st="3" end="3"/>
+                                            </p:txEl>
+                                          </p:spTgt>
+                                        </p:tgtEl>
+                                      </p:cBhvr>
+                                    </p:animEffect>
+                                  </p:childTnLst>
+                                </p:cTn>
+                              </p:par>
+                            </p:childTnLst>
+                          </p:cTn>
+                        </p:par>
+                      </p:childTnLst>
+                    </p:cTn>
+                  </p:par>
+                  <p:par>
+                    <p:cTn id="18" fill="hold">
+                      <p:stCondLst>
+                        <p:cond delay="indefinite"/>
+                      </p:stCondLst>
+                      <p:childTnLst>
+                        <p:par>
+                          <p:cTn id="19" fill="hold">
+                            <p:stCondLst>
+                              <p:cond delay="0"/>
+                            </p:stCondLst>
+                            <p:childTnLst>
+                              <p:par>
+                                <p:cTn id="20" presetID="10" presetClass="entr" presetSubtype="0" fill="hold" nodeType="clickEffect">
+                                  <p:stCondLst>
+                                    <p:cond delay="0"/>
+                                  </p:stCondLst>
+                                  <p:childTnLst>
+                                    <p:set>
+                                      <p:cBhvr>
+                                        <p:cTn id="21" dur="1" fill="hold">
+                                          <p:stCondLst>
+                                            <p:cond delay="0"/>
+                                          </p:stCondLst>
+                                        </p:cTn>
+                                        <p:tgtEl>
+                                          <p:spTgt spid="4">
+                                            <p:txEl>
                                               <p:pRg st="2" end="2"/>
                                             </p:txEl>
                                           </p:spTgt>
@@ -7146,7 +7236,7 @@
                                     </p:set>
                                     <p:animEffect transition="in" filter="fade">
                                       <p:cBhvr>
-                                        <p:cTn id="17" dur="500"/>
+                                        <p:cTn id="22" dur="500"/>
                                         <p:tgtEl>
                                           <p:spTgt spid="4">
                                             <p:txEl>
@@ -7270,7 +7360,7 @@
   <p:timing>
     <p:tnLst>
       <p:par>
-        <p:cTn id="1" dur="indefinite" restart="never" nodeType="tmRoot">
+        <p:cTn xmlns:p14="http://schemas.microsoft.com/office/powerpoint/2010/main" id="1" dur="indefinite" restart="never" nodeType="tmRoot">
           <p:childTnLst>
             <p:seq concurrent="1" nextAc="seek">
               <p:cTn id="2" dur="indefinite" nodeType="mainSeq">
@@ -7467,7 +7557,7 @@
   <p:timing>
     <p:tnLst>
       <p:par>
-        <p:cTn id="1" dur="indefinite" restart="never" nodeType="tmRoot">
+        <p:cTn xmlns:p14="http://schemas.microsoft.com/office/powerpoint/2010/main" id="1" dur="indefinite" restart="never" nodeType="tmRoot">
           <p:childTnLst>
             <p:seq concurrent="1" nextAc="seek">
               <p:cTn id="2" dur="indefinite" nodeType="mainSeq">
@@ -8211,7 +8301,7 @@
   <p:timing>
     <p:tnLst>
       <p:par>
-        <p:cTn id="1" dur="indefinite" restart="never" nodeType="tmRoot">
+        <p:cTn xmlns:p14="http://schemas.microsoft.com/office/powerpoint/2010/main" id="1" dur="indefinite" restart="never" nodeType="tmRoot">
           <p:childTnLst>
             <p:seq concurrent="1" nextAc="seek">
               <p:cTn id="2" dur="indefinite" nodeType="mainSeq">

--- a/w1/w1-s6-av-slide1.pptx
+++ b/w1/w1-s6-av-slide1.pptx
@@ -167,7 +167,7 @@
       </p14:sectionLst>
     </p:ext>
     <p:ext uri="{EFAFB233-063F-42B5-8137-9DF3F51BA10A}">
-      <p15:sldGuideLst xmlns:p15="http://schemas.microsoft.com/office/powerpoint/2012/main" xmlns="">
+      <p15:sldGuideLst xmlns:p15="http://schemas.microsoft.com/office/powerpoint/2012/main">
         <p15:guide id="1" orient="horz" pos="2160" userDrawn="1">
           <p15:clr>
             <a:srgbClr val="A4A3A4"/>
@@ -418,7 +418,7 @@
               <a:pPr>
                 <a:defRPr/>
               </a:pPr>
-              <a:t>‹#›</a:t>
+              <a:t>‹N°›</a:t>
             </a:fld>
             <a:endParaRPr lang="en-US"/>
           </a:p>
@@ -593,7 +593,7 @@
           </a:ln>
           <a:extLst>
             <a:ext uri="{909E8E84-426E-40dd-AFC4-6F175D3DCCD1}">
-              <a14:hiddenFill xmlns:a14="http://schemas.microsoft.com/office/drawing/2010/main">
+              <a14:hiddenFill xmlns="" xmlns:a14="http://schemas.microsoft.com/office/drawing/2010/main">
                 <a:solidFill>
                   <a:srgbClr val="FFFFFF"/>
                 </a:solidFill>
@@ -778,7 +778,7 @@
               <a:pPr>
                 <a:defRPr/>
               </a:pPr>
-              <a:t>‹#›</a:t>
+              <a:t>‹N°›</a:t>
             </a:fld>
             <a:endParaRPr lang="en-US"/>
           </a:p>
@@ -1287,7 +1287,7 @@
   <p:timing>
     <p:tnLst>
       <p:par>
-        <p:cTn xmlns:p14="http://schemas.microsoft.com/office/powerpoint/2010/main" id="1" dur="indefinite" restart="never" nodeType="tmRoot"/>
+        <p:cTn id="1" dur="indefinite" restart="never" nodeType="tmRoot"/>
       </p:par>
     </p:tnLst>
   </p:timing>
@@ -1443,7 +1443,7 @@
               <a:pPr>
                 <a:defRPr/>
               </a:pPr>
-              <a:t>‹#›</a:t>
+              <a:t>‹N°›</a:t>
             </a:fld>
             <a:endParaRPr lang="fr-FR"/>
           </a:p>
@@ -1621,7 +1621,7 @@
               <a:pPr>
                 <a:defRPr/>
               </a:pPr>
-              <a:t>‹#›</a:t>
+              <a:t>‹N°›</a:t>
             </a:fld>
             <a:endParaRPr lang="fr-FR"/>
           </a:p>
@@ -1856,7 +1856,7 @@
               <a:pPr>
                 <a:defRPr/>
               </a:pPr>
-              <a:t>‹#›</a:t>
+              <a:t>‹N°›</a:t>
             </a:fld>
             <a:endParaRPr lang="fr-FR"/>
           </a:p>
@@ -2024,7 +2024,7 @@
               <a:pPr>
                 <a:defRPr/>
               </a:pPr>
-              <a:t>‹#›</a:t>
+              <a:t>‹N°›</a:t>
             </a:fld>
             <a:endParaRPr lang="fr-FR"/>
           </a:p>
@@ -2043,7 +2043,7 @@
   <p:timing>
     <p:tnLst>
       <p:par>
-        <p:cTn xmlns:p14="http://schemas.microsoft.com/office/powerpoint/2010/main" id="1" dur="indefinite" restart="never" nodeType="tmRoot"/>
+        <p:cTn id="1" dur="indefinite" restart="never" nodeType="tmRoot"/>
       </p:par>
     </p:tnLst>
   </p:timing>
@@ -2221,7 +2221,7 @@
               <a:pPr>
                 <a:defRPr/>
               </a:pPr>
-              <a:t>‹#›</a:t>
+              <a:t>‹N°›</a:t>
             </a:fld>
             <a:endParaRPr lang="fr-FR"/>
           </a:p>
@@ -2240,7 +2240,7 @@
   <p:timing>
     <p:tnLst>
       <p:par>
-        <p:cTn xmlns:p14="http://schemas.microsoft.com/office/powerpoint/2010/main" id="1" dur="indefinite" restart="never" nodeType="tmRoot"/>
+        <p:cTn id="1" dur="indefinite" restart="never" nodeType="tmRoot"/>
       </p:par>
     </p:tnLst>
   </p:timing>
@@ -2514,7 +2514,7 @@
               <a:pPr>
                 <a:defRPr/>
               </a:pPr>
-              <a:t>‹#›</a:t>
+              <a:t>‹N°›</a:t>
             </a:fld>
             <a:endParaRPr lang="fr-FR"/>
           </a:p>
@@ -2533,7 +2533,7 @@
   <p:timing>
     <p:tnLst>
       <p:par>
-        <p:cTn xmlns:p14="http://schemas.microsoft.com/office/powerpoint/2010/main" id="1" dur="indefinite" restart="never" nodeType="tmRoot"/>
+        <p:cTn id="1" dur="indefinite" restart="never" nodeType="tmRoot"/>
       </p:par>
     </p:tnLst>
   </p:timing>
@@ -2941,7 +2941,7 @@
               <a:pPr>
                 <a:defRPr/>
               </a:pPr>
-              <a:t>‹#›</a:t>
+              <a:t>‹N°›</a:t>
             </a:fld>
             <a:endParaRPr lang="fr-FR"/>
           </a:p>
@@ -2960,7 +2960,7 @@
   <p:timing>
     <p:tnLst>
       <p:par>
-        <p:cTn xmlns:p14="http://schemas.microsoft.com/office/powerpoint/2010/main" id="1" dur="indefinite" restart="never" nodeType="tmRoot"/>
+        <p:cTn id="1" dur="indefinite" restart="never" nodeType="tmRoot"/>
       </p:par>
     </p:tnLst>
   </p:timing>
@@ -3064,7 +3064,7 @@
               <a:pPr>
                 <a:defRPr/>
               </a:pPr>
-              <a:t>‹#›</a:t>
+              <a:t>‹N°›</a:t>
             </a:fld>
             <a:endParaRPr lang="fr-FR"/>
           </a:p>
@@ -3083,7 +3083,7 @@
   <p:timing>
     <p:tnLst>
       <p:par>
-        <p:cTn xmlns:p14="http://schemas.microsoft.com/office/powerpoint/2010/main" id="1" dur="indefinite" restart="never" nodeType="tmRoot"/>
+        <p:cTn id="1" dur="indefinite" restart="never" nodeType="tmRoot"/>
       </p:par>
     </p:tnLst>
   </p:timing>
@@ -3164,7 +3164,7 @@
               <a:pPr>
                 <a:defRPr/>
               </a:pPr>
-              <a:t>‹#›</a:t>
+              <a:t>‹N°›</a:t>
             </a:fld>
             <a:endParaRPr lang="fr-FR"/>
           </a:p>
@@ -3183,7 +3183,7 @@
   <p:timing>
     <p:tnLst>
       <p:par>
-        <p:cTn xmlns:p14="http://schemas.microsoft.com/office/powerpoint/2010/main" id="1" dur="indefinite" restart="never" nodeType="tmRoot"/>
+        <p:cTn id="1" dur="indefinite" restart="never" nodeType="tmRoot"/>
       </p:par>
     </p:tnLst>
   </p:timing>
@@ -3446,7 +3446,7 @@
               <a:pPr>
                 <a:defRPr/>
               </a:pPr>
-              <a:t>‹#›</a:t>
+              <a:t>‹N°›</a:t>
             </a:fld>
             <a:endParaRPr lang="fr-FR"/>
           </a:p>
@@ -3698,7 +3698,7 @@
               <a:pPr>
                 <a:defRPr/>
               </a:pPr>
-              <a:t>‹#›</a:t>
+              <a:t>‹N°›</a:t>
             </a:fld>
             <a:endParaRPr lang="fr-FR"/>
           </a:p>
@@ -3766,14 +3766,14 @@
           </a:ln>
           <a:extLst>
             <a:ext uri="{909E8E84-426E-40dd-AFC4-6F175D3DCCD1}">
-              <a14:hiddenFill xmlns:a14="http://schemas.microsoft.com/office/drawing/2010/main">
+              <a14:hiddenFill xmlns="" xmlns:a14="http://schemas.microsoft.com/office/drawing/2010/main">
                 <a:solidFill>
                   <a:srgbClr val="FFFFFF"/>
                 </a:solidFill>
               </a14:hiddenFill>
             </a:ext>
             <a:ext uri="{91240B29-F687-4f45-9708-019B960494DF}">
-              <a14:hiddenLine xmlns:a14="http://schemas.microsoft.com/office/drawing/2010/main" w="9525">
+              <a14:hiddenLine xmlns="" xmlns:a14="http://schemas.microsoft.com/office/drawing/2010/main" w="9525">
                 <a:solidFill>
                   <a:srgbClr val="000000"/>
                 </a:solidFill>
@@ -3824,14 +3824,14 @@
           </a:ln>
           <a:extLst>
             <a:ext uri="{909E8E84-426E-40dd-AFC4-6F175D3DCCD1}">
-              <a14:hiddenFill xmlns:a14="http://schemas.microsoft.com/office/drawing/2010/main">
+              <a14:hiddenFill xmlns="" xmlns:a14="http://schemas.microsoft.com/office/drawing/2010/main">
                 <a:solidFill>
                   <a:srgbClr val="FFFFFF"/>
                 </a:solidFill>
               </a14:hiddenFill>
             </a:ext>
             <a:ext uri="{91240B29-F687-4f45-9708-019B960494DF}">
-              <a14:hiddenLine xmlns:a14="http://schemas.microsoft.com/office/drawing/2010/main" w="9525">
+              <a14:hiddenLine xmlns="" xmlns:a14="http://schemas.microsoft.com/office/drawing/2010/main" w="9525">
                 <a:solidFill>
                   <a:srgbClr val="000000"/>
                 </a:solidFill>
@@ -3997,7 +3997,7 @@
               <a:pPr>
                 <a:defRPr/>
               </a:pPr>
-              <a:t>‹#›</a:t>
+              <a:t>‹N°›</a:t>
             </a:fld>
             <a:endParaRPr lang="fr-FR" dirty="0"/>
           </a:p>
@@ -4023,7 +4023,7 @@
   <p:timing>
     <p:tnLst>
       <p:par>
-        <p:cTn xmlns:p14="http://schemas.microsoft.com/office/powerpoint/2010/main" id="1" dur="indefinite" restart="never" nodeType="tmRoot"/>
+        <p:cTn id="1" dur="indefinite" restart="never" nodeType="tmRoot"/>
       </p:par>
     </p:tnLst>
   </p:timing>
@@ -4487,7 +4487,7 @@
   <p:timing>
     <p:tnLst>
       <p:par>
-        <p:cTn xmlns:p14="http://schemas.microsoft.com/office/powerpoint/2010/main" id="1" dur="indefinite" restart="never" nodeType="tmRoot">
+        <p:cTn id="1" dur="indefinite" restart="never" nodeType="tmRoot">
           <p:childTnLst>
             <p:seq concurrent="1" nextAc="seek">
               <p:cTn id="2" dur="indefinite" nodeType="mainSeq">
@@ -4833,7 +4833,7 @@
   <p:timing>
     <p:tnLst>
       <p:par>
-        <p:cTn xmlns:p14="http://schemas.microsoft.com/office/powerpoint/2010/main" id="1" dur="indefinite" restart="never" nodeType="tmRoot">
+        <p:cTn id="1" dur="indefinite" restart="never" nodeType="tmRoot">
           <p:childTnLst>
             <p:seq concurrent="1" nextAc="seek">
               <p:cTn id="2" dur="indefinite" nodeType="mainSeq">
@@ -5787,7 +5787,7 @@
   <p:timing>
     <p:tnLst>
       <p:par>
-        <p:cTn xmlns:p14="http://schemas.microsoft.com/office/powerpoint/2010/main" id="1" dur="indefinite" restart="never" nodeType="tmRoot">
+        <p:cTn id="1" dur="indefinite" restart="never" nodeType="tmRoot">
           <p:childTnLst>
             <p:seq concurrent="1" nextAc="seek">
               <p:cTn id="2" dur="indefinite" nodeType="mainSeq">
@@ -6371,11 +6371,18 @@
           <a:lstStyle/>
           <a:p>
             <a:r>
+              <a:rPr lang="fr-FR" sz="4400" smtClean="0">
+                <a:latin typeface="Courier New" panose="02070309020205020404" pitchFamily="49" charset="0"/>
+                <a:cs typeface="Courier New" panose="02070309020205020404" pitchFamily="49" charset="0"/>
+              </a:rPr>
+              <a:t>&gt;&gt;&gt; note </a:t>
+            </a:r>
+            <a:r>
               <a:rPr lang="fr-FR" sz="4400" dirty="0" smtClean="0">
                 <a:latin typeface="Courier New" panose="02070309020205020404" pitchFamily="49" charset="0"/>
                 <a:cs typeface="Courier New" panose="02070309020205020404" pitchFamily="49" charset="0"/>
               </a:rPr>
-              <a:t>&gt;&gt;&gt; a = 1</a:t>
+              <a:t>= 1</a:t>
             </a:r>
             <a:endParaRPr lang="fr-FR" sz="4400" dirty="0">
               <a:latin typeface="Courier New" panose="02070309020205020404" pitchFamily="49" charset="0"/>
@@ -6397,7 +6404,7 @@
   <p:timing>
     <p:tnLst>
       <p:par>
-        <p:cTn xmlns:p14="http://schemas.microsoft.com/office/powerpoint/2010/main" id="1" dur="indefinite" restart="never" nodeType="tmRoot">
+        <p:cTn id="1" dur="indefinite" restart="never" nodeType="tmRoot">
           <p:childTnLst>
             <p:seq concurrent="1" nextAc="seek">
               <p:cTn id="2" dur="indefinite" nodeType="mainSeq">
@@ -6588,7 +6595,7 @@
   <p:timing>
     <p:tnLst>
       <p:par>
-        <p:cTn xmlns:p14="http://schemas.microsoft.com/office/powerpoint/2010/main" id="1" dur="indefinite" restart="never" nodeType="tmRoot">
+        <p:cTn id="1" dur="indefinite" restart="never" nodeType="tmRoot">
           <p:childTnLst>
             <p:seq concurrent="1" nextAc="seek">
               <p:cTn id="2" dur="indefinite" nodeType="mainSeq">
@@ -6888,7 +6895,7 @@
         <p:spPr>
           <a:xfrm>
             <a:off x="713678" y="780585"/>
-            <a:ext cx="9233210" cy="3477875"/>
+            <a:ext cx="9233210" cy="4154984"/>
           </a:xfrm>
           <a:prstGeom prst="rect">
             <a:avLst/>
@@ -6933,6 +6940,18 @@
           </a:p>
           <a:p>
             <a:r>
+              <a:rPr lang="fr-FR" sz="4400" strike="sngStrike" dirty="0" smtClean="0">
+                <a:solidFill>
+                  <a:srgbClr val="FF0000"/>
+                </a:solidFill>
+                <a:latin typeface="Courier New" panose="02070309020205020404" pitchFamily="49" charset="0"/>
+                <a:cs typeface="Courier New" panose="02070309020205020404" pitchFamily="49" charset="0"/>
+              </a:rPr>
+              <a:t>06_departement</a:t>
+            </a:r>
+          </a:p>
+          <a:p>
+            <a:r>
               <a:rPr lang="fr-FR" sz="4400" dirty="0">
                 <a:solidFill>
                   <a:srgbClr val="00B050"/>
@@ -6940,37 +6959,10 @@
                 <a:latin typeface="Courier New" panose="02070309020205020404" pitchFamily="49" charset="0"/>
                 <a:cs typeface="Courier New" panose="02070309020205020404" pitchFamily="49" charset="0"/>
               </a:rPr>
-              <a:t>d</a:t>
-            </a:r>
-            <a:r>
-              <a:rPr lang="fr-FR" sz="4400" dirty="0" smtClean="0">
-                <a:solidFill>
-                  <a:srgbClr val="00B050"/>
-                </a:solidFill>
-                <a:latin typeface="Courier New" panose="02070309020205020404" pitchFamily="49" charset="0"/>
-                <a:cs typeface="Courier New" panose="02070309020205020404" pitchFamily="49" charset="0"/>
-              </a:rPr>
-              <a:t>epartement_06</a:t>
-            </a:r>
-            <a:endParaRPr lang="fr-FR" sz="4400" dirty="0">
-              <a:solidFill>
-                <a:srgbClr val="00B050"/>
-              </a:solidFill>
-              <a:latin typeface="Courier New" panose="02070309020205020404" pitchFamily="49" charset="0"/>
-              <a:cs typeface="Courier New" panose="02070309020205020404" pitchFamily="49" charset="0"/>
-            </a:endParaRPr>
-          </a:p>
-          <a:p>
-            <a:r>
-              <a:rPr lang="fr-FR" sz="4400" strike="sngStrike" dirty="0" smtClean="0">
-                <a:solidFill>
-                  <a:srgbClr val="FF0000"/>
-                </a:solidFill>
-                <a:latin typeface="Courier New" panose="02070309020205020404" pitchFamily="49" charset="0"/>
-                <a:cs typeface="Courier New" panose="02070309020205020404" pitchFamily="49" charset="0"/>
-              </a:rPr>
-              <a:t>18_departement</a:t>
-            </a:r>
+              <a:t>departement_06</a:t>
+            </a:r>
+          </a:p>
+          <a:p>
             <a:endParaRPr lang="fr-FR" sz="4400" strike="sngStrike" dirty="0" smtClean="0">
               <a:solidFill>
                 <a:srgbClr val="FF0000"/>
@@ -7003,7 +6995,7 @@
   <p:timing>
     <p:tnLst>
       <p:par>
-        <p:cTn xmlns:p14="http://schemas.microsoft.com/office/powerpoint/2010/main" id="1" dur="indefinite" restart="never" nodeType="tmRoot">
+        <p:cTn id="1" dur="indefinite" restart="never" nodeType="tmRoot">
           <p:childTnLst>
             <p:seq concurrent="1" nextAc="seek">
               <p:cTn id="2" dur="indefinite" nodeType="mainSeq">
@@ -7161,7 +7153,7 @@
                                         <p:tgtEl>
                                           <p:spTgt spid="4">
                                             <p:txEl>
-                                              <p:pRg st="3" end="3"/>
+                                              <p:pRg st="2" end="2"/>
                                             </p:txEl>
                                           </p:spTgt>
                                         </p:tgtEl>
@@ -7179,7 +7171,7 @@
                                         <p:tgtEl>
                                           <p:spTgt spid="4">
                                             <p:txEl>
-                                              <p:pRg st="3" end="3"/>
+                                              <p:pRg st="2" end="2"/>
                                             </p:txEl>
                                           </p:spTgt>
                                         </p:tgtEl>
@@ -7222,7 +7214,7 @@
                                         <p:tgtEl>
                                           <p:spTgt spid="4">
                                             <p:txEl>
-                                              <p:pRg st="2" end="2"/>
+                                              <p:pRg st="3" end="3"/>
                                             </p:txEl>
                                           </p:spTgt>
                                         </p:tgtEl>
@@ -7240,7 +7232,7 @@
                                         <p:tgtEl>
                                           <p:spTgt spid="4">
                                             <p:txEl>
-                                              <p:pRg st="2" end="2"/>
+                                              <p:pRg st="3" end="3"/>
                                             </p:txEl>
                                           </p:spTgt>
                                         </p:tgtEl>
@@ -7360,7 +7352,7 @@
   <p:timing>
     <p:tnLst>
       <p:par>
-        <p:cTn xmlns:p14="http://schemas.microsoft.com/office/powerpoint/2010/main" id="1" dur="indefinite" restart="never" nodeType="tmRoot">
+        <p:cTn id="1" dur="indefinite" restart="never" nodeType="tmRoot">
           <p:childTnLst>
             <p:seq concurrent="1" nextAc="seek">
               <p:cTn id="2" dur="indefinite" nodeType="mainSeq">
@@ -7557,7 +7549,7 @@
   <p:timing>
     <p:tnLst>
       <p:par>
-        <p:cTn xmlns:p14="http://schemas.microsoft.com/office/powerpoint/2010/main" id="1" dur="indefinite" restart="never" nodeType="tmRoot">
+        <p:cTn id="1" dur="indefinite" restart="never" nodeType="tmRoot">
           <p:childTnLst>
             <p:seq concurrent="1" nextAc="seek">
               <p:cTn id="2" dur="indefinite" nodeType="mainSeq">
@@ -7949,7 +7941,7 @@
         <p:spPr>
           <a:xfrm>
             <a:off x="7877908" y="1033540"/>
-            <a:ext cx="6669809" cy="1323439"/>
+            <a:ext cx="6669809" cy="1938992"/>
           </a:xfrm>
           <a:prstGeom prst="rect">
             <a:avLst/>
@@ -7976,8 +7968,42 @@
                 <a:latin typeface="Courier New" panose="02070309020205020404" pitchFamily="49" charset="0"/>
                 <a:cs typeface="Courier New" panose="02070309020205020404" pitchFamily="49" charset="0"/>
               </a:rPr>
-              <a:t>&gt;&gt;&gt; a = 'spam'</a:t>
-            </a:r>
+              <a:t>&gt;&gt;&gt; a = </a:t>
+            </a:r>
+            <a:r>
+              <a:rPr lang="fr-FR" sz="4000" dirty="0" smtClean="0">
+                <a:latin typeface="Courier New" panose="02070309020205020404" pitchFamily="49" charset="0"/>
+                <a:cs typeface="Courier New" panose="02070309020205020404" pitchFamily="49" charset="0"/>
+              </a:rPr>
+              <a:t>'spam'</a:t>
+            </a:r>
+          </a:p>
+          <a:p>
+            <a:r>
+              <a:rPr lang="fr-FR" sz="4000" dirty="0" smtClean="0">
+                <a:latin typeface="Courier New" panose="02070309020205020404" pitchFamily="49" charset="0"/>
+                <a:cs typeface="Courier New" panose="02070309020205020404" pitchFamily="49" charset="0"/>
+              </a:rPr>
+              <a:t>&gt;&gt;&gt; </a:t>
+            </a:r>
+            <a:r>
+              <a:rPr lang="fr-FR" sz="4000" dirty="0" err="1" smtClean="0">
+                <a:latin typeface="Courier New" panose="02070309020205020404" pitchFamily="49" charset="0"/>
+                <a:cs typeface="Courier New" panose="02070309020205020404" pitchFamily="49" charset="0"/>
+              </a:rPr>
+              <a:t>del</a:t>
+            </a:r>
+            <a:r>
+              <a:rPr lang="fr-FR" sz="4000" dirty="0" smtClean="0">
+                <a:latin typeface="Courier New" panose="02070309020205020404" pitchFamily="49" charset="0"/>
+                <a:cs typeface="Courier New" panose="02070309020205020404" pitchFamily="49" charset="0"/>
+              </a:rPr>
+              <a:t> a</a:t>
+            </a:r>
+            <a:endParaRPr lang="fr-FR" sz="4000" dirty="0">
+              <a:latin typeface="Courier New" panose="02070309020205020404" pitchFamily="49" charset="0"/>
+              <a:cs typeface="Courier New" panose="02070309020205020404" pitchFamily="49" charset="0"/>
+            </a:endParaRPr>
           </a:p>
         </p:txBody>
       </p:sp>
@@ -8301,7 +8327,7 @@
   <p:timing>
     <p:tnLst>
       <p:par>
-        <p:cTn xmlns:p14="http://schemas.microsoft.com/office/powerpoint/2010/main" id="1" dur="indefinite" restart="never" nodeType="tmRoot">
+        <p:cTn id="1" dur="indefinite" restart="never" nodeType="tmRoot">
           <p:childTnLst>
             <p:seq concurrent="1" nextAc="seek">
               <p:cTn id="2" dur="indefinite" nodeType="mainSeq">
@@ -8992,6 +9018,155 @@
                       </p:childTnLst>
                     </p:cTn>
                   </p:par>
+                  <p:par>
+                    <p:cTn id="65" fill="hold">
+                      <p:stCondLst>
+                        <p:cond delay="indefinite"/>
+                      </p:stCondLst>
+                      <p:childTnLst>
+                        <p:par>
+                          <p:cTn id="66" fill="hold">
+                            <p:stCondLst>
+                              <p:cond delay="0"/>
+                            </p:stCondLst>
+                            <p:childTnLst>
+                              <p:par>
+                                <p:cTn id="67" presetID="10" presetClass="entr" presetSubtype="0" fill="hold" nodeType="clickEffect">
+                                  <p:stCondLst>
+                                    <p:cond delay="0"/>
+                                  </p:stCondLst>
+                                  <p:childTnLst>
+                                    <p:set>
+                                      <p:cBhvr>
+                                        <p:cTn id="68" dur="1" fill="hold">
+                                          <p:stCondLst>
+                                            <p:cond delay="0"/>
+                                          </p:stCondLst>
+                                        </p:cTn>
+                                        <p:tgtEl>
+                                          <p:spTgt spid="2">
+                                            <p:txEl>
+                                              <p:pRg st="2" end="2"/>
+                                            </p:txEl>
+                                          </p:spTgt>
+                                        </p:tgtEl>
+                                        <p:attrNameLst>
+                                          <p:attrName>style.visibility</p:attrName>
+                                        </p:attrNameLst>
+                                      </p:cBhvr>
+                                      <p:to>
+                                        <p:strVal val="visible"/>
+                                      </p:to>
+                                    </p:set>
+                                    <p:animEffect transition="in" filter="fade">
+                                      <p:cBhvr>
+                                        <p:cTn id="69" dur="500"/>
+                                        <p:tgtEl>
+                                          <p:spTgt spid="2">
+                                            <p:txEl>
+                                              <p:pRg st="2" end="2"/>
+                                            </p:txEl>
+                                          </p:spTgt>
+                                        </p:tgtEl>
+                                      </p:cBhvr>
+                                    </p:animEffect>
+                                  </p:childTnLst>
+                                </p:cTn>
+                              </p:par>
+                            </p:childTnLst>
+                          </p:cTn>
+                        </p:par>
+                      </p:childTnLst>
+                    </p:cTn>
+                  </p:par>
+                  <p:par>
+                    <p:cTn id="70" fill="hold">
+                      <p:stCondLst>
+                        <p:cond delay="indefinite"/>
+                      </p:stCondLst>
+                      <p:childTnLst>
+                        <p:par>
+                          <p:cTn id="71" fill="hold">
+                            <p:stCondLst>
+                              <p:cond delay="0"/>
+                            </p:stCondLst>
+                            <p:childTnLst>
+                              <p:par>
+                                <p:cTn id="72" presetID="10" presetClass="exit" presetSubtype="0" fill="hold" grpId="1" nodeType="clickEffect">
+                                  <p:stCondLst>
+                                    <p:cond delay="0"/>
+                                  </p:stCondLst>
+                                  <p:childTnLst>
+                                    <p:animEffect transition="out" filter="fade">
+                                      <p:cBhvr>
+                                        <p:cTn id="73" dur="500"/>
+                                        <p:tgtEl>
+                                          <p:spTgt spid="9"/>
+                                        </p:tgtEl>
+                                      </p:cBhvr>
+                                    </p:animEffect>
+                                    <p:set>
+                                      <p:cBhvr>
+                                        <p:cTn id="74" dur="1" fill="hold">
+                                          <p:stCondLst>
+                                            <p:cond delay="499"/>
+                                          </p:stCondLst>
+                                        </p:cTn>
+                                        <p:tgtEl>
+                                          <p:spTgt spid="9"/>
+                                        </p:tgtEl>
+                                        <p:attrNameLst>
+                                          <p:attrName>style.visibility</p:attrName>
+                                        </p:attrNameLst>
+                                      </p:cBhvr>
+                                      <p:to>
+                                        <p:strVal val="hidden"/>
+                                      </p:to>
+                                    </p:set>
+                                  </p:childTnLst>
+                                </p:cTn>
+                              </p:par>
+                              <p:par>
+                                <p:cTn id="75" presetID="10" presetClass="exit" presetSubtype="0" fill="hold" grpId="1" nodeType="withEffect">
+                                  <p:stCondLst>
+                                    <p:cond delay="0"/>
+                                  </p:stCondLst>
+                                  <p:childTnLst>
+                                    <p:animEffect transition="out" filter="fade">
+                                      <p:cBhvr>
+                                        <p:cTn id="76" dur="500"/>
+                                        <p:tgtEl>
+                                          <p:spTgt spid="13"/>
+                                        </p:tgtEl>
+                                      </p:cBhvr>
+                                    </p:animEffect>
+                                    <p:set>
+                                      <p:cBhvr>
+                                        <p:cTn id="77" dur="1" fill="hold">
+                                          <p:stCondLst>
+                                            <p:cond delay="499"/>
+                                          </p:stCondLst>
+                                        </p:cTn>
+                                        <p:tgtEl>
+                                          <p:spTgt spid="13"/>
+                                        </p:tgtEl>
+                                        <p:attrNameLst>
+                                          <p:attrName>style.visibility</p:attrName>
+                                        </p:attrNameLst>
+                                      </p:cBhvr>
+                                      <p:to>
+                                        <p:strVal val="hidden"/>
+                                      </p:to>
+                                    </p:set>
+                                  </p:childTnLst>
+                                </p:cTn>
+                              </p:par>
+                            </p:childTnLst>
+                          </p:cTn>
+                        </p:par>
+                      </p:childTnLst>
+                    </p:cTn>
+                  </p:par>
                 </p:childTnLst>
               </p:cTn>
               <p:prevCondLst>
@@ -9020,10 +9195,12 @@
       <p:bldP spid="7" grpId="0"/>
       <p:bldP spid="8" grpId="0" animBg="1"/>
       <p:bldP spid="9" grpId="0"/>
+      <p:bldP spid="9" grpId="1"/>
       <p:bldP spid="12" grpId="0" animBg="1"/>
       <p:bldP spid="12" grpId="1" animBg="1"/>
       <p:bldP spid="10" grpId="0" animBg="1"/>
       <p:bldP spid="13" grpId="0" animBg="1"/>
+      <p:bldP spid="13" grpId="1" animBg="1"/>
       <p:bldP spid="14" grpId="0"/>
       <p:bldP spid="14" grpId="1"/>
     </p:bldLst>

--- a/w1/w1-s6-av-slide1.pptx
+++ b/w1/w1-s6-av-slide1.pptx
@@ -5,21 +5,13 @@
     <p:sldMasterId id="2147483649" r:id="rId1"/>
   </p:sldMasterIdLst>
   <p:notesMasterIdLst>
-    <p:notesMasterId r:id="rId11"/>
+    <p:notesMasterId r:id="rId3"/>
   </p:notesMasterIdLst>
   <p:handoutMasterIdLst>
-    <p:handoutMasterId r:id="rId12"/>
+    <p:handoutMasterId r:id="rId4"/>
   </p:handoutMasterIdLst>
   <p:sldIdLst>
     <p:sldId id="906" r:id="rId2"/>
-    <p:sldId id="908" r:id="rId3"/>
-    <p:sldId id="905" r:id="rId4"/>
-    <p:sldId id="911" r:id="rId5"/>
-    <p:sldId id="912" r:id="rId6"/>
-    <p:sldId id="914" r:id="rId7"/>
-    <p:sldId id="913" r:id="rId8"/>
-    <p:sldId id="915" r:id="rId9"/>
-    <p:sldId id="909" r:id="rId10"/>
   </p:sldIdLst>
   <p:sldSz cx="12192000" cy="6858000"/>
   <p:notesSz cx="7099300" cy="10234613"/>
@@ -154,14 +146,6 @@
         <p14:section name="Section par défaut" id="{28C650F0-13B2-49C9-9ED4-D40CD07835D6}">
           <p14:sldIdLst>
             <p14:sldId id="906"/>
-            <p14:sldId id="908"/>
-            <p14:sldId id="905"/>
-            <p14:sldId id="911"/>
-            <p14:sldId id="912"/>
-            <p14:sldId id="914"/>
-            <p14:sldId id="913"/>
-            <p14:sldId id="915"/>
-            <p14:sldId id="909"/>
           </p14:sldIdLst>
         </p14:section>
       </p14:sectionLst>
@@ -592,8 +576,8 @@
             <a:tailEnd/>
           </a:ln>
           <a:extLst>
-            <a:ext uri="{909E8E84-426E-40dd-AFC4-6F175D3DCCD1}">
-              <a14:hiddenFill xmlns="" xmlns:a14="http://schemas.microsoft.com/office/drawing/2010/main">
+            <a:ext uri="{909E8E84-426E-40DD-AFC4-6F175D3DCCD1}">
+              <a14:hiddenFill xmlns:a14="http://schemas.microsoft.com/office/drawing/2010/main">
                 <a:solidFill>
                   <a:srgbClr val="FFFFFF"/>
                 </a:solidFill>
@@ -917,212 +901,6 @@
 </p:notesMaster>
 </file>
 
-<file path=ppt/notesSlides/notesSlide1.xml><?xml version="1.0" encoding="utf-8"?>
-<p:notes xmlns:a="http://schemas.openxmlformats.org/drawingml/2006/main" xmlns:r="http://schemas.openxmlformats.org/officeDocument/2006/relationships" xmlns:p="http://schemas.openxmlformats.org/presentationml/2006/main">
-  <p:cSld>
-    <p:spTree>
-      <p:nvGrpSpPr>
-        <p:cNvPr id="1" name=""/>
-        <p:cNvGrpSpPr/>
-        <p:nvPr/>
-      </p:nvGrpSpPr>
-      <p:grpSpPr>
-        <a:xfrm>
-          <a:off x="0" y="0"/>
-          <a:ext cx="0" cy="0"/>
-          <a:chOff x="0" y="0"/>
-          <a:chExt cx="0" cy="0"/>
-        </a:xfrm>
-      </p:grpSpPr>
-      <p:sp>
-        <p:nvSpPr>
-          <p:cNvPr id="2" name="Espace réservé de l'image des diapositives 1"/>
-          <p:cNvSpPr>
-            <a:spLocks noGrp="1" noRot="1" noChangeAspect="1"/>
-          </p:cNvSpPr>
-          <p:nvPr>
-            <p:ph type="sldImg"/>
-          </p:nvPr>
-        </p:nvSpPr>
-        <p:spPr>
-          <a:xfrm>
-            <a:off x="141288" y="768350"/>
-            <a:ext cx="6818312" cy="3836988"/>
-          </a:xfrm>
-        </p:spPr>
-      </p:sp>
-      <p:sp>
-        <p:nvSpPr>
-          <p:cNvPr id="3" name="Espace réservé des commentaires 2"/>
-          <p:cNvSpPr>
-            <a:spLocks noGrp="1"/>
-          </p:cNvSpPr>
-          <p:nvPr>
-            <p:ph type="body" idx="1"/>
-          </p:nvPr>
-        </p:nvSpPr>
-        <p:spPr/>
-        <p:txBody>
-          <a:bodyPr/>
-          <a:lstStyle/>
-          <a:p>
-            <a:r>
-              <a:rPr lang="fr-FR" dirty="0" smtClean="0"/>
-              <a:t>En Python</a:t>
-            </a:r>
-            <a:r>
-              <a:rPr lang="fr-FR" baseline="0" dirty="0" smtClean="0"/>
-              <a:t> tout est un objet, donc on appelle toujours une méthode sur l’objet de la </a:t>
-            </a:r>
-            <a:r>
-              <a:rPr lang="fr-FR" baseline="0" smtClean="0"/>
-              <a:t>même manière</a:t>
-            </a:r>
-            <a:endParaRPr lang="fr-FR" dirty="0"/>
-          </a:p>
-        </p:txBody>
-      </p:sp>
-      <p:sp>
-        <p:nvSpPr>
-          <p:cNvPr id="4" name="Espace réservé du numéro de diapositive 3"/>
-          <p:cNvSpPr>
-            <a:spLocks noGrp="1"/>
-          </p:cNvSpPr>
-          <p:nvPr>
-            <p:ph type="sldNum" sz="quarter" idx="10"/>
-          </p:nvPr>
-        </p:nvSpPr>
-        <p:spPr/>
-        <p:txBody>
-          <a:bodyPr/>
-          <a:lstStyle/>
-          <a:p>
-            <a:pPr>
-              <a:defRPr/>
-            </a:pPr>
-            <a:fld id="{9E8EB9F5-F2F7-4A48-A943-9B409357C15C}" type="slidenum">
-              <a:rPr lang="en-US" smtClean="0"/>
-              <a:pPr>
-                <a:defRPr/>
-              </a:pPr>
-              <a:t>3</a:t>
-            </a:fld>
-            <a:endParaRPr lang="en-US"/>
-          </a:p>
-        </p:txBody>
-      </p:sp>
-    </p:spTree>
-    <p:extLst>
-      <p:ext uri="{BB962C8B-B14F-4D97-AF65-F5344CB8AC3E}">
-        <p14:creationId xmlns:p14="http://schemas.microsoft.com/office/powerpoint/2010/main" val="4085880631"/>
-      </p:ext>
-    </p:extLst>
-  </p:cSld>
-  <p:clrMapOvr>
-    <a:masterClrMapping/>
-  </p:clrMapOvr>
-</p:notes>
-</file>
-
-<file path=ppt/notesSlides/notesSlide2.xml><?xml version="1.0" encoding="utf-8"?>
-<p:notes xmlns:a="http://schemas.openxmlformats.org/drawingml/2006/main" xmlns:r="http://schemas.openxmlformats.org/officeDocument/2006/relationships" xmlns:p="http://schemas.openxmlformats.org/presentationml/2006/main">
-  <p:cSld>
-    <p:spTree>
-      <p:nvGrpSpPr>
-        <p:cNvPr id="1" name=""/>
-        <p:cNvGrpSpPr/>
-        <p:nvPr/>
-      </p:nvGrpSpPr>
-      <p:grpSpPr>
-        <a:xfrm>
-          <a:off x="0" y="0"/>
-          <a:ext cx="0" cy="0"/>
-          <a:chOff x="0" y="0"/>
-          <a:chExt cx="0" cy="0"/>
-        </a:xfrm>
-      </p:grpSpPr>
-      <p:sp>
-        <p:nvSpPr>
-          <p:cNvPr id="2" name="Espace réservé de l'image des diapositives 1"/>
-          <p:cNvSpPr>
-            <a:spLocks noGrp="1" noRot="1" noChangeAspect="1"/>
-          </p:cNvSpPr>
-          <p:nvPr>
-            <p:ph type="sldImg"/>
-          </p:nvPr>
-        </p:nvSpPr>
-        <p:spPr>
-          <a:xfrm>
-            <a:off x="141288" y="768350"/>
-            <a:ext cx="6818312" cy="3836988"/>
-          </a:xfrm>
-        </p:spPr>
-      </p:sp>
-      <p:sp>
-        <p:nvSpPr>
-          <p:cNvPr id="3" name="Espace réservé des commentaires 2"/>
-          <p:cNvSpPr>
-            <a:spLocks noGrp="1"/>
-          </p:cNvSpPr>
-          <p:nvPr>
-            <p:ph type="body" idx="1"/>
-          </p:nvPr>
-        </p:nvSpPr>
-        <p:spPr/>
-        <p:txBody>
-          <a:bodyPr/>
-          <a:lstStyle/>
-          <a:p>
-            <a:r>
-              <a:rPr lang="fr-FR" dirty="0" smtClean="0"/>
-              <a:t>(60s)</a:t>
-            </a:r>
-            <a:endParaRPr lang="fr-FR" dirty="0"/>
-          </a:p>
-        </p:txBody>
-      </p:sp>
-      <p:sp>
-        <p:nvSpPr>
-          <p:cNvPr id="4" name="Espace réservé du numéro de diapositive 3"/>
-          <p:cNvSpPr>
-            <a:spLocks noGrp="1"/>
-          </p:cNvSpPr>
-          <p:nvPr>
-            <p:ph type="sldNum" sz="quarter" idx="10"/>
-          </p:nvPr>
-        </p:nvSpPr>
-        <p:spPr/>
-        <p:txBody>
-          <a:bodyPr/>
-          <a:lstStyle/>
-          <a:p>
-            <a:pPr>
-              <a:defRPr/>
-            </a:pPr>
-            <a:fld id="{9E8EB9F5-F2F7-4A48-A943-9B409357C15C}" type="slidenum">
-              <a:rPr lang="en-US" smtClean="0"/>
-              <a:pPr>
-                <a:defRPr/>
-              </a:pPr>
-              <a:t>9</a:t>
-            </a:fld>
-            <a:endParaRPr lang="en-US"/>
-          </a:p>
-        </p:txBody>
-      </p:sp>
-    </p:spTree>
-    <p:extLst>
-      <p:ext uri="{BB962C8B-B14F-4D97-AF65-F5344CB8AC3E}">
-        <p14:creationId xmlns:p14="http://schemas.microsoft.com/office/powerpoint/2010/main" val="2030304619"/>
-      </p:ext>
-    </p:extLst>
-  </p:cSld>
-  <p:clrMapOvr>
-    <a:masterClrMapping/>
-  </p:clrMapOvr>
-</p:notes>
-</file>
-
 <file path=ppt/slideLayouts/slideLayout1.xml><?xml version="1.0" encoding="utf-8"?>
 <p:sldLayout xmlns:a="http://schemas.openxmlformats.org/drawingml/2006/main" xmlns:r="http://schemas.openxmlformats.org/officeDocument/2006/relationships" xmlns:p="http://schemas.openxmlformats.org/presentationml/2006/main" type="title" preserve="1">
   <p:cSld name="Diapositive de titre">
@@ -3765,15 +3543,15 @@
             <a:noFill/>
           </a:ln>
           <a:extLst>
-            <a:ext uri="{909E8E84-426E-40dd-AFC4-6F175D3DCCD1}">
-              <a14:hiddenFill xmlns="" xmlns:a14="http://schemas.microsoft.com/office/drawing/2010/main">
+            <a:ext uri="{909E8E84-426E-40DD-AFC4-6F175D3DCCD1}">
+              <a14:hiddenFill xmlns:a14="http://schemas.microsoft.com/office/drawing/2010/main">
                 <a:solidFill>
                   <a:srgbClr val="FFFFFF"/>
                 </a:solidFill>
               </a14:hiddenFill>
             </a:ext>
-            <a:ext uri="{91240B29-F687-4f45-9708-019B960494DF}">
-              <a14:hiddenLine xmlns="" xmlns:a14="http://schemas.microsoft.com/office/drawing/2010/main" w="9525">
+            <a:ext uri="{91240B29-F687-4F45-9708-019B960494DF}">
+              <a14:hiddenLine xmlns:a14="http://schemas.microsoft.com/office/drawing/2010/main" w="9525">
                 <a:solidFill>
                   <a:srgbClr val="000000"/>
                 </a:solidFill>
@@ -3823,15 +3601,15 @@
             <a:noFill/>
           </a:ln>
           <a:extLst>
-            <a:ext uri="{909E8E84-426E-40dd-AFC4-6F175D3DCCD1}">
-              <a14:hiddenFill xmlns="" xmlns:a14="http://schemas.microsoft.com/office/drawing/2010/main">
+            <a:ext uri="{909E8E84-426E-40DD-AFC4-6F175D3DCCD1}">
+              <a14:hiddenFill xmlns:a14="http://schemas.microsoft.com/office/drawing/2010/main">
                 <a:solidFill>
                   <a:srgbClr val="FFFFFF"/>
                 </a:solidFill>
               </a14:hiddenFill>
             </a:ext>
-            <a:ext uri="{91240B29-F687-4f45-9708-019B960494DF}">
-              <a14:hiddenLine xmlns="" xmlns:a14="http://schemas.microsoft.com/office/drawing/2010/main" w="9525">
+            <a:ext uri="{91240B29-F687-4F45-9708-019B960494DF}">
+              <a14:hiddenLine xmlns:a14="http://schemas.microsoft.com/office/drawing/2010/main" w="9525">
                 <a:solidFill>
                   <a:srgbClr val="000000"/>
                 </a:solidFill>
@@ -4429,7 +4207,7 @@
         <p:spPr>
           <a:xfrm>
             <a:off x="713678" y="780585"/>
-            <a:ext cx="5977054" cy="2123658"/>
+            <a:ext cx="5977054" cy="2800767"/>
           </a:xfrm>
           <a:prstGeom prst="rect">
             <a:avLst/>
@@ -4443,33 +4221,54 @@
           <a:lstStyle/>
           <a:p>
             <a:r>
-              <a:rPr lang="fr-FR" sz="4400" dirty="0" smtClean="0">
-                <a:latin typeface="Calibri" panose="020F0502020204030204" pitchFamily="34" charset="0"/>
-                <a:cs typeface="Calibri" panose="020F0502020204030204" pitchFamily="34" charset="0"/>
+              <a:rPr lang="fr-FR" sz="4400" dirty="0" err="1" smtClean="0">
+                <a:latin typeface="Courier New" panose="02070309020205020404" pitchFamily="49" charset="0"/>
+                <a:cs typeface="Courier New" panose="02070309020205020404" pitchFamily="49" charset="0"/>
               </a:rPr>
-              <a:t>Objet</a:t>
-            </a:r>
-          </a:p>
-          <a:p>
-            <a:r>
-              <a:rPr lang="fr-FR" sz="4400" dirty="0" smtClean="0">
-                <a:latin typeface="Calibri" panose="020F0502020204030204" pitchFamily="34" charset="0"/>
-                <a:cs typeface="Calibri" panose="020F0502020204030204" pitchFamily="34" charset="0"/>
+              <a:t>int</a:t>
+            </a:r>
+            <a:endParaRPr lang="fr-FR" sz="4400" dirty="0" smtClean="0">
+              <a:latin typeface="Courier New" panose="02070309020205020404" pitchFamily="49" charset="0"/>
+              <a:cs typeface="Courier New" panose="02070309020205020404" pitchFamily="49" charset="0"/>
+            </a:endParaRPr>
+          </a:p>
+          <a:p>
+            <a:r>
+              <a:rPr lang="fr-FR" sz="4400" dirty="0" err="1" smtClean="0">
+                <a:latin typeface="Courier New" panose="02070309020205020404" pitchFamily="49" charset="0"/>
+                <a:cs typeface="Courier New" panose="02070309020205020404" pitchFamily="49" charset="0"/>
               </a:rPr>
-              <a:t>Variable</a:t>
-            </a:r>
-          </a:p>
-          <a:p>
-            <a:r>
-              <a:rPr lang="fr-FR" sz="4400" dirty="0" smtClean="0">
-                <a:latin typeface="Calibri" panose="020F0502020204030204" pitchFamily="34" charset="0"/>
-                <a:cs typeface="Calibri" panose="020F0502020204030204" pitchFamily="34" charset="0"/>
+              <a:t>float</a:t>
+            </a:r>
+            <a:endParaRPr lang="fr-FR" sz="4400" dirty="0" smtClean="0">
+              <a:latin typeface="Courier New" panose="02070309020205020404" pitchFamily="49" charset="0"/>
+              <a:cs typeface="Courier New" panose="02070309020205020404" pitchFamily="49" charset="0"/>
+            </a:endParaRPr>
+          </a:p>
+          <a:p>
+            <a:r>
+              <a:rPr lang="fr-FR" sz="4400" dirty="0" err="1" smtClean="0">
+                <a:latin typeface="Courier New" panose="02070309020205020404" pitchFamily="49" charset="0"/>
+                <a:cs typeface="Courier New" panose="02070309020205020404" pitchFamily="49" charset="0"/>
               </a:rPr>
-              <a:t>Typage dynamique</a:t>
+              <a:t>complex</a:t>
+            </a:r>
+            <a:endParaRPr lang="fr-FR" sz="4400" dirty="0" smtClean="0">
+              <a:latin typeface="Courier New" panose="02070309020205020404" pitchFamily="49" charset="0"/>
+              <a:cs typeface="Courier New" panose="02070309020205020404" pitchFamily="49" charset="0"/>
+            </a:endParaRPr>
+          </a:p>
+          <a:p>
+            <a:r>
+              <a:rPr lang="fr-FR" sz="4400" dirty="0" err="1" smtClean="0">
+                <a:latin typeface="Courier New" panose="02070309020205020404" pitchFamily="49" charset="0"/>
+                <a:cs typeface="Courier New" panose="02070309020205020404" pitchFamily="49" charset="0"/>
+              </a:rPr>
+              <a:t>bool</a:t>
             </a:r>
             <a:endParaRPr lang="fr-FR" sz="4400" dirty="0">
-              <a:latin typeface="Calibri" panose="020F0502020204030204" pitchFamily="34" charset="0"/>
-              <a:cs typeface="Calibri" panose="020F0502020204030204" pitchFamily="34" charset="0"/>
+              <a:latin typeface="Courier New" panose="02070309020205020404" pitchFamily="49" charset="0"/>
+              <a:cs typeface="Courier New" panose="02070309020205020404" pitchFamily="49" charset="0"/>
             </a:endParaRPr>
           </a:p>
         </p:txBody>
@@ -4478,2114 +4277,6 @@
     <p:extLst>
       <p:ext uri="{BB962C8B-B14F-4D97-AF65-F5344CB8AC3E}">
         <p14:creationId xmlns:p14="http://schemas.microsoft.com/office/powerpoint/2010/main" val="1792555854"/>
-      </p:ext>
-    </p:extLst>
-  </p:cSld>
-  <p:clrMapOvr>
-    <a:masterClrMapping/>
-  </p:clrMapOvr>
-  <p:timing>
-    <p:tnLst>
-      <p:par>
-        <p:cTn id="1" dur="indefinite" restart="never" nodeType="tmRoot">
-          <p:childTnLst>
-            <p:seq concurrent="1" nextAc="seek">
-              <p:cTn id="2" dur="indefinite" nodeType="mainSeq">
-                <p:childTnLst>
-                  <p:par>
-                    <p:cTn id="3" fill="hold">
-                      <p:stCondLst>
-                        <p:cond delay="indefinite"/>
-                      </p:stCondLst>
-                      <p:childTnLst>
-                        <p:par>
-                          <p:cTn id="4" fill="hold">
-                            <p:stCondLst>
-                              <p:cond delay="0"/>
-                            </p:stCondLst>
-                            <p:childTnLst>
-                              <p:par>
-                                <p:cTn id="5" presetID="10" presetClass="entr" presetSubtype="0" fill="hold" nodeType="clickEffect">
-                                  <p:stCondLst>
-                                    <p:cond delay="0"/>
-                                  </p:stCondLst>
-                                  <p:childTnLst>
-                                    <p:set>
-                                      <p:cBhvr>
-                                        <p:cTn id="6" dur="1" fill="hold">
-                                          <p:stCondLst>
-                                            <p:cond delay="0"/>
-                                          </p:stCondLst>
-                                        </p:cTn>
-                                        <p:tgtEl>
-                                          <p:spTgt spid="4">
-                                            <p:txEl>
-                                              <p:pRg st="0" end="0"/>
-                                            </p:txEl>
-                                          </p:spTgt>
-                                        </p:tgtEl>
-                                        <p:attrNameLst>
-                                          <p:attrName>style.visibility</p:attrName>
-                                        </p:attrNameLst>
-                                      </p:cBhvr>
-                                      <p:to>
-                                        <p:strVal val="visible"/>
-                                      </p:to>
-                                    </p:set>
-                                    <p:animEffect transition="in" filter="fade">
-                                      <p:cBhvr>
-                                        <p:cTn id="7" dur="500"/>
-                                        <p:tgtEl>
-                                          <p:spTgt spid="4">
-                                            <p:txEl>
-                                              <p:pRg st="0" end="0"/>
-                                            </p:txEl>
-                                          </p:spTgt>
-                                        </p:tgtEl>
-                                      </p:cBhvr>
-                                    </p:animEffect>
-                                  </p:childTnLst>
-                                </p:cTn>
-                              </p:par>
-                            </p:childTnLst>
-                          </p:cTn>
-                        </p:par>
-                      </p:childTnLst>
-                    </p:cTn>
-                  </p:par>
-                  <p:par>
-                    <p:cTn id="8" fill="hold">
-                      <p:stCondLst>
-                        <p:cond delay="indefinite"/>
-                      </p:stCondLst>
-                      <p:childTnLst>
-                        <p:par>
-                          <p:cTn id="9" fill="hold">
-                            <p:stCondLst>
-                              <p:cond delay="0"/>
-                            </p:stCondLst>
-                            <p:childTnLst>
-                              <p:par>
-                                <p:cTn id="10" presetID="10" presetClass="entr" presetSubtype="0" fill="hold" nodeType="clickEffect">
-                                  <p:stCondLst>
-                                    <p:cond delay="0"/>
-                                  </p:stCondLst>
-                                  <p:childTnLst>
-                                    <p:set>
-                                      <p:cBhvr>
-                                        <p:cTn id="11" dur="1" fill="hold">
-                                          <p:stCondLst>
-                                            <p:cond delay="0"/>
-                                          </p:stCondLst>
-                                        </p:cTn>
-                                        <p:tgtEl>
-                                          <p:spTgt spid="4">
-                                            <p:txEl>
-                                              <p:pRg st="1" end="1"/>
-                                            </p:txEl>
-                                          </p:spTgt>
-                                        </p:tgtEl>
-                                        <p:attrNameLst>
-                                          <p:attrName>style.visibility</p:attrName>
-                                        </p:attrNameLst>
-                                      </p:cBhvr>
-                                      <p:to>
-                                        <p:strVal val="visible"/>
-                                      </p:to>
-                                    </p:set>
-                                    <p:animEffect transition="in" filter="fade">
-                                      <p:cBhvr>
-                                        <p:cTn id="12" dur="500"/>
-                                        <p:tgtEl>
-                                          <p:spTgt spid="4">
-                                            <p:txEl>
-                                              <p:pRg st="1" end="1"/>
-                                            </p:txEl>
-                                          </p:spTgt>
-                                        </p:tgtEl>
-                                      </p:cBhvr>
-                                    </p:animEffect>
-                                  </p:childTnLst>
-                                </p:cTn>
-                              </p:par>
-                            </p:childTnLst>
-                          </p:cTn>
-                        </p:par>
-                      </p:childTnLst>
-                    </p:cTn>
-                  </p:par>
-                  <p:par>
-                    <p:cTn id="13" fill="hold">
-                      <p:stCondLst>
-                        <p:cond delay="indefinite"/>
-                      </p:stCondLst>
-                      <p:childTnLst>
-                        <p:par>
-                          <p:cTn id="14" fill="hold">
-                            <p:stCondLst>
-                              <p:cond delay="0"/>
-                            </p:stCondLst>
-                            <p:childTnLst>
-                              <p:par>
-                                <p:cTn id="15" presetID="10" presetClass="entr" presetSubtype="0" fill="hold" nodeType="clickEffect">
-                                  <p:stCondLst>
-                                    <p:cond delay="0"/>
-                                  </p:stCondLst>
-                                  <p:childTnLst>
-                                    <p:set>
-                                      <p:cBhvr>
-                                        <p:cTn id="16" dur="1" fill="hold">
-                                          <p:stCondLst>
-                                            <p:cond delay="0"/>
-                                          </p:stCondLst>
-                                        </p:cTn>
-                                        <p:tgtEl>
-                                          <p:spTgt spid="4">
-                                            <p:txEl>
-                                              <p:pRg st="2" end="2"/>
-                                            </p:txEl>
-                                          </p:spTgt>
-                                        </p:tgtEl>
-                                        <p:attrNameLst>
-                                          <p:attrName>style.visibility</p:attrName>
-                                        </p:attrNameLst>
-                                      </p:cBhvr>
-                                      <p:to>
-                                        <p:strVal val="visible"/>
-                                      </p:to>
-                                    </p:set>
-                                    <p:animEffect transition="in" filter="fade">
-                                      <p:cBhvr>
-                                        <p:cTn id="17" dur="500"/>
-                                        <p:tgtEl>
-                                          <p:spTgt spid="4">
-                                            <p:txEl>
-                                              <p:pRg st="2" end="2"/>
-                                            </p:txEl>
-                                          </p:spTgt>
-                                        </p:tgtEl>
-                                      </p:cBhvr>
-                                    </p:animEffect>
-                                  </p:childTnLst>
-                                </p:cTn>
-                              </p:par>
-                            </p:childTnLst>
-                          </p:cTn>
-                        </p:par>
-                      </p:childTnLst>
-                    </p:cTn>
-                  </p:par>
-                </p:childTnLst>
-              </p:cTn>
-              <p:prevCondLst>
-                <p:cond evt="onPrev" delay="0">
-                  <p:tgtEl>
-                    <p:sldTgt/>
-                  </p:tgtEl>
-                </p:cond>
-              </p:prevCondLst>
-              <p:nextCondLst>
-                <p:cond evt="onNext" delay="0">
-                  <p:tgtEl>
-                    <p:sldTgt/>
-                  </p:tgtEl>
-                </p:cond>
-              </p:nextCondLst>
-            </p:seq>
-          </p:childTnLst>
-        </p:cTn>
-      </p:par>
-    </p:tnLst>
-  </p:timing>
-</p:sld>
-</file>
-
-<file path=ppt/slides/slide2.xml><?xml version="1.0" encoding="utf-8"?>
-<p:sld xmlns:a="http://schemas.openxmlformats.org/drawingml/2006/main" xmlns:r="http://schemas.openxmlformats.org/officeDocument/2006/relationships" xmlns:p="http://schemas.openxmlformats.org/presentationml/2006/main">
-  <p:cSld>
-    <p:spTree>
-      <p:nvGrpSpPr>
-        <p:cNvPr id="1" name=""/>
-        <p:cNvGrpSpPr/>
-        <p:nvPr/>
-      </p:nvGrpSpPr>
-      <p:grpSpPr>
-        <a:xfrm>
-          <a:off x="0" y="0"/>
-          <a:ext cx="0" cy="0"/>
-          <a:chOff x="0" y="0"/>
-          <a:chExt cx="0" cy="0"/>
-        </a:xfrm>
-      </p:grpSpPr>
-      <p:sp>
-        <p:nvSpPr>
-          <p:cNvPr id="4" name="ZoneTexte 3"/>
-          <p:cNvSpPr txBox="1"/>
-          <p:nvPr/>
-        </p:nvSpPr>
-        <p:spPr>
-          <a:xfrm>
-            <a:off x="713678" y="780585"/>
-            <a:ext cx="9233210" cy="4832092"/>
-          </a:xfrm>
-          <a:prstGeom prst="rect">
-            <a:avLst/>
-          </a:prstGeom>
-          <a:noFill/>
-        </p:spPr>
-        <p:txBody>
-          <a:bodyPr wrap="square" rtlCol="0">
-            <a:spAutoFit/>
-          </a:bodyPr>
-          <a:lstStyle/>
-          <a:p>
-            <a:r>
-              <a:rPr lang="fr-FR" sz="4400" dirty="0" smtClean="0">
-                <a:latin typeface="Calibri" panose="020F0502020204030204" pitchFamily="34" charset="0"/>
-                <a:cs typeface="Calibri" panose="020F0502020204030204" pitchFamily="34" charset="0"/>
-              </a:rPr>
-              <a:t>Objet</a:t>
-            </a:r>
-          </a:p>
-          <a:p>
-            <a:pPr marL="571500" indent="-571500">
-              <a:buFont typeface="Arial" panose="020B0604020202020204" pitchFamily="34" charset="0"/>
-              <a:buChar char="•"/>
-            </a:pPr>
-            <a:r>
-              <a:rPr lang="fr-FR" sz="4400" dirty="0" smtClean="0">
-                <a:latin typeface="Calibri" panose="020F0502020204030204" pitchFamily="34" charset="0"/>
-                <a:cs typeface="Calibri" panose="020F0502020204030204" pitchFamily="34" charset="0"/>
-              </a:rPr>
-              <a:t>Données</a:t>
-            </a:r>
-          </a:p>
-          <a:p>
-            <a:pPr marL="571500" indent="-571500">
-              <a:buFont typeface="Arial" panose="020B0604020202020204" pitchFamily="34" charset="0"/>
-              <a:buChar char="•"/>
-            </a:pPr>
-            <a:r>
-              <a:rPr lang="fr-FR" sz="4400" dirty="0" smtClean="0">
-                <a:latin typeface="Calibri" panose="020F0502020204030204" pitchFamily="34" charset="0"/>
-                <a:cs typeface="Calibri" panose="020F0502020204030204" pitchFamily="34" charset="0"/>
-              </a:rPr>
-              <a:t>Méthodes</a:t>
-            </a:r>
-          </a:p>
-          <a:p>
-            <a:endParaRPr lang="fr-FR" sz="4400" dirty="0" smtClean="0">
-              <a:latin typeface="Calibri" panose="020F0502020204030204" pitchFamily="34" charset="0"/>
-              <a:cs typeface="Calibri" panose="020F0502020204030204" pitchFamily="34" charset="0"/>
-            </a:endParaRPr>
-          </a:p>
-          <a:p>
-            <a:r>
-              <a:rPr lang="fr-FR" sz="4400" dirty="0" smtClean="0">
-                <a:latin typeface="Calibri" panose="020F0502020204030204" pitchFamily="34" charset="0"/>
-                <a:cs typeface="Calibri" panose="020F0502020204030204" pitchFamily="34" charset="0"/>
-              </a:rPr>
-              <a:t>Type</a:t>
-            </a:r>
-          </a:p>
-          <a:p>
-            <a:pPr marL="571500" indent="-571500">
-              <a:buFont typeface="Arial" panose="020B0604020202020204" pitchFamily="34" charset="0"/>
-              <a:buChar char="•"/>
-            </a:pPr>
-            <a:r>
-              <a:rPr lang="fr-FR" sz="4400" dirty="0" smtClean="0">
-                <a:latin typeface="Calibri" panose="020F0502020204030204" pitchFamily="34" charset="0"/>
-                <a:cs typeface="Calibri" panose="020F0502020204030204" pitchFamily="34" charset="0"/>
-              </a:rPr>
-              <a:t>Données et méthodes par </a:t>
-            </a:r>
-            <a:br>
-              <a:rPr lang="fr-FR" sz="4400" dirty="0" smtClean="0">
-                <a:latin typeface="Calibri" panose="020F0502020204030204" pitchFamily="34" charset="0"/>
-                <a:cs typeface="Calibri" panose="020F0502020204030204" pitchFamily="34" charset="0"/>
-              </a:rPr>
-            </a:br>
-            <a:r>
-              <a:rPr lang="fr-FR" sz="4400" dirty="0" smtClean="0">
-                <a:latin typeface="Calibri" panose="020F0502020204030204" pitchFamily="34" charset="0"/>
-                <a:cs typeface="Calibri" panose="020F0502020204030204" pitchFamily="34" charset="0"/>
-              </a:rPr>
-              <a:t>défaut</a:t>
-            </a:r>
-            <a:endParaRPr lang="fr-FR" sz="4400" dirty="0">
-              <a:latin typeface="Calibri" panose="020F0502020204030204" pitchFamily="34" charset="0"/>
-              <a:cs typeface="Calibri" panose="020F0502020204030204" pitchFamily="34" charset="0"/>
-            </a:endParaRPr>
-          </a:p>
-        </p:txBody>
-      </p:sp>
-    </p:spTree>
-    <p:extLst>
-      <p:ext uri="{BB962C8B-B14F-4D97-AF65-F5344CB8AC3E}">
-        <p14:creationId xmlns:p14="http://schemas.microsoft.com/office/powerpoint/2010/main" val="1824254277"/>
-      </p:ext>
-    </p:extLst>
-  </p:cSld>
-  <p:clrMapOvr>
-    <a:masterClrMapping/>
-  </p:clrMapOvr>
-  <p:timing>
-    <p:tnLst>
-      <p:par>
-        <p:cTn id="1" dur="indefinite" restart="never" nodeType="tmRoot">
-          <p:childTnLst>
-            <p:seq concurrent="1" nextAc="seek">
-              <p:cTn id="2" dur="indefinite" nodeType="mainSeq">
-                <p:childTnLst>
-                  <p:par>
-                    <p:cTn id="3" fill="hold">
-                      <p:stCondLst>
-                        <p:cond delay="indefinite"/>
-                      </p:stCondLst>
-                      <p:childTnLst>
-                        <p:par>
-                          <p:cTn id="4" fill="hold">
-                            <p:stCondLst>
-                              <p:cond delay="0"/>
-                            </p:stCondLst>
-                            <p:childTnLst>
-                              <p:par>
-                                <p:cTn id="5" presetID="10" presetClass="entr" presetSubtype="0" fill="hold" nodeType="clickEffect">
-                                  <p:stCondLst>
-                                    <p:cond delay="0"/>
-                                  </p:stCondLst>
-                                  <p:childTnLst>
-                                    <p:set>
-                                      <p:cBhvr>
-                                        <p:cTn id="6" dur="1" fill="hold">
-                                          <p:stCondLst>
-                                            <p:cond delay="0"/>
-                                          </p:stCondLst>
-                                        </p:cTn>
-                                        <p:tgtEl>
-                                          <p:spTgt spid="4">
-                                            <p:txEl>
-                                              <p:pRg st="0" end="0"/>
-                                            </p:txEl>
-                                          </p:spTgt>
-                                        </p:tgtEl>
-                                        <p:attrNameLst>
-                                          <p:attrName>style.visibility</p:attrName>
-                                        </p:attrNameLst>
-                                      </p:cBhvr>
-                                      <p:to>
-                                        <p:strVal val="visible"/>
-                                      </p:to>
-                                    </p:set>
-                                    <p:animEffect transition="in" filter="fade">
-                                      <p:cBhvr>
-                                        <p:cTn id="7" dur="500"/>
-                                        <p:tgtEl>
-                                          <p:spTgt spid="4">
-                                            <p:txEl>
-                                              <p:pRg st="0" end="0"/>
-                                            </p:txEl>
-                                          </p:spTgt>
-                                        </p:tgtEl>
-                                      </p:cBhvr>
-                                    </p:animEffect>
-                                  </p:childTnLst>
-                                </p:cTn>
-                              </p:par>
-                            </p:childTnLst>
-                          </p:cTn>
-                        </p:par>
-                      </p:childTnLst>
-                    </p:cTn>
-                  </p:par>
-                  <p:par>
-                    <p:cTn id="8" fill="hold">
-                      <p:stCondLst>
-                        <p:cond delay="indefinite"/>
-                      </p:stCondLst>
-                      <p:childTnLst>
-                        <p:par>
-                          <p:cTn id="9" fill="hold">
-                            <p:stCondLst>
-                              <p:cond delay="0"/>
-                            </p:stCondLst>
-                            <p:childTnLst>
-                              <p:par>
-                                <p:cTn id="10" presetID="10" presetClass="entr" presetSubtype="0" fill="hold" nodeType="clickEffect">
-                                  <p:stCondLst>
-                                    <p:cond delay="0"/>
-                                  </p:stCondLst>
-                                  <p:childTnLst>
-                                    <p:set>
-                                      <p:cBhvr>
-                                        <p:cTn id="11" dur="1" fill="hold">
-                                          <p:stCondLst>
-                                            <p:cond delay="0"/>
-                                          </p:stCondLst>
-                                        </p:cTn>
-                                        <p:tgtEl>
-                                          <p:spTgt spid="4">
-                                            <p:txEl>
-                                              <p:pRg st="1" end="1"/>
-                                            </p:txEl>
-                                          </p:spTgt>
-                                        </p:tgtEl>
-                                        <p:attrNameLst>
-                                          <p:attrName>style.visibility</p:attrName>
-                                        </p:attrNameLst>
-                                      </p:cBhvr>
-                                      <p:to>
-                                        <p:strVal val="visible"/>
-                                      </p:to>
-                                    </p:set>
-                                    <p:animEffect transition="in" filter="fade">
-                                      <p:cBhvr>
-                                        <p:cTn id="12" dur="500"/>
-                                        <p:tgtEl>
-                                          <p:spTgt spid="4">
-                                            <p:txEl>
-                                              <p:pRg st="1" end="1"/>
-                                            </p:txEl>
-                                          </p:spTgt>
-                                        </p:tgtEl>
-                                      </p:cBhvr>
-                                    </p:animEffect>
-                                  </p:childTnLst>
-                                </p:cTn>
-                              </p:par>
-                            </p:childTnLst>
-                          </p:cTn>
-                        </p:par>
-                      </p:childTnLst>
-                    </p:cTn>
-                  </p:par>
-                  <p:par>
-                    <p:cTn id="13" fill="hold">
-                      <p:stCondLst>
-                        <p:cond delay="indefinite"/>
-                      </p:stCondLst>
-                      <p:childTnLst>
-                        <p:par>
-                          <p:cTn id="14" fill="hold">
-                            <p:stCondLst>
-                              <p:cond delay="0"/>
-                            </p:stCondLst>
-                            <p:childTnLst>
-                              <p:par>
-                                <p:cTn id="15" presetID="10" presetClass="entr" presetSubtype="0" fill="hold" nodeType="clickEffect">
-                                  <p:stCondLst>
-                                    <p:cond delay="0"/>
-                                  </p:stCondLst>
-                                  <p:childTnLst>
-                                    <p:set>
-                                      <p:cBhvr>
-                                        <p:cTn id="16" dur="1" fill="hold">
-                                          <p:stCondLst>
-                                            <p:cond delay="0"/>
-                                          </p:stCondLst>
-                                        </p:cTn>
-                                        <p:tgtEl>
-                                          <p:spTgt spid="4">
-                                            <p:txEl>
-                                              <p:pRg st="2" end="2"/>
-                                            </p:txEl>
-                                          </p:spTgt>
-                                        </p:tgtEl>
-                                        <p:attrNameLst>
-                                          <p:attrName>style.visibility</p:attrName>
-                                        </p:attrNameLst>
-                                      </p:cBhvr>
-                                      <p:to>
-                                        <p:strVal val="visible"/>
-                                      </p:to>
-                                    </p:set>
-                                    <p:animEffect transition="in" filter="fade">
-                                      <p:cBhvr>
-                                        <p:cTn id="17" dur="500"/>
-                                        <p:tgtEl>
-                                          <p:spTgt spid="4">
-                                            <p:txEl>
-                                              <p:pRg st="2" end="2"/>
-                                            </p:txEl>
-                                          </p:spTgt>
-                                        </p:tgtEl>
-                                      </p:cBhvr>
-                                    </p:animEffect>
-                                  </p:childTnLst>
-                                </p:cTn>
-                              </p:par>
-                            </p:childTnLst>
-                          </p:cTn>
-                        </p:par>
-                      </p:childTnLst>
-                    </p:cTn>
-                  </p:par>
-                  <p:par>
-                    <p:cTn id="18" fill="hold">
-                      <p:stCondLst>
-                        <p:cond delay="indefinite"/>
-                      </p:stCondLst>
-                      <p:childTnLst>
-                        <p:par>
-                          <p:cTn id="19" fill="hold">
-                            <p:stCondLst>
-                              <p:cond delay="0"/>
-                            </p:stCondLst>
-                            <p:childTnLst>
-                              <p:par>
-                                <p:cTn id="20" presetID="10" presetClass="entr" presetSubtype="0" fill="hold" nodeType="clickEffect">
-                                  <p:stCondLst>
-                                    <p:cond delay="0"/>
-                                  </p:stCondLst>
-                                  <p:childTnLst>
-                                    <p:set>
-                                      <p:cBhvr>
-                                        <p:cTn id="21" dur="1" fill="hold">
-                                          <p:stCondLst>
-                                            <p:cond delay="0"/>
-                                          </p:stCondLst>
-                                        </p:cTn>
-                                        <p:tgtEl>
-                                          <p:spTgt spid="4">
-                                            <p:txEl>
-                                              <p:pRg st="4" end="4"/>
-                                            </p:txEl>
-                                          </p:spTgt>
-                                        </p:tgtEl>
-                                        <p:attrNameLst>
-                                          <p:attrName>style.visibility</p:attrName>
-                                        </p:attrNameLst>
-                                      </p:cBhvr>
-                                      <p:to>
-                                        <p:strVal val="visible"/>
-                                      </p:to>
-                                    </p:set>
-                                    <p:animEffect transition="in" filter="fade">
-                                      <p:cBhvr>
-                                        <p:cTn id="22" dur="500"/>
-                                        <p:tgtEl>
-                                          <p:spTgt spid="4">
-                                            <p:txEl>
-                                              <p:pRg st="4" end="4"/>
-                                            </p:txEl>
-                                          </p:spTgt>
-                                        </p:tgtEl>
-                                      </p:cBhvr>
-                                    </p:animEffect>
-                                  </p:childTnLst>
-                                </p:cTn>
-                              </p:par>
-                            </p:childTnLst>
-                          </p:cTn>
-                        </p:par>
-                      </p:childTnLst>
-                    </p:cTn>
-                  </p:par>
-                  <p:par>
-                    <p:cTn id="23" fill="hold">
-                      <p:stCondLst>
-                        <p:cond delay="indefinite"/>
-                      </p:stCondLst>
-                      <p:childTnLst>
-                        <p:par>
-                          <p:cTn id="24" fill="hold">
-                            <p:stCondLst>
-                              <p:cond delay="0"/>
-                            </p:stCondLst>
-                            <p:childTnLst>
-                              <p:par>
-                                <p:cTn id="25" presetID="10" presetClass="entr" presetSubtype="0" fill="hold" nodeType="clickEffect">
-                                  <p:stCondLst>
-                                    <p:cond delay="0"/>
-                                  </p:stCondLst>
-                                  <p:childTnLst>
-                                    <p:set>
-                                      <p:cBhvr>
-                                        <p:cTn id="26" dur="1" fill="hold">
-                                          <p:stCondLst>
-                                            <p:cond delay="0"/>
-                                          </p:stCondLst>
-                                        </p:cTn>
-                                        <p:tgtEl>
-                                          <p:spTgt spid="4">
-                                            <p:txEl>
-                                              <p:pRg st="5" end="5"/>
-                                            </p:txEl>
-                                          </p:spTgt>
-                                        </p:tgtEl>
-                                        <p:attrNameLst>
-                                          <p:attrName>style.visibility</p:attrName>
-                                        </p:attrNameLst>
-                                      </p:cBhvr>
-                                      <p:to>
-                                        <p:strVal val="visible"/>
-                                      </p:to>
-                                    </p:set>
-                                    <p:animEffect transition="in" filter="fade">
-                                      <p:cBhvr>
-                                        <p:cTn id="27" dur="500"/>
-                                        <p:tgtEl>
-                                          <p:spTgt spid="4">
-                                            <p:txEl>
-                                              <p:pRg st="5" end="5"/>
-                                            </p:txEl>
-                                          </p:spTgt>
-                                        </p:tgtEl>
-                                      </p:cBhvr>
-                                    </p:animEffect>
-                                  </p:childTnLst>
-                                </p:cTn>
-                              </p:par>
-                            </p:childTnLst>
-                          </p:cTn>
-                        </p:par>
-                      </p:childTnLst>
-                    </p:cTn>
-                  </p:par>
-                </p:childTnLst>
-              </p:cTn>
-              <p:prevCondLst>
-                <p:cond evt="onPrev" delay="0">
-                  <p:tgtEl>
-                    <p:sldTgt/>
-                  </p:tgtEl>
-                </p:cond>
-              </p:prevCondLst>
-              <p:nextCondLst>
-                <p:cond evt="onNext" delay="0">
-                  <p:tgtEl>
-                    <p:sldTgt/>
-                  </p:tgtEl>
-                </p:cond>
-              </p:nextCondLst>
-            </p:seq>
-          </p:childTnLst>
-        </p:cTn>
-      </p:par>
-    </p:tnLst>
-  </p:timing>
-</p:sld>
-</file>
-
-<file path=ppt/slides/slide3.xml><?xml version="1.0" encoding="utf-8"?>
-<p:sld xmlns:a="http://schemas.openxmlformats.org/drawingml/2006/main" xmlns:r="http://schemas.openxmlformats.org/officeDocument/2006/relationships" xmlns:p="http://schemas.openxmlformats.org/presentationml/2006/main">
-  <p:cSld>
-    <p:spTree>
-      <p:nvGrpSpPr>
-        <p:cNvPr id="1" name=""/>
-        <p:cNvGrpSpPr/>
-        <p:nvPr/>
-      </p:nvGrpSpPr>
-      <p:grpSpPr>
-        <a:xfrm>
-          <a:off x="0" y="0"/>
-          <a:ext cx="0" cy="0"/>
-          <a:chOff x="0" y="0"/>
-          <a:chExt cx="0" cy="0"/>
-        </a:xfrm>
-      </p:grpSpPr>
-      <p:sp>
-        <p:nvSpPr>
-          <p:cNvPr id="17" name="ZoneTexte 16"/>
-          <p:cNvSpPr txBox="1"/>
-          <p:nvPr/>
-        </p:nvSpPr>
-        <p:spPr>
-          <a:xfrm>
-            <a:off x="996464" y="1786754"/>
-            <a:ext cx="7514492" cy="1077218"/>
-          </a:xfrm>
-          <a:prstGeom prst="rect">
-            <a:avLst/>
-          </a:prstGeom>
-          <a:noFill/>
-        </p:spPr>
-        <p:txBody>
-          <a:bodyPr wrap="square" rtlCol="0">
-            <a:spAutoFit/>
-          </a:bodyPr>
-          <a:lstStyle/>
-          <a:p>
-            <a:r>
-              <a:rPr lang="fr-FR" sz="3200" dirty="0">
-                <a:latin typeface="Courier New" panose="02070309020205020404" pitchFamily="49" charset="0"/>
-                <a:cs typeface="Courier New" panose="02070309020205020404" pitchFamily="49" charset="0"/>
-              </a:rPr>
-              <a:t>&gt;&gt;&gt; 'spam'</a:t>
-            </a:r>
-          </a:p>
-          <a:p>
-            <a:endParaRPr lang="fr-FR" sz="3200" dirty="0">
-              <a:latin typeface="Courier New" panose="02070309020205020404" pitchFamily="49" charset="0"/>
-              <a:cs typeface="Courier New" panose="02070309020205020404" pitchFamily="49" charset="0"/>
-            </a:endParaRPr>
-          </a:p>
-        </p:txBody>
-      </p:sp>
-      <p:sp>
-        <p:nvSpPr>
-          <p:cNvPr id="3" name="ZoneTexte 2"/>
-          <p:cNvSpPr txBox="1"/>
-          <p:nvPr/>
-        </p:nvSpPr>
-        <p:spPr>
-          <a:xfrm>
-            <a:off x="996464" y="1786754"/>
-            <a:ext cx="7514492" cy="1077218"/>
-          </a:xfrm>
-          <a:prstGeom prst="rect">
-            <a:avLst/>
-          </a:prstGeom>
-          <a:solidFill>
-            <a:schemeClr val="bg1"/>
-          </a:solidFill>
-        </p:spPr>
-        <p:txBody>
-          <a:bodyPr wrap="square" rtlCol="0">
-            <a:spAutoFit/>
-          </a:bodyPr>
-          <a:lstStyle/>
-          <a:p>
-            <a:r>
-              <a:rPr lang="fr-FR" sz="3200" dirty="0">
-                <a:latin typeface="Courier New" panose="02070309020205020404" pitchFamily="49" charset="0"/>
-                <a:cs typeface="Courier New" panose="02070309020205020404" pitchFamily="49" charset="0"/>
-              </a:rPr>
-              <a:t>&gt;&gt;&gt; 'spam'</a:t>
-            </a:r>
-            <a:r>
-              <a:rPr lang="fr-FR" sz="3200" dirty="0">
-                <a:solidFill>
-                  <a:srgbClr val="FF0000"/>
-                </a:solidFill>
-                <a:latin typeface="Courier New" panose="02070309020205020404" pitchFamily="49" charset="0"/>
-                <a:cs typeface="Courier New" panose="02070309020205020404" pitchFamily="49" charset="0"/>
-              </a:rPr>
-              <a:t>.</a:t>
-            </a:r>
-            <a:r>
-              <a:rPr lang="fr-FR" sz="3200" dirty="0" err="1">
-                <a:latin typeface="Courier New" panose="02070309020205020404" pitchFamily="49" charset="0"/>
-                <a:cs typeface="Courier New" panose="02070309020205020404" pitchFamily="49" charset="0"/>
-              </a:rPr>
-              <a:t>upper</a:t>
-            </a:r>
-            <a:r>
-              <a:rPr lang="fr-FR" sz="3200" dirty="0">
-                <a:solidFill>
-                  <a:srgbClr val="FF0000"/>
-                </a:solidFill>
-                <a:latin typeface="Courier New" panose="02070309020205020404" pitchFamily="49" charset="0"/>
-                <a:cs typeface="Courier New" panose="02070309020205020404" pitchFamily="49" charset="0"/>
-              </a:rPr>
-              <a:t>()</a:t>
-            </a:r>
-          </a:p>
-          <a:p>
-            <a:endParaRPr lang="fr-FR" sz="3200" dirty="0">
-              <a:latin typeface="Courier New" panose="02070309020205020404" pitchFamily="49" charset="0"/>
-              <a:cs typeface="Courier New" panose="02070309020205020404" pitchFamily="49" charset="0"/>
-            </a:endParaRPr>
-          </a:p>
-        </p:txBody>
-      </p:sp>
-      <p:sp>
-        <p:nvSpPr>
-          <p:cNvPr id="5" name="Rectangle 4"/>
-          <p:cNvSpPr/>
-          <p:nvPr/>
-        </p:nvSpPr>
-        <p:spPr bwMode="auto">
-          <a:xfrm>
-            <a:off x="7772400" y="2863972"/>
-            <a:ext cx="2181355" cy="2670426"/>
-          </a:xfrm>
-          <a:prstGeom prst="rect">
-            <a:avLst/>
-          </a:prstGeom>
-          <a:noFill/>
-          <a:ln w="38100" cap="flat" cmpd="sng" algn="ctr">
-            <a:solidFill>
-              <a:schemeClr val="bg2"/>
-            </a:solidFill>
-            <a:prstDash val="solid"/>
-            <a:round/>
-            <a:headEnd type="none" w="med" len="med"/>
-            <a:tailEnd type="none" w="med" len="med"/>
-          </a:ln>
-          <a:effectLst/>
-        </p:spPr>
-        <p:txBody>
-          <a:bodyPr vert="horz" wrap="square" lIns="90000" tIns="46800" rIns="90000" bIns="46800" numCol="1" rtlCol="0" anchor="ctr" anchorCtr="0" compatLnSpc="1">
-            <a:prstTxWarp prst="textNoShape">
-              <a:avLst/>
-            </a:prstTxWarp>
-            <a:spAutoFit/>
-          </a:bodyPr>
-          <a:lstStyle/>
-          <a:p>
-            <a:pPr algn="ctr">
-              <a:spcBef>
-                <a:spcPct val="50000"/>
-              </a:spcBef>
-            </a:pPr>
-            <a:endParaRPr lang="fr-FR">
-              <a:solidFill>
-                <a:schemeClr val="tx1">
-                  <a:lumMod val="50000"/>
-                  <a:lumOff val="50000"/>
-                </a:schemeClr>
-              </a:solidFill>
-            </a:endParaRPr>
-          </a:p>
-        </p:txBody>
-      </p:sp>
-      <p:sp>
-        <p:nvSpPr>
-          <p:cNvPr id="10" name="ZoneTexte 9"/>
-          <p:cNvSpPr txBox="1"/>
-          <p:nvPr/>
-        </p:nvSpPr>
-        <p:spPr>
-          <a:xfrm>
-            <a:off x="6929201" y="1598620"/>
-            <a:ext cx="3997569" cy="1200329"/>
-          </a:xfrm>
-          <a:prstGeom prst="rect">
-            <a:avLst/>
-          </a:prstGeom>
-          <a:noFill/>
-        </p:spPr>
-        <p:txBody>
-          <a:bodyPr wrap="square" rtlCol="0">
-            <a:spAutoFit/>
-          </a:bodyPr>
-          <a:lstStyle/>
-          <a:p>
-            <a:pPr algn="ctr"/>
-            <a:r>
-              <a:rPr lang="fr-FR" sz="3600" dirty="0">
-                <a:solidFill>
-                  <a:schemeClr val="tx1">
-                    <a:lumMod val="50000"/>
-                    <a:lumOff val="50000"/>
-                  </a:schemeClr>
-                </a:solidFill>
-                <a:latin typeface="Calibri" panose="020F0502020204030204" pitchFamily="34" charset="0"/>
-              </a:rPr>
-              <a:t>Objet de type </a:t>
-            </a:r>
-            <a:r>
-              <a:rPr lang="fr-FR" sz="3600" i="1" dirty="0">
-                <a:solidFill>
-                  <a:schemeClr val="tx1">
-                    <a:lumMod val="50000"/>
-                    <a:lumOff val="50000"/>
-                  </a:schemeClr>
-                </a:solidFill>
-                <a:latin typeface="Calibri" panose="020F0502020204030204" pitchFamily="34" charset="0"/>
-              </a:rPr>
-              <a:t>chaîne de caractères</a:t>
-            </a:r>
-          </a:p>
-        </p:txBody>
-      </p:sp>
-      <p:sp>
-        <p:nvSpPr>
-          <p:cNvPr id="13" name="ZoneTexte 12"/>
-          <p:cNvSpPr txBox="1"/>
-          <p:nvPr/>
-        </p:nvSpPr>
-        <p:spPr>
-          <a:xfrm>
-            <a:off x="7902217" y="2863972"/>
-            <a:ext cx="2341684" cy="1077218"/>
-          </a:xfrm>
-          <a:prstGeom prst="rect">
-            <a:avLst/>
-          </a:prstGeom>
-          <a:noFill/>
-        </p:spPr>
-        <p:txBody>
-          <a:bodyPr wrap="square" rtlCol="0">
-            <a:spAutoFit/>
-          </a:bodyPr>
-          <a:lstStyle/>
-          <a:p>
-            <a:r>
-              <a:rPr lang="fr-FR" sz="3200" u="sng" dirty="0" smtClean="0">
-                <a:solidFill>
-                  <a:schemeClr val="tx1">
-                    <a:lumMod val="50000"/>
-                    <a:lumOff val="50000"/>
-                  </a:schemeClr>
-                </a:solidFill>
-                <a:latin typeface="Calibri" panose="020F0502020204030204" pitchFamily="34" charset="0"/>
-              </a:rPr>
-              <a:t>Données</a:t>
-            </a:r>
-            <a:endParaRPr lang="fr-FR" sz="3200" u="sng" dirty="0">
-              <a:solidFill>
-                <a:schemeClr val="tx1">
-                  <a:lumMod val="50000"/>
-                  <a:lumOff val="50000"/>
-                </a:schemeClr>
-              </a:solidFill>
-              <a:latin typeface="Calibri" panose="020F0502020204030204" pitchFamily="34" charset="0"/>
-            </a:endParaRPr>
-          </a:p>
-          <a:p>
-            <a:r>
-              <a:rPr lang="fr-FR" sz="3200" dirty="0" smtClean="0">
-                <a:solidFill>
-                  <a:schemeClr val="tx1">
-                    <a:lumMod val="50000"/>
-                    <a:lumOff val="50000"/>
-                  </a:schemeClr>
-                </a:solidFill>
-                <a:latin typeface="Calibri" panose="020F0502020204030204" pitchFamily="34" charset="0"/>
-              </a:rPr>
-              <a:t>'spam'</a:t>
-            </a:r>
-            <a:endParaRPr lang="fr-FR" sz="3200" dirty="0">
-              <a:solidFill>
-                <a:schemeClr val="tx1">
-                  <a:lumMod val="50000"/>
-                  <a:lumOff val="50000"/>
-                </a:schemeClr>
-              </a:solidFill>
-              <a:latin typeface="Calibri" panose="020F0502020204030204" pitchFamily="34" charset="0"/>
-            </a:endParaRPr>
-          </a:p>
-        </p:txBody>
-      </p:sp>
-      <p:sp>
-        <p:nvSpPr>
-          <p:cNvPr id="14" name="ZoneTexte 13"/>
-          <p:cNvSpPr txBox="1"/>
-          <p:nvPr/>
-        </p:nvSpPr>
-        <p:spPr>
-          <a:xfrm>
-            <a:off x="7902217" y="3964738"/>
-            <a:ext cx="2341684" cy="1569660"/>
-          </a:xfrm>
-          <a:prstGeom prst="rect">
-            <a:avLst/>
-          </a:prstGeom>
-          <a:noFill/>
-        </p:spPr>
-        <p:txBody>
-          <a:bodyPr wrap="square" rtlCol="0">
-            <a:spAutoFit/>
-          </a:bodyPr>
-          <a:lstStyle/>
-          <a:p>
-            <a:r>
-              <a:rPr lang="fr-FR" sz="3200" u="sng" dirty="0" smtClean="0">
-                <a:solidFill>
-                  <a:schemeClr val="tx1">
-                    <a:lumMod val="50000"/>
-                    <a:lumOff val="50000"/>
-                  </a:schemeClr>
-                </a:solidFill>
-                <a:latin typeface="Calibri" panose="020F0502020204030204" pitchFamily="34" charset="0"/>
-              </a:rPr>
-              <a:t>Méthodes</a:t>
-            </a:r>
-            <a:endParaRPr lang="fr-FR" sz="3200" dirty="0">
-              <a:solidFill>
-                <a:schemeClr val="tx1">
-                  <a:lumMod val="50000"/>
-                  <a:lumOff val="50000"/>
-                </a:schemeClr>
-              </a:solidFill>
-              <a:latin typeface="Calibri" panose="020F0502020204030204" pitchFamily="34" charset="0"/>
-            </a:endParaRPr>
-          </a:p>
-          <a:p>
-            <a:r>
-              <a:rPr lang="fr-FR" sz="3200" dirty="0" err="1" smtClean="0">
-                <a:solidFill>
-                  <a:schemeClr val="tx1">
-                    <a:lumMod val="50000"/>
-                    <a:lumOff val="50000"/>
-                  </a:schemeClr>
-                </a:solidFill>
-                <a:latin typeface="Calibri" panose="020F0502020204030204" pitchFamily="34" charset="0"/>
-              </a:rPr>
-              <a:t>upper</a:t>
-            </a:r>
-            <a:r>
-              <a:rPr lang="fr-FR" sz="3200" dirty="0" smtClean="0">
-                <a:solidFill>
-                  <a:schemeClr val="tx1">
-                    <a:lumMod val="50000"/>
-                    <a:lumOff val="50000"/>
-                  </a:schemeClr>
-                </a:solidFill>
-                <a:latin typeface="Calibri" panose="020F0502020204030204" pitchFamily="34" charset="0"/>
-              </a:rPr>
-              <a:t>()</a:t>
-            </a:r>
-          </a:p>
-          <a:p>
-            <a:r>
-              <a:rPr lang="fr-FR" sz="3200" dirty="0" smtClean="0">
-                <a:solidFill>
-                  <a:schemeClr val="tx1">
-                    <a:lumMod val="50000"/>
-                    <a:lumOff val="50000"/>
-                  </a:schemeClr>
-                </a:solidFill>
-                <a:latin typeface="Calibri" panose="020F0502020204030204" pitchFamily="34" charset="0"/>
-              </a:rPr>
-              <a:t>…</a:t>
-            </a:r>
-            <a:endParaRPr lang="fr-FR" sz="3200" dirty="0">
-              <a:solidFill>
-                <a:schemeClr val="tx1">
-                  <a:lumMod val="50000"/>
-                  <a:lumOff val="50000"/>
-                </a:schemeClr>
-              </a:solidFill>
-              <a:latin typeface="Calibri" panose="020F0502020204030204" pitchFamily="34" charset="0"/>
-            </a:endParaRPr>
-          </a:p>
-        </p:txBody>
-      </p:sp>
-      <p:sp>
-        <p:nvSpPr>
-          <p:cNvPr id="18" name="ZoneTexte 17"/>
-          <p:cNvSpPr txBox="1"/>
-          <p:nvPr/>
-        </p:nvSpPr>
-        <p:spPr>
-          <a:xfrm>
-            <a:off x="876303" y="2422897"/>
-            <a:ext cx="7514492" cy="1077218"/>
-          </a:xfrm>
-          <a:prstGeom prst="rect">
-            <a:avLst/>
-          </a:prstGeom>
-          <a:noFill/>
-        </p:spPr>
-        <p:txBody>
-          <a:bodyPr wrap="square" rtlCol="0">
-            <a:spAutoFit/>
-          </a:bodyPr>
-          <a:lstStyle/>
-          <a:p>
-            <a:r>
-              <a:rPr lang="fr-FR" sz="3200" dirty="0">
-                <a:latin typeface="Courier New" panose="02070309020205020404" pitchFamily="49" charset="0"/>
-                <a:cs typeface="Courier New" panose="02070309020205020404" pitchFamily="49" charset="0"/>
-              </a:rPr>
-              <a:t>'SPAM'</a:t>
-            </a:r>
-          </a:p>
-          <a:p>
-            <a:endParaRPr lang="fr-FR" sz="3200" dirty="0">
-              <a:latin typeface="Courier New" panose="02070309020205020404" pitchFamily="49" charset="0"/>
-              <a:cs typeface="Courier New" panose="02070309020205020404" pitchFamily="49" charset="0"/>
-            </a:endParaRPr>
-          </a:p>
-        </p:txBody>
-      </p:sp>
-      <p:grpSp>
-        <p:nvGrpSpPr>
-          <p:cNvPr id="7" name="Groupe 6"/>
-          <p:cNvGrpSpPr/>
-          <p:nvPr/>
-        </p:nvGrpSpPr>
-        <p:grpSpPr>
-          <a:xfrm>
-            <a:off x="5957048" y="111024"/>
-            <a:ext cx="5941876" cy="6524238"/>
-            <a:chOff x="5957048" y="111024"/>
-            <a:chExt cx="5941876" cy="6524238"/>
-          </a:xfrm>
-        </p:grpSpPr>
-        <p:sp>
-          <p:nvSpPr>
-            <p:cNvPr id="2" name="Rectangle 1"/>
-            <p:cNvSpPr/>
-            <p:nvPr/>
-          </p:nvSpPr>
-          <p:spPr bwMode="auto">
-            <a:xfrm>
-              <a:off x="5957048" y="975274"/>
-              <a:ext cx="5941876" cy="5659988"/>
-            </a:xfrm>
-            <a:prstGeom prst="rect">
-              <a:avLst/>
-            </a:prstGeom>
-            <a:noFill/>
-            <a:ln w="38100" cap="flat" cmpd="sng" algn="ctr">
-              <a:solidFill>
-                <a:schemeClr val="tx1"/>
-              </a:solidFill>
-              <a:prstDash val="solid"/>
-              <a:round/>
-              <a:headEnd type="none" w="med" len="med"/>
-              <a:tailEnd type="none" w="med" len="med"/>
-            </a:ln>
-            <a:effectLst/>
-          </p:spPr>
-          <p:txBody>
-            <a:bodyPr vert="horz" wrap="square" lIns="90000" tIns="46800" rIns="90000" bIns="46800" numCol="1" rtlCol="0" anchor="ctr" anchorCtr="0" compatLnSpc="1">
-              <a:prstTxWarp prst="textNoShape">
-                <a:avLst/>
-              </a:prstTxWarp>
-              <a:spAutoFit/>
-            </a:bodyPr>
-            <a:lstStyle/>
-            <a:p>
-              <a:pPr marL="0" marR="0" indent="0" algn="ctr" defTabSz="914400" rtl="0" eaLnBrk="1" fontAlgn="base" latinLnBrk="0" hangingPunct="1">
-                <a:lnSpc>
-                  <a:spcPct val="100000"/>
-                </a:lnSpc>
-                <a:spcBef>
-                  <a:spcPct val="50000"/>
-                </a:spcBef>
-                <a:spcAft>
-                  <a:spcPct val="0"/>
-                </a:spcAft>
-                <a:buClrTx/>
-                <a:buSzTx/>
-                <a:buFontTx/>
-                <a:buNone/>
-                <a:tabLst/>
-              </a:pPr>
-              <a:endParaRPr kumimoji="0" lang="fr-FR" sz="2400" b="0" i="0" u="none" strike="noStrike" cap="none" normalizeH="0" baseline="0" smtClean="0">
-                <a:ln>
-                  <a:noFill/>
-                </a:ln>
-                <a:solidFill>
-                  <a:schemeClr val="tx1"/>
-                </a:solidFill>
-                <a:effectLst/>
-                <a:latin typeface="Comic Sans MS" pitchFamily="66" charset="0"/>
-              </a:endParaRPr>
-            </a:p>
-          </p:txBody>
-        </p:sp>
-        <p:sp>
-          <p:nvSpPr>
-            <p:cNvPr id="4" name="ZoneTexte 3"/>
-            <p:cNvSpPr txBox="1"/>
-            <p:nvPr/>
-          </p:nvSpPr>
-          <p:spPr>
-            <a:xfrm>
-              <a:off x="7902217" y="111024"/>
-              <a:ext cx="2051538" cy="769441"/>
-            </a:xfrm>
-            <a:prstGeom prst="rect">
-              <a:avLst/>
-            </a:prstGeom>
-            <a:noFill/>
-          </p:spPr>
-          <p:txBody>
-            <a:bodyPr wrap="square" rtlCol="0">
-              <a:spAutoFit/>
-            </a:bodyPr>
-            <a:lstStyle/>
-            <a:p>
-              <a:r>
-                <a:rPr lang="fr-FR" sz="4400" dirty="0" smtClean="0">
-                  <a:latin typeface="Calibri" panose="020F0502020204030204" pitchFamily="34" charset="0"/>
-                </a:rPr>
-                <a:t>Objets</a:t>
-              </a:r>
-              <a:endParaRPr lang="fr-FR" sz="4400" dirty="0">
-                <a:latin typeface="Calibri" panose="020F0502020204030204" pitchFamily="34" charset="0"/>
-              </a:endParaRPr>
-            </a:p>
-          </p:txBody>
-        </p:sp>
-      </p:grpSp>
-      <p:sp>
-        <p:nvSpPr>
-          <p:cNvPr id="6" name="ZoneTexte 5"/>
-          <p:cNvSpPr txBox="1"/>
-          <p:nvPr/>
-        </p:nvSpPr>
-        <p:spPr>
-          <a:xfrm>
-            <a:off x="876303" y="764328"/>
-            <a:ext cx="4853351" cy="769441"/>
-          </a:xfrm>
-          <a:prstGeom prst="rect">
-            <a:avLst/>
-          </a:prstGeom>
-          <a:noFill/>
-        </p:spPr>
-        <p:txBody>
-          <a:bodyPr wrap="square" rtlCol="0">
-            <a:spAutoFit/>
-          </a:bodyPr>
-          <a:lstStyle/>
-          <a:p>
-            <a:r>
-              <a:rPr lang="fr-FR" sz="4400" dirty="0" smtClean="0">
-                <a:latin typeface="Calibri" panose="020F0502020204030204" pitchFamily="34" charset="0"/>
-              </a:rPr>
-              <a:t>Création de l’objet</a:t>
-            </a:r>
-            <a:endParaRPr lang="fr-FR" sz="4400" dirty="0">
-              <a:latin typeface="Calibri" panose="020F0502020204030204" pitchFamily="34" charset="0"/>
-            </a:endParaRPr>
-          </a:p>
-        </p:txBody>
-      </p:sp>
-      <p:sp>
-        <p:nvSpPr>
-          <p:cNvPr id="15" name="ZoneTexte 14"/>
-          <p:cNvSpPr txBox="1"/>
-          <p:nvPr/>
-        </p:nvSpPr>
-        <p:spPr>
-          <a:xfrm>
-            <a:off x="876303" y="733349"/>
-            <a:ext cx="4853351" cy="769441"/>
-          </a:xfrm>
-          <a:prstGeom prst="rect">
-            <a:avLst/>
-          </a:prstGeom>
-          <a:noFill/>
-        </p:spPr>
-        <p:txBody>
-          <a:bodyPr wrap="square" rtlCol="0">
-            <a:spAutoFit/>
-          </a:bodyPr>
-          <a:lstStyle/>
-          <a:p>
-            <a:r>
-              <a:rPr lang="fr-FR" sz="4400" dirty="0" smtClean="0">
-                <a:latin typeface="Calibri" panose="020F0502020204030204" pitchFamily="34" charset="0"/>
-              </a:rPr>
-              <a:t>Appel de méthode</a:t>
-            </a:r>
-            <a:endParaRPr lang="fr-FR" sz="4400" dirty="0">
-              <a:latin typeface="Calibri" panose="020F0502020204030204" pitchFamily="34" charset="0"/>
-            </a:endParaRPr>
-          </a:p>
-        </p:txBody>
-      </p:sp>
-    </p:spTree>
-    <p:extLst>
-      <p:ext uri="{BB962C8B-B14F-4D97-AF65-F5344CB8AC3E}">
-        <p14:creationId xmlns:p14="http://schemas.microsoft.com/office/powerpoint/2010/main" val="3072409533"/>
-      </p:ext>
-    </p:extLst>
-  </p:cSld>
-  <p:clrMapOvr>
-    <a:masterClrMapping/>
-  </p:clrMapOvr>
-  <p:timing>
-    <p:tnLst>
-      <p:par>
-        <p:cTn id="1" dur="indefinite" restart="never" nodeType="tmRoot">
-          <p:childTnLst>
-            <p:seq concurrent="1" nextAc="seek">
-              <p:cTn id="2" dur="indefinite" nodeType="mainSeq">
-                <p:childTnLst>
-                  <p:par>
-                    <p:cTn id="3" fill="hold">
-                      <p:stCondLst>
-                        <p:cond delay="indefinite"/>
-                      </p:stCondLst>
-                      <p:childTnLst>
-                        <p:par>
-                          <p:cTn id="4" fill="hold">
-                            <p:stCondLst>
-                              <p:cond delay="0"/>
-                            </p:stCondLst>
-                            <p:childTnLst>
-                              <p:par>
-                                <p:cTn id="5" presetID="10" presetClass="entr" presetSubtype="0" fill="hold" nodeType="clickEffect">
-                                  <p:stCondLst>
-                                    <p:cond delay="0"/>
-                                  </p:stCondLst>
-                                  <p:childTnLst>
-                                    <p:set>
-                                      <p:cBhvr>
-                                        <p:cTn id="6" dur="1" fill="hold">
-                                          <p:stCondLst>
-                                            <p:cond delay="0"/>
-                                          </p:stCondLst>
-                                        </p:cTn>
-                                        <p:tgtEl>
-                                          <p:spTgt spid="7"/>
-                                        </p:tgtEl>
-                                        <p:attrNameLst>
-                                          <p:attrName>style.visibility</p:attrName>
-                                        </p:attrNameLst>
-                                      </p:cBhvr>
-                                      <p:to>
-                                        <p:strVal val="visible"/>
-                                      </p:to>
-                                    </p:set>
-                                    <p:animEffect transition="in" filter="fade">
-                                      <p:cBhvr>
-                                        <p:cTn id="7" dur="500"/>
-                                        <p:tgtEl>
-                                          <p:spTgt spid="7"/>
-                                        </p:tgtEl>
-                                      </p:cBhvr>
-                                    </p:animEffect>
-                                  </p:childTnLst>
-                                </p:cTn>
-                              </p:par>
-                            </p:childTnLst>
-                          </p:cTn>
-                        </p:par>
-                      </p:childTnLst>
-                    </p:cTn>
-                  </p:par>
-                  <p:par>
-                    <p:cTn id="8" fill="hold">
-                      <p:stCondLst>
-                        <p:cond delay="indefinite"/>
-                      </p:stCondLst>
-                      <p:childTnLst>
-                        <p:par>
-                          <p:cTn id="9" fill="hold">
-                            <p:stCondLst>
-                              <p:cond delay="0"/>
-                            </p:stCondLst>
-                            <p:childTnLst>
-                              <p:par>
-                                <p:cTn id="10" presetID="10" presetClass="entr" presetSubtype="0" fill="hold" grpId="0" nodeType="clickEffect">
-                                  <p:stCondLst>
-                                    <p:cond delay="0"/>
-                                  </p:stCondLst>
-                                  <p:childTnLst>
-                                    <p:set>
-                                      <p:cBhvr>
-                                        <p:cTn id="11" dur="1" fill="hold">
-                                          <p:stCondLst>
-                                            <p:cond delay="0"/>
-                                          </p:stCondLst>
-                                        </p:cTn>
-                                        <p:tgtEl>
-                                          <p:spTgt spid="6"/>
-                                        </p:tgtEl>
-                                        <p:attrNameLst>
-                                          <p:attrName>style.visibility</p:attrName>
-                                        </p:attrNameLst>
-                                      </p:cBhvr>
-                                      <p:to>
-                                        <p:strVal val="visible"/>
-                                      </p:to>
-                                    </p:set>
-                                    <p:animEffect transition="in" filter="fade">
-                                      <p:cBhvr>
-                                        <p:cTn id="12" dur="500"/>
-                                        <p:tgtEl>
-                                          <p:spTgt spid="6"/>
-                                        </p:tgtEl>
-                                      </p:cBhvr>
-                                    </p:animEffect>
-                                  </p:childTnLst>
-                                </p:cTn>
-                              </p:par>
-                              <p:par>
-                                <p:cTn id="13" presetID="10" presetClass="entr" presetSubtype="0" fill="hold" grpId="0" nodeType="withEffect">
-                                  <p:stCondLst>
-                                    <p:cond delay="0"/>
-                                  </p:stCondLst>
-                                  <p:childTnLst>
-                                    <p:set>
-                                      <p:cBhvr>
-                                        <p:cTn id="14" dur="1" fill="hold">
-                                          <p:stCondLst>
-                                            <p:cond delay="0"/>
-                                          </p:stCondLst>
-                                        </p:cTn>
-                                        <p:tgtEl>
-                                          <p:spTgt spid="17"/>
-                                        </p:tgtEl>
-                                        <p:attrNameLst>
-                                          <p:attrName>style.visibility</p:attrName>
-                                        </p:attrNameLst>
-                                      </p:cBhvr>
-                                      <p:to>
-                                        <p:strVal val="visible"/>
-                                      </p:to>
-                                    </p:set>
-                                    <p:animEffect transition="in" filter="fade">
-                                      <p:cBhvr>
-                                        <p:cTn id="15" dur="500"/>
-                                        <p:tgtEl>
-                                          <p:spTgt spid="17"/>
-                                        </p:tgtEl>
-                                      </p:cBhvr>
-                                    </p:animEffect>
-                                  </p:childTnLst>
-                                </p:cTn>
-                              </p:par>
-                            </p:childTnLst>
-                          </p:cTn>
-                        </p:par>
-                      </p:childTnLst>
-                    </p:cTn>
-                  </p:par>
-                  <p:par>
-                    <p:cTn id="16" fill="hold">
-                      <p:stCondLst>
-                        <p:cond delay="indefinite"/>
-                      </p:stCondLst>
-                      <p:childTnLst>
-                        <p:par>
-                          <p:cTn id="17" fill="hold">
-                            <p:stCondLst>
-                              <p:cond delay="0"/>
-                            </p:stCondLst>
-                            <p:childTnLst>
-                              <p:par>
-                                <p:cTn id="18" presetID="10" presetClass="entr" presetSubtype="0" fill="hold" grpId="0" nodeType="clickEffect">
-                                  <p:stCondLst>
-                                    <p:cond delay="0"/>
-                                  </p:stCondLst>
-                                  <p:childTnLst>
-                                    <p:set>
-                                      <p:cBhvr>
-                                        <p:cTn id="19" dur="1" fill="hold">
-                                          <p:stCondLst>
-                                            <p:cond delay="0"/>
-                                          </p:stCondLst>
-                                        </p:cTn>
-                                        <p:tgtEl>
-                                          <p:spTgt spid="5"/>
-                                        </p:tgtEl>
-                                        <p:attrNameLst>
-                                          <p:attrName>style.visibility</p:attrName>
-                                        </p:attrNameLst>
-                                      </p:cBhvr>
-                                      <p:to>
-                                        <p:strVal val="visible"/>
-                                      </p:to>
-                                    </p:set>
-                                    <p:animEffect transition="in" filter="fade">
-                                      <p:cBhvr>
-                                        <p:cTn id="20" dur="500"/>
-                                        <p:tgtEl>
-                                          <p:spTgt spid="5"/>
-                                        </p:tgtEl>
-                                      </p:cBhvr>
-                                    </p:animEffect>
-                                  </p:childTnLst>
-                                </p:cTn>
-                              </p:par>
-                              <p:par>
-                                <p:cTn id="21" presetID="10" presetClass="entr" presetSubtype="0" fill="hold" grpId="0" nodeType="withEffect">
-                                  <p:stCondLst>
-                                    <p:cond delay="0"/>
-                                  </p:stCondLst>
-                                  <p:childTnLst>
-                                    <p:set>
-                                      <p:cBhvr>
-                                        <p:cTn id="22" dur="1" fill="hold">
-                                          <p:stCondLst>
-                                            <p:cond delay="0"/>
-                                          </p:stCondLst>
-                                        </p:cTn>
-                                        <p:tgtEl>
-                                          <p:spTgt spid="10"/>
-                                        </p:tgtEl>
-                                        <p:attrNameLst>
-                                          <p:attrName>style.visibility</p:attrName>
-                                        </p:attrNameLst>
-                                      </p:cBhvr>
-                                      <p:to>
-                                        <p:strVal val="visible"/>
-                                      </p:to>
-                                    </p:set>
-                                    <p:animEffect transition="in" filter="fade">
-                                      <p:cBhvr>
-                                        <p:cTn id="23" dur="500"/>
-                                        <p:tgtEl>
-                                          <p:spTgt spid="10"/>
-                                        </p:tgtEl>
-                                      </p:cBhvr>
-                                    </p:animEffect>
-                                  </p:childTnLst>
-                                </p:cTn>
-                              </p:par>
-                              <p:par>
-                                <p:cTn id="24" presetID="10" presetClass="entr" presetSubtype="0" fill="hold" grpId="0" nodeType="withEffect">
-                                  <p:stCondLst>
-                                    <p:cond delay="0"/>
-                                  </p:stCondLst>
-                                  <p:childTnLst>
-                                    <p:set>
-                                      <p:cBhvr>
-                                        <p:cTn id="25" dur="1" fill="hold">
-                                          <p:stCondLst>
-                                            <p:cond delay="0"/>
-                                          </p:stCondLst>
-                                        </p:cTn>
-                                        <p:tgtEl>
-                                          <p:spTgt spid="13"/>
-                                        </p:tgtEl>
-                                        <p:attrNameLst>
-                                          <p:attrName>style.visibility</p:attrName>
-                                        </p:attrNameLst>
-                                      </p:cBhvr>
-                                      <p:to>
-                                        <p:strVal val="visible"/>
-                                      </p:to>
-                                    </p:set>
-                                    <p:animEffect transition="in" filter="fade">
-                                      <p:cBhvr>
-                                        <p:cTn id="26" dur="500"/>
-                                        <p:tgtEl>
-                                          <p:spTgt spid="13"/>
-                                        </p:tgtEl>
-                                      </p:cBhvr>
-                                    </p:animEffect>
-                                  </p:childTnLst>
-                                </p:cTn>
-                              </p:par>
-                              <p:par>
-                                <p:cTn id="27" presetID="10" presetClass="entr" presetSubtype="0" fill="hold" grpId="0" nodeType="withEffect">
-                                  <p:stCondLst>
-                                    <p:cond delay="0"/>
-                                  </p:stCondLst>
-                                  <p:childTnLst>
-                                    <p:set>
-                                      <p:cBhvr>
-                                        <p:cTn id="28" dur="1" fill="hold">
-                                          <p:stCondLst>
-                                            <p:cond delay="0"/>
-                                          </p:stCondLst>
-                                        </p:cTn>
-                                        <p:tgtEl>
-                                          <p:spTgt spid="14"/>
-                                        </p:tgtEl>
-                                        <p:attrNameLst>
-                                          <p:attrName>style.visibility</p:attrName>
-                                        </p:attrNameLst>
-                                      </p:cBhvr>
-                                      <p:to>
-                                        <p:strVal val="visible"/>
-                                      </p:to>
-                                    </p:set>
-                                    <p:animEffect transition="in" filter="fade">
-                                      <p:cBhvr>
-                                        <p:cTn id="29" dur="500"/>
-                                        <p:tgtEl>
-                                          <p:spTgt spid="14"/>
-                                        </p:tgtEl>
-                                      </p:cBhvr>
-                                    </p:animEffect>
-                                  </p:childTnLst>
-                                </p:cTn>
-                              </p:par>
-                            </p:childTnLst>
-                          </p:cTn>
-                        </p:par>
-                      </p:childTnLst>
-                    </p:cTn>
-                  </p:par>
-                  <p:par>
-                    <p:cTn id="30" fill="hold">
-                      <p:stCondLst>
-                        <p:cond delay="indefinite"/>
-                      </p:stCondLst>
-                      <p:childTnLst>
-                        <p:par>
-                          <p:cTn id="31" fill="hold">
-                            <p:stCondLst>
-                              <p:cond delay="0"/>
-                            </p:stCondLst>
-                            <p:childTnLst>
-                              <p:par>
-                                <p:cTn id="32" presetID="1" presetClass="exit" presetSubtype="0" fill="hold" grpId="1" nodeType="clickEffect">
-                                  <p:stCondLst>
-                                    <p:cond delay="0"/>
-                                  </p:stCondLst>
-                                  <p:childTnLst>
-                                    <p:set>
-                                      <p:cBhvr>
-                                        <p:cTn id="33" dur="1" fill="hold">
-                                          <p:stCondLst>
-                                            <p:cond delay="0"/>
-                                          </p:stCondLst>
-                                        </p:cTn>
-                                        <p:tgtEl>
-                                          <p:spTgt spid="6"/>
-                                        </p:tgtEl>
-                                        <p:attrNameLst>
-                                          <p:attrName>style.visibility</p:attrName>
-                                        </p:attrNameLst>
-                                      </p:cBhvr>
-                                      <p:to>
-                                        <p:strVal val="hidden"/>
-                                      </p:to>
-                                    </p:set>
-                                  </p:childTnLst>
-                                </p:cTn>
-                              </p:par>
-                              <p:par>
-                                <p:cTn id="34" presetID="1" presetClass="exit" presetSubtype="0" fill="hold" grpId="1" nodeType="withEffect">
-                                  <p:stCondLst>
-                                    <p:cond delay="0"/>
-                                  </p:stCondLst>
-                                  <p:childTnLst>
-                                    <p:set>
-                                      <p:cBhvr>
-                                        <p:cTn id="35" dur="1" fill="hold">
-                                          <p:stCondLst>
-                                            <p:cond delay="0"/>
-                                          </p:stCondLst>
-                                        </p:cTn>
-                                        <p:tgtEl>
-                                          <p:spTgt spid="17"/>
-                                        </p:tgtEl>
-                                        <p:attrNameLst>
-                                          <p:attrName>style.visibility</p:attrName>
-                                        </p:attrNameLst>
-                                      </p:cBhvr>
-                                      <p:to>
-                                        <p:strVal val="hidden"/>
-                                      </p:to>
-                                    </p:set>
-                                  </p:childTnLst>
-                                </p:cTn>
-                              </p:par>
-                              <p:par>
-                                <p:cTn id="36" presetID="10" presetClass="entr" presetSubtype="0" fill="hold" grpId="0" nodeType="withEffect">
-                                  <p:stCondLst>
-                                    <p:cond delay="0"/>
-                                  </p:stCondLst>
-                                  <p:childTnLst>
-                                    <p:set>
-                                      <p:cBhvr>
-                                        <p:cTn id="37" dur="1" fill="hold">
-                                          <p:stCondLst>
-                                            <p:cond delay="0"/>
-                                          </p:stCondLst>
-                                        </p:cTn>
-                                        <p:tgtEl>
-                                          <p:spTgt spid="15"/>
-                                        </p:tgtEl>
-                                        <p:attrNameLst>
-                                          <p:attrName>style.visibility</p:attrName>
-                                        </p:attrNameLst>
-                                      </p:cBhvr>
-                                      <p:to>
-                                        <p:strVal val="visible"/>
-                                      </p:to>
-                                    </p:set>
-                                    <p:animEffect transition="in" filter="fade">
-                                      <p:cBhvr>
-                                        <p:cTn id="38" dur="500"/>
-                                        <p:tgtEl>
-                                          <p:spTgt spid="15"/>
-                                        </p:tgtEl>
-                                      </p:cBhvr>
-                                    </p:animEffect>
-                                  </p:childTnLst>
-                                </p:cTn>
-                              </p:par>
-                              <p:par>
-                                <p:cTn id="39" presetID="10" presetClass="entr" presetSubtype="0" fill="hold" nodeType="withEffect">
-                                  <p:stCondLst>
-                                    <p:cond delay="0"/>
-                                  </p:stCondLst>
-                                  <p:childTnLst>
-                                    <p:set>
-                                      <p:cBhvr>
-                                        <p:cTn id="40" dur="1" fill="hold">
-                                          <p:stCondLst>
-                                            <p:cond delay="0"/>
-                                          </p:stCondLst>
-                                        </p:cTn>
-                                        <p:tgtEl>
-                                          <p:spTgt spid="3">
-                                            <p:txEl>
-                                              <p:pRg st="0" end="0"/>
-                                            </p:txEl>
-                                          </p:spTgt>
-                                        </p:tgtEl>
-                                        <p:attrNameLst>
-                                          <p:attrName>style.visibility</p:attrName>
-                                        </p:attrNameLst>
-                                      </p:cBhvr>
-                                      <p:to>
-                                        <p:strVal val="visible"/>
-                                      </p:to>
-                                    </p:set>
-                                    <p:animEffect transition="in" filter="fade">
-                                      <p:cBhvr>
-                                        <p:cTn id="41" dur="500"/>
-                                        <p:tgtEl>
-                                          <p:spTgt spid="3">
-                                            <p:txEl>
-                                              <p:pRg st="0" end="0"/>
-                                            </p:txEl>
-                                          </p:spTgt>
-                                        </p:tgtEl>
-                                      </p:cBhvr>
-                                    </p:animEffect>
-                                  </p:childTnLst>
-                                </p:cTn>
-                              </p:par>
-                            </p:childTnLst>
-                          </p:cTn>
-                        </p:par>
-                      </p:childTnLst>
-                    </p:cTn>
-                  </p:par>
-                  <p:par>
-                    <p:cTn id="42" fill="hold">
-                      <p:stCondLst>
-                        <p:cond delay="indefinite"/>
-                      </p:stCondLst>
-                      <p:childTnLst>
-                        <p:par>
-                          <p:cTn id="43" fill="hold">
-                            <p:stCondLst>
-                              <p:cond delay="0"/>
-                            </p:stCondLst>
-                            <p:childTnLst>
-                              <p:par>
-                                <p:cTn id="44" presetID="10" presetClass="entr" presetSubtype="0" fill="hold" grpId="0" nodeType="clickEffect">
-                                  <p:stCondLst>
-                                    <p:cond delay="0"/>
-                                  </p:stCondLst>
-                                  <p:childTnLst>
-                                    <p:set>
-                                      <p:cBhvr>
-                                        <p:cTn id="45" dur="1" fill="hold">
-                                          <p:stCondLst>
-                                            <p:cond delay="0"/>
-                                          </p:stCondLst>
-                                        </p:cTn>
-                                        <p:tgtEl>
-                                          <p:spTgt spid="18"/>
-                                        </p:tgtEl>
-                                        <p:attrNameLst>
-                                          <p:attrName>style.visibility</p:attrName>
-                                        </p:attrNameLst>
-                                      </p:cBhvr>
-                                      <p:to>
-                                        <p:strVal val="visible"/>
-                                      </p:to>
-                                    </p:set>
-                                    <p:animEffect transition="in" filter="fade">
-                                      <p:cBhvr>
-                                        <p:cTn id="46" dur="500"/>
-                                        <p:tgtEl>
-                                          <p:spTgt spid="18"/>
-                                        </p:tgtEl>
-                                      </p:cBhvr>
-                                    </p:animEffect>
-                                  </p:childTnLst>
-                                </p:cTn>
-                              </p:par>
-                            </p:childTnLst>
-                          </p:cTn>
-                        </p:par>
-                      </p:childTnLst>
-                    </p:cTn>
-                  </p:par>
-                </p:childTnLst>
-              </p:cTn>
-              <p:prevCondLst>
-                <p:cond evt="onPrev" delay="0">
-                  <p:tgtEl>
-                    <p:sldTgt/>
-                  </p:tgtEl>
-                </p:cond>
-              </p:prevCondLst>
-              <p:nextCondLst>
-                <p:cond evt="onNext" delay="0">
-                  <p:tgtEl>
-                    <p:sldTgt/>
-                  </p:tgtEl>
-                </p:cond>
-              </p:nextCondLst>
-            </p:seq>
-          </p:childTnLst>
-        </p:cTn>
-      </p:par>
-    </p:tnLst>
-    <p:bldLst>
-      <p:bldP spid="17" grpId="0"/>
-      <p:bldP spid="17" grpId="1"/>
-      <p:bldP spid="5" grpId="0" animBg="1"/>
-      <p:bldP spid="10" grpId="0"/>
-      <p:bldP spid="13" grpId="0"/>
-      <p:bldP spid="14" grpId="0"/>
-      <p:bldP spid="18" grpId="0"/>
-      <p:bldP spid="6" grpId="0"/>
-      <p:bldP spid="6" grpId="1"/>
-      <p:bldP spid="15" grpId="0"/>
-    </p:bldLst>
-  </p:timing>
-</p:sld>
-</file>
-
-<file path=ppt/slides/slide4.xml><?xml version="1.0" encoding="utf-8"?>
-<p:sld xmlns:a="http://schemas.openxmlformats.org/drawingml/2006/main" xmlns:r="http://schemas.openxmlformats.org/officeDocument/2006/relationships" xmlns:p="http://schemas.openxmlformats.org/presentationml/2006/main">
-  <p:cSld>
-    <p:spTree>
-      <p:nvGrpSpPr>
-        <p:cNvPr id="1" name=""/>
-        <p:cNvGrpSpPr/>
-        <p:nvPr/>
-      </p:nvGrpSpPr>
-      <p:grpSpPr>
-        <a:xfrm>
-          <a:off x="0" y="0"/>
-          <a:ext cx="0" cy="0"/>
-          <a:chOff x="0" y="0"/>
-          <a:chExt cx="0" cy="0"/>
-        </a:xfrm>
-      </p:grpSpPr>
-      <p:sp>
-        <p:nvSpPr>
-          <p:cNvPr id="4" name="ZoneTexte 3"/>
-          <p:cNvSpPr txBox="1"/>
-          <p:nvPr/>
-        </p:nvSpPr>
-        <p:spPr>
-          <a:xfrm>
-            <a:off x="713678" y="780585"/>
-            <a:ext cx="9233210" cy="769441"/>
-          </a:xfrm>
-          <a:prstGeom prst="rect">
-            <a:avLst/>
-          </a:prstGeom>
-          <a:noFill/>
-        </p:spPr>
-        <p:txBody>
-          <a:bodyPr wrap="square" rtlCol="0">
-            <a:spAutoFit/>
-          </a:bodyPr>
-          <a:lstStyle/>
-          <a:p>
-            <a:r>
-              <a:rPr lang="fr-FR" sz="4400" smtClean="0">
-                <a:latin typeface="Courier New" panose="02070309020205020404" pitchFamily="49" charset="0"/>
-                <a:cs typeface="Courier New" panose="02070309020205020404" pitchFamily="49" charset="0"/>
-              </a:rPr>
-              <a:t>&gt;&gt;&gt; note </a:t>
-            </a:r>
-            <a:r>
-              <a:rPr lang="fr-FR" sz="4400" dirty="0" smtClean="0">
-                <a:latin typeface="Courier New" panose="02070309020205020404" pitchFamily="49" charset="0"/>
-                <a:cs typeface="Courier New" panose="02070309020205020404" pitchFamily="49" charset="0"/>
-              </a:rPr>
-              <a:t>= 1</a:t>
-            </a:r>
-            <a:endParaRPr lang="fr-FR" sz="4400" dirty="0">
-              <a:latin typeface="Courier New" panose="02070309020205020404" pitchFamily="49" charset="0"/>
-              <a:cs typeface="Courier New" panose="02070309020205020404" pitchFamily="49" charset="0"/>
-            </a:endParaRPr>
-          </a:p>
-        </p:txBody>
-      </p:sp>
-    </p:spTree>
-    <p:extLst>
-      <p:ext uri="{BB962C8B-B14F-4D97-AF65-F5344CB8AC3E}">
-        <p14:creationId xmlns:p14="http://schemas.microsoft.com/office/powerpoint/2010/main" val="2102423629"/>
-      </p:ext>
-    </p:extLst>
-  </p:cSld>
-  <p:clrMapOvr>
-    <a:masterClrMapping/>
-  </p:clrMapOvr>
-  <p:timing>
-    <p:tnLst>
-      <p:par>
-        <p:cTn id="1" dur="indefinite" restart="never" nodeType="tmRoot">
-          <p:childTnLst>
-            <p:seq concurrent="1" nextAc="seek">
-              <p:cTn id="2" dur="indefinite" nodeType="mainSeq">
-                <p:childTnLst>
-                  <p:par>
-                    <p:cTn id="3" fill="hold">
-                      <p:stCondLst>
-                        <p:cond delay="indefinite"/>
-                      </p:stCondLst>
-                      <p:childTnLst>
-                        <p:par>
-                          <p:cTn id="4" fill="hold">
-                            <p:stCondLst>
-                              <p:cond delay="0"/>
-                            </p:stCondLst>
-                            <p:childTnLst>
-                              <p:par>
-                                <p:cTn id="5" presetID="10" presetClass="entr" presetSubtype="0" fill="hold" nodeType="clickEffect">
-                                  <p:stCondLst>
-                                    <p:cond delay="0"/>
-                                  </p:stCondLst>
-                                  <p:childTnLst>
-                                    <p:set>
-                                      <p:cBhvr>
-                                        <p:cTn id="6" dur="1" fill="hold">
-                                          <p:stCondLst>
-                                            <p:cond delay="0"/>
-                                          </p:stCondLst>
-                                        </p:cTn>
-                                        <p:tgtEl>
-                                          <p:spTgt spid="4">
-                                            <p:txEl>
-                                              <p:pRg st="0" end="0"/>
-                                            </p:txEl>
-                                          </p:spTgt>
-                                        </p:tgtEl>
-                                        <p:attrNameLst>
-                                          <p:attrName>style.visibility</p:attrName>
-                                        </p:attrNameLst>
-                                      </p:cBhvr>
-                                      <p:to>
-                                        <p:strVal val="visible"/>
-                                      </p:to>
-                                    </p:set>
-                                    <p:animEffect transition="in" filter="fade">
-                                      <p:cBhvr>
-                                        <p:cTn id="7" dur="500"/>
-                                        <p:tgtEl>
-                                          <p:spTgt spid="4">
-                                            <p:txEl>
-                                              <p:pRg st="0" end="0"/>
-                                            </p:txEl>
-                                          </p:spTgt>
-                                        </p:tgtEl>
-                                      </p:cBhvr>
-                                    </p:animEffect>
-                                  </p:childTnLst>
-                                </p:cTn>
-                              </p:par>
-                            </p:childTnLst>
-                          </p:cTn>
-                        </p:par>
-                      </p:childTnLst>
-                    </p:cTn>
-                  </p:par>
-                </p:childTnLst>
-              </p:cTn>
-              <p:prevCondLst>
-                <p:cond evt="onPrev" delay="0">
-                  <p:tgtEl>
-                    <p:sldTgt/>
-                  </p:tgtEl>
-                </p:cond>
-              </p:prevCondLst>
-              <p:nextCondLst>
-                <p:cond evt="onNext" delay="0">
-                  <p:tgtEl>
-                    <p:sldTgt/>
-                  </p:tgtEl>
-                </p:cond>
-              </p:nextCondLst>
-            </p:seq>
-          </p:childTnLst>
-        </p:cTn>
-      </p:par>
-    </p:tnLst>
-  </p:timing>
-</p:sld>
-</file>
-
-<file path=ppt/slides/slide5.xml><?xml version="1.0" encoding="utf-8"?>
-<p:sld xmlns:a="http://schemas.openxmlformats.org/drawingml/2006/main" xmlns:r="http://schemas.openxmlformats.org/officeDocument/2006/relationships" xmlns:p="http://schemas.openxmlformats.org/presentationml/2006/main">
-  <p:cSld>
-    <p:spTree>
-      <p:nvGrpSpPr>
-        <p:cNvPr id="1" name=""/>
-        <p:cNvGrpSpPr/>
-        <p:nvPr/>
-      </p:nvGrpSpPr>
-      <p:grpSpPr>
-        <a:xfrm>
-          <a:off x="0" y="0"/>
-          <a:ext cx="0" cy="0"/>
-          <a:chOff x="0" y="0"/>
-          <a:chExt cx="0" cy="0"/>
-        </a:xfrm>
-      </p:grpSpPr>
-      <p:sp>
-        <p:nvSpPr>
-          <p:cNvPr id="4" name="ZoneTexte 3"/>
-          <p:cNvSpPr txBox="1"/>
-          <p:nvPr/>
-        </p:nvSpPr>
-        <p:spPr>
-          <a:xfrm>
-            <a:off x="713678" y="780585"/>
-            <a:ext cx="9233210" cy="2800767"/>
-          </a:xfrm>
-          <a:prstGeom prst="rect">
-            <a:avLst/>
-          </a:prstGeom>
-          <a:noFill/>
-        </p:spPr>
-        <p:txBody>
-          <a:bodyPr wrap="square" rtlCol="0">
-            <a:spAutoFit/>
-          </a:bodyPr>
-          <a:lstStyle/>
-          <a:p>
-            <a:r>
-              <a:rPr lang="fr-FR" sz="4400" dirty="0" err="1">
-                <a:latin typeface="Courier New" panose="02070309020205020404" pitchFamily="49" charset="0"/>
-                <a:cs typeface="Courier New" panose="02070309020205020404" pitchFamily="49" charset="0"/>
-              </a:rPr>
-              <a:t>a</a:t>
-            </a:r>
-            <a:r>
-              <a:rPr lang="fr-FR" sz="4400" dirty="0" err="1" smtClean="0">
-                <a:latin typeface="Courier New" panose="02070309020205020404" pitchFamily="49" charset="0"/>
-                <a:cs typeface="Courier New" panose="02070309020205020404" pitchFamily="49" charset="0"/>
-              </a:rPr>
-              <a:t>bcdefghijklmnopqrstuvwxyz</a:t>
-            </a:r>
-            <a:endParaRPr lang="fr-FR" sz="4400" dirty="0" smtClean="0">
-              <a:latin typeface="Courier New" panose="02070309020205020404" pitchFamily="49" charset="0"/>
-              <a:cs typeface="Courier New" panose="02070309020205020404" pitchFamily="49" charset="0"/>
-            </a:endParaRPr>
-          </a:p>
-          <a:p>
-            <a:r>
-              <a:rPr lang="fr-FR" sz="4400" dirty="0" smtClean="0">
-                <a:latin typeface="Courier New" panose="02070309020205020404" pitchFamily="49" charset="0"/>
-                <a:cs typeface="Courier New" panose="02070309020205020404" pitchFamily="49" charset="0"/>
-              </a:rPr>
-              <a:t>ABCDEFGHIJKLMNOPQRSTUVWXYZ</a:t>
-            </a:r>
-          </a:p>
-          <a:p>
-            <a:r>
-              <a:rPr lang="fr-FR" sz="4400" dirty="0" smtClean="0">
-                <a:latin typeface="Courier New" panose="02070309020205020404" pitchFamily="49" charset="0"/>
-                <a:cs typeface="Courier New" panose="02070309020205020404" pitchFamily="49" charset="0"/>
-              </a:rPr>
-              <a:t>0123456789</a:t>
-            </a:r>
-          </a:p>
-          <a:p>
-            <a:r>
-              <a:rPr lang="fr-FR" sz="4400" dirty="0">
-                <a:latin typeface="Courier New" panose="02070309020205020404" pitchFamily="49" charset="0"/>
-                <a:cs typeface="Courier New" panose="02070309020205020404" pitchFamily="49" charset="0"/>
-              </a:rPr>
-              <a:t>_</a:t>
-            </a:r>
-          </a:p>
-        </p:txBody>
-      </p:sp>
-    </p:spTree>
-    <p:extLst>
-      <p:ext uri="{BB962C8B-B14F-4D97-AF65-F5344CB8AC3E}">
-        <p14:creationId xmlns:p14="http://schemas.microsoft.com/office/powerpoint/2010/main" val="2129602142"/>
       </p:ext>
     </p:extLst>
   </p:cSld>
@@ -6865,2345 +4556,6 @@
         </p:cTn>
       </p:par>
     </p:tnLst>
-  </p:timing>
-</p:sld>
-</file>
-
-<file path=ppt/slides/slide6.xml><?xml version="1.0" encoding="utf-8"?>
-<p:sld xmlns:a="http://schemas.openxmlformats.org/drawingml/2006/main" xmlns:r="http://schemas.openxmlformats.org/officeDocument/2006/relationships" xmlns:p="http://schemas.openxmlformats.org/presentationml/2006/main">
-  <p:cSld>
-    <p:spTree>
-      <p:nvGrpSpPr>
-        <p:cNvPr id="1" name=""/>
-        <p:cNvGrpSpPr/>
-        <p:nvPr/>
-      </p:nvGrpSpPr>
-      <p:grpSpPr>
-        <a:xfrm>
-          <a:off x="0" y="0"/>
-          <a:ext cx="0" cy="0"/>
-          <a:chOff x="0" y="0"/>
-          <a:chExt cx="0" cy="0"/>
-        </a:xfrm>
-      </p:grpSpPr>
-      <p:sp>
-        <p:nvSpPr>
-          <p:cNvPr id="4" name="ZoneTexte 3"/>
-          <p:cNvSpPr txBox="1"/>
-          <p:nvPr/>
-        </p:nvSpPr>
-        <p:spPr>
-          <a:xfrm>
-            <a:off x="713678" y="780585"/>
-            <a:ext cx="9233210" cy="4154984"/>
-          </a:xfrm>
-          <a:prstGeom prst="rect">
-            <a:avLst/>
-          </a:prstGeom>
-          <a:noFill/>
-        </p:spPr>
-        <p:txBody>
-          <a:bodyPr wrap="square" rtlCol="0">
-            <a:spAutoFit/>
-          </a:bodyPr>
-          <a:lstStyle/>
-          <a:p>
-            <a:r>
-              <a:rPr lang="fr-FR" sz="4400" dirty="0" err="1" smtClean="0">
-                <a:solidFill>
-                  <a:srgbClr val="00B050"/>
-                </a:solidFill>
-                <a:latin typeface="Courier New" panose="02070309020205020404" pitchFamily="49" charset="0"/>
-                <a:cs typeface="Courier New" panose="02070309020205020404" pitchFamily="49" charset="0"/>
-              </a:rPr>
-              <a:t>base_utilisateurs</a:t>
-            </a:r>
-            <a:endParaRPr lang="fr-FR" sz="4400" dirty="0" smtClean="0">
-              <a:solidFill>
-                <a:srgbClr val="00B050"/>
-              </a:solidFill>
-              <a:latin typeface="Courier New" panose="02070309020205020404" pitchFamily="49" charset="0"/>
-              <a:cs typeface="Courier New" panose="02070309020205020404" pitchFamily="49" charset="0"/>
-            </a:endParaRPr>
-          </a:p>
-          <a:p>
-            <a:r>
-              <a:rPr lang="fr-FR" sz="4400" dirty="0" smtClean="0">
-                <a:solidFill>
-                  <a:srgbClr val="00B050"/>
-                </a:solidFill>
-                <a:latin typeface="Courier New" panose="02070309020205020404" pitchFamily="49" charset="0"/>
-                <a:cs typeface="Courier New" panose="02070309020205020404" pitchFamily="49" charset="0"/>
-              </a:rPr>
-              <a:t>_identifiants</a:t>
-            </a:r>
-          </a:p>
-          <a:p>
-            <a:r>
-              <a:rPr lang="fr-FR" sz="4400" strike="sngStrike" dirty="0" smtClean="0">
-                <a:solidFill>
-                  <a:srgbClr val="FF0000"/>
-                </a:solidFill>
-                <a:latin typeface="Courier New" panose="02070309020205020404" pitchFamily="49" charset="0"/>
-                <a:cs typeface="Courier New" panose="02070309020205020404" pitchFamily="49" charset="0"/>
-              </a:rPr>
-              <a:t>06_departement</a:t>
-            </a:r>
-          </a:p>
-          <a:p>
-            <a:r>
-              <a:rPr lang="fr-FR" sz="4400" dirty="0">
-                <a:solidFill>
-                  <a:srgbClr val="00B050"/>
-                </a:solidFill>
-                <a:latin typeface="Courier New" panose="02070309020205020404" pitchFamily="49" charset="0"/>
-                <a:cs typeface="Courier New" panose="02070309020205020404" pitchFamily="49" charset="0"/>
-              </a:rPr>
-              <a:t>departement_06</a:t>
-            </a:r>
-          </a:p>
-          <a:p>
-            <a:endParaRPr lang="fr-FR" sz="4400" strike="sngStrike" dirty="0" smtClean="0">
-              <a:solidFill>
-                <a:srgbClr val="FF0000"/>
-              </a:solidFill>
-              <a:latin typeface="Courier New" panose="02070309020205020404" pitchFamily="49" charset="0"/>
-              <a:cs typeface="Courier New" panose="02070309020205020404" pitchFamily="49" charset="0"/>
-            </a:endParaRPr>
-          </a:p>
-          <a:p>
-            <a:endParaRPr lang="fr-FR" sz="4400" strike="sngStrike" dirty="0">
-              <a:solidFill>
-                <a:srgbClr val="FF0000"/>
-              </a:solidFill>
-              <a:latin typeface="Courier New" panose="02070309020205020404" pitchFamily="49" charset="0"/>
-              <a:cs typeface="Courier New" panose="02070309020205020404" pitchFamily="49" charset="0"/>
-            </a:endParaRPr>
-          </a:p>
-        </p:txBody>
-      </p:sp>
-    </p:spTree>
-    <p:extLst>
-      <p:ext uri="{BB962C8B-B14F-4D97-AF65-F5344CB8AC3E}">
-        <p14:creationId xmlns:p14="http://schemas.microsoft.com/office/powerpoint/2010/main" val="2913838779"/>
-      </p:ext>
-    </p:extLst>
-  </p:cSld>
-  <p:clrMapOvr>
-    <a:masterClrMapping/>
-  </p:clrMapOvr>
-  <p:timing>
-    <p:tnLst>
-      <p:par>
-        <p:cTn id="1" dur="indefinite" restart="never" nodeType="tmRoot">
-          <p:childTnLst>
-            <p:seq concurrent="1" nextAc="seek">
-              <p:cTn id="2" dur="indefinite" nodeType="mainSeq">
-                <p:childTnLst>
-                  <p:par>
-                    <p:cTn id="3" fill="hold">
-                      <p:stCondLst>
-                        <p:cond delay="indefinite"/>
-                        <p:cond evt="onBegin" delay="0">
-                          <p:tn val="2"/>
-                        </p:cond>
-                      </p:stCondLst>
-                      <p:childTnLst>
-                        <p:par>
-                          <p:cTn id="4" fill="hold">
-                            <p:stCondLst>
-                              <p:cond delay="0"/>
-                            </p:stCondLst>
-                            <p:childTnLst>
-                              <p:par>
-                                <p:cTn id="5" presetID="10" presetClass="entr" presetSubtype="0" fill="hold" nodeType="withEffect">
-                                  <p:stCondLst>
-                                    <p:cond delay="0"/>
-                                  </p:stCondLst>
-                                  <p:childTnLst>
-                                    <p:set>
-                                      <p:cBhvr>
-                                        <p:cTn id="6" dur="1" fill="hold">
-                                          <p:stCondLst>
-                                            <p:cond delay="0"/>
-                                          </p:stCondLst>
-                                        </p:cTn>
-                                        <p:tgtEl>
-                                          <p:spTgt spid="4">
-                                            <p:txEl>
-                                              <p:pRg st="0" end="0"/>
-                                            </p:txEl>
-                                          </p:spTgt>
-                                        </p:tgtEl>
-                                        <p:attrNameLst>
-                                          <p:attrName>style.visibility</p:attrName>
-                                        </p:attrNameLst>
-                                      </p:cBhvr>
-                                      <p:to>
-                                        <p:strVal val="visible"/>
-                                      </p:to>
-                                    </p:set>
-                                    <p:animEffect transition="in" filter="fade">
-                                      <p:cBhvr>
-                                        <p:cTn id="7" dur="500"/>
-                                        <p:tgtEl>
-                                          <p:spTgt spid="4">
-                                            <p:txEl>
-                                              <p:pRg st="0" end="0"/>
-                                            </p:txEl>
-                                          </p:spTgt>
-                                        </p:tgtEl>
-                                      </p:cBhvr>
-                                    </p:animEffect>
-                                  </p:childTnLst>
-                                </p:cTn>
-                              </p:par>
-                            </p:childTnLst>
-                          </p:cTn>
-                        </p:par>
-                      </p:childTnLst>
-                    </p:cTn>
-                  </p:par>
-                  <p:par>
-                    <p:cTn id="8" fill="hold">
-                      <p:stCondLst>
-                        <p:cond delay="indefinite"/>
-                      </p:stCondLst>
-                      <p:childTnLst>
-                        <p:par>
-                          <p:cTn id="9" fill="hold">
-                            <p:stCondLst>
-                              <p:cond delay="0"/>
-                            </p:stCondLst>
-                            <p:childTnLst>
-                              <p:par>
-                                <p:cTn id="10" presetID="10" presetClass="entr" presetSubtype="0" fill="hold" nodeType="clickEffect">
-                                  <p:stCondLst>
-                                    <p:cond delay="0"/>
-                                  </p:stCondLst>
-                                  <p:childTnLst>
-                                    <p:set>
-                                      <p:cBhvr>
-                                        <p:cTn id="11" dur="1" fill="hold">
-                                          <p:stCondLst>
-                                            <p:cond delay="0"/>
-                                          </p:stCondLst>
-                                        </p:cTn>
-                                        <p:tgtEl>
-                                          <p:spTgt spid="4">
-                                            <p:txEl>
-                                              <p:pRg st="1" end="1"/>
-                                            </p:txEl>
-                                          </p:spTgt>
-                                        </p:tgtEl>
-                                        <p:attrNameLst>
-                                          <p:attrName>style.visibility</p:attrName>
-                                        </p:attrNameLst>
-                                      </p:cBhvr>
-                                      <p:to>
-                                        <p:strVal val="visible"/>
-                                      </p:to>
-                                    </p:set>
-                                    <p:animEffect transition="in" filter="fade">
-                                      <p:cBhvr>
-                                        <p:cTn id="12" dur="500"/>
-                                        <p:tgtEl>
-                                          <p:spTgt spid="4">
-                                            <p:txEl>
-                                              <p:pRg st="1" end="1"/>
-                                            </p:txEl>
-                                          </p:spTgt>
-                                        </p:tgtEl>
-                                      </p:cBhvr>
-                                    </p:animEffect>
-                                  </p:childTnLst>
-                                </p:cTn>
-                              </p:par>
-                            </p:childTnLst>
-                          </p:cTn>
-                        </p:par>
-                      </p:childTnLst>
-                    </p:cTn>
-                  </p:par>
-                  <p:par>
-                    <p:cTn id="13" fill="hold">
-                      <p:stCondLst>
-                        <p:cond delay="indefinite"/>
-                      </p:stCondLst>
-                      <p:childTnLst>
-                        <p:par>
-                          <p:cTn id="14" fill="hold">
-                            <p:stCondLst>
-                              <p:cond delay="0"/>
-                            </p:stCondLst>
-                            <p:childTnLst>
-                              <p:par>
-                                <p:cTn id="15" presetID="10" presetClass="entr" presetSubtype="0" fill="hold" nodeType="clickEffect">
-                                  <p:stCondLst>
-                                    <p:cond delay="0"/>
-                                  </p:stCondLst>
-                                  <p:childTnLst>
-                                    <p:set>
-                                      <p:cBhvr>
-                                        <p:cTn id="16" dur="1" fill="hold">
-                                          <p:stCondLst>
-                                            <p:cond delay="0"/>
-                                          </p:stCondLst>
-                                        </p:cTn>
-                                        <p:tgtEl>
-                                          <p:spTgt spid="4">
-                                            <p:txEl>
-                                              <p:pRg st="2" end="2"/>
-                                            </p:txEl>
-                                          </p:spTgt>
-                                        </p:tgtEl>
-                                        <p:attrNameLst>
-                                          <p:attrName>style.visibility</p:attrName>
-                                        </p:attrNameLst>
-                                      </p:cBhvr>
-                                      <p:to>
-                                        <p:strVal val="visible"/>
-                                      </p:to>
-                                    </p:set>
-                                    <p:animEffect transition="in" filter="fade">
-                                      <p:cBhvr>
-                                        <p:cTn id="17" dur="500"/>
-                                        <p:tgtEl>
-                                          <p:spTgt spid="4">
-                                            <p:txEl>
-                                              <p:pRg st="2" end="2"/>
-                                            </p:txEl>
-                                          </p:spTgt>
-                                        </p:tgtEl>
-                                      </p:cBhvr>
-                                    </p:animEffect>
-                                  </p:childTnLst>
-                                </p:cTn>
-                              </p:par>
-                            </p:childTnLst>
-                          </p:cTn>
-                        </p:par>
-                      </p:childTnLst>
-                    </p:cTn>
-                  </p:par>
-                  <p:par>
-                    <p:cTn id="18" fill="hold">
-                      <p:stCondLst>
-                        <p:cond delay="indefinite"/>
-                      </p:stCondLst>
-                      <p:childTnLst>
-                        <p:par>
-                          <p:cTn id="19" fill="hold">
-                            <p:stCondLst>
-                              <p:cond delay="0"/>
-                            </p:stCondLst>
-                            <p:childTnLst>
-                              <p:par>
-                                <p:cTn id="20" presetID="10" presetClass="entr" presetSubtype="0" fill="hold" nodeType="clickEffect">
-                                  <p:stCondLst>
-                                    <p:cond delay="0"/>
-                                  </p:stCondLst>
-                                  <p:childTnLst>
-                                    <p:set>
-                                      <p:cBhvr>
-                                        <p:cTn id="21" dur="1" fill="hold">
-                                          <p:stCondLst>
-                                            <p:cond delay="0"/>
-                                          </p:stCondLst>
-                                        </p:cTn>
-                                        <p:tgtEl>
-                                          <p:spTgt spid="4">
-                                            <p:txEl>
-                                              <p:pRg st="3" end="3"/>
-                                            </p:txEl>
-                                          </p:spTgt>
-                                        </p:tgtEl>
-                                        <p:attrNameLst>
-                                          <p:attrName>style.visibility</p:attrName>
-                                        </p:attrNameLst>
-                                      </p:cBhvr>
-                                      <p:to>
-                                        <p:strVal val="visible"/>
-                                      </p:to>
-                                    </p:set>
-                                    <p:animEffect transition="in" filter="fade">
-                                      <p:cBhvr>
-                                        <p:cTn id="22" dur="500"/>
-                                        <p:tgtEl>
-                                          <p:spTgt spid="4">
-                                            <p:txEl>
-                                              <p:pRg st="3" end="3"/>
-                                            </p:txEl>
-                                          </p:spTgt>
-                                        </p:tgtEl>
-                                      </p:cBhvr>
-                                    </p:animEffect>
-                                  </p:childTnLst>
-                                </p:cTn>
-                              </p:par>
-                            </p:childTnLst>
-                          </p:cTn>
-                        </p:par>
-                      </p:childTnLst>
-                    </p:cTn>
-                  </p:par>
-                </p:childTnLst>
-              </p:cTn>
-              <p:prevCondLst>
-                <p:cond evt="onPrev" delay="0">
-                  <p:tgtEl>
-                    <p:sldTgt/>
-                  </p:tgtEl>
-                </p:cond>
-              </p:prevCondLst>
-              <p:nextCondLst>
-                <p:cond evt="onNext" delay="0">
-                  <p:tgtEl>
-                    <p:sldTgt/>
-                  </p:tgtEl>
-                </p:cond>
-              </p:nextCondLst>
-            </p:seq>
-          </p:childTnLst>
-        </p:cTn>
-      </p:par>
-    </p:tnLst>
-  </p:timing>
-</p:sld>
-</file>
-
-<file path=ppt/slides/slide7.xml><?xml version="1.0" encoding="utf-8"?>
-<p:sld xmlns:a="http://schemas.openxmlformats.org/drawingml/2006/main" xmlns:r="http://schemas.openxmlformats.org/officeDocument/2006/relationships" xmlns:p="http://schemas.openxmlformats.org/presentationml/2006/main">
-  <p:cSld>
-    <p:spTree>
-      <p:nvGrpSpPr>
-        <p:cNvPr id="1" name=""/>
-        <p:cNvGrpSpPr/>
-        <p:nvPr/>
-      </p:nvGrpSpPr>
-      <p:grpSpPr>
-        <a:xfrm>
-          <a:off x="0" y="0"/>
-          <a:ext cx="0" cy="0"/>
-          <a:chOff x="0" y="0"/>
-          <a:chExt cx="0" cy="0"/>
-        </a:xfrm>
-      </p:grpSpPr>
-      <p:sp>
-        <p:nvSpPr>
-          <p:cNvPr id="4" name="ZoneTexte 3"/>
-          <p:cNvSpPr txBox="1"/>
-          <p:nvPr/>
-        </p:nvSpPr>
-        <p:spPr>
-          <a:xfrm>
-            <a:off x="713678" y="780585"/>
-            <a:ext cx="9233210" cy="769441"/>
-          </a:xfrm>
-          <a:prstGeom prst="rect">
-            <a:avLst/>
-          </a:prstGeom>
-          <a:noFill/>
-        </p:spPr>
-        <p:txBody>
-          <a:bodyPr wrap="square" rtlCol="0">
-            <a:spAutoFit/>
-          </a:bodyPr>
-          <a:lstStyle/>
-          <a:p>
-            <a:r>
-              <a:rPr lang="fr-FR" sz="4400" dirty="0" smtClean="0">
-                <a:latin typeface="Courier New" panose="02070309020205020404" pitchFamily="49" charset="0"/>
-                <a:cs typeface="Courier New" panose="02070309020205020404" pitchFamily="49" charset="0"/>
-              </a:rPr>
-              <a:t>Identifiant </a:t>
-            </a:r>
-            <a:r>
-              <a:rPr lang="fr-FR" sz="4400" dirty="0">
-                <a:latin typeface="Courier New" panose="02070309020205020404" pitchFamily="49" charset="0"/>
-                <a:cs typeface="Courier New" panose="02070309020205020404" pitchFamily="49" charset="0"/>
-              </a:rPr>
-              <a:t>≠</a:t>
-            </a:r>
-            <a:r>
-              <a:rPr lang="fr-FR" sz="4400" dirty="0" smtClean="0">
-                <a:latin typeface="Courier New" panose="02070309020205020404" pitchFamily="49" charset="0"/>
-                <a:cs typeface="Courier New" panose="02070309020205020404" pitchFamily="49" charset="0"/>
-              </a:rPr>
-              <a:t> identifiant</a:t>
-            </a:r>
-            <a:endParaRPr lang="fr-FR" sz="4400" dirty="0">
-              <a:latin typeface="Courier New" panose="02070309020205020404" pitchFamily="49" charset="0"/>
-              <a:cs typeface="Courier New" panose="02070309020205020404" pitchFamily="49" charset="0"/>
-            </a:endParaRPr>
-          </a:p>
-        </p:txBody>
-      </p:sp>
-    </p:spTree>
-    <p:extLst>
-      <p:ext uri="{BB962C8B-B14F-4D97-AF65-F5344CB8AC3E}">
-        <p14:creationId xmlns:p14="http://schemas.microsoft.com/office/powerpoint/2010/main" val="2482699446"/>
-      </p:ext>
-    </p:extLst>
-  </p:cSld>
-  <p:clrMapOvr>
-    <a:masterClrMapping/>
-  </p:clrMapOvr>
-  <p:timing>
-    <p:tnLst>
-      <p:par>
-        <p:cTn id="1" dur="indefinite" restart="never" nodeType="tmRoot">
-          <p:childTnLst>
-            <p:seq concurrent="1" nextAc="seek">
-              <p:cTn id="2" dur="indefinite" nodeType="mainSeq">
-                <p:childTnLst>
-                  <p:par>
-                    <p:cTn id="3" fill="hold">
-                      <p:stCondLst>
-                        <p:cond delay="indefinite"/>
-                        <p:cond evt="onBegin" delay="0">
-                          <p:tn val="2"/>
-                        </p:cond>
-                      </p:stCondLst>
-                      <p:childTnLst>
-                        <p:par>
-                          <p:cTn id="4" fill="hold">
-                            <p:stCondLst>
-                              <p:cond delay="0"/>
-                            </p:stCondLst>
-                            <p:childTnLst>
-                              <p:par>
-                                <p:cTn id="5" presetID="10" presetClass="entr" presetSubtype="0" fill="hold" nodeType="withEffect">
-                                  <p:stCondLst>
-                                    <p:cond delay="0"/>
-                                  </p:stCondLst>
-                                  <p:childTnLst>
-                                    <p:set>
-                                      <p:cBhvr>
-                                        <p:cTn id="6" dur="1" fill="hold">
-                                          <p:stCondLst>
-                                            <p:cond delay="0"/>
-                                          </p:stCondLst>
-                                        </p:cTn>
-                                        <p:tgtEl>
-                                          <p:spTgt spid="4">
-                                            <p:txEl>
-                                              <p:pRg st="0" end="0"/>
-                                            </p:txEl>
-                                          </p:spTgt>
-                                        </p:tgtEl>
-                                        <p:attrNameLst>
-                                          <p:attrName>style.visibility</p:attrName>
-                                        </p:attrNameLst>
-                                      </p:cBhvr>
-                                      <p:to>
-                                        <p:strVal val="visible"/>
-                                      </p:to>
-                                    </p:set>
-                                    <p:animEffect transition="in" filter="fade">
-                                      <p:cBhvr>
-                                        <p:cTn id="7" dur="500"/>
-                                        <p:tgtEl>
-                                          <p:spTgt spid="4">
-                                            <p:txEl>
-                                              <p:pRg st="0" end="0"/>
-                                            </p:txEl>
-                                          </p:spTgt>
-                                        </p:tgtEl>
-                                      </p:cBhvr>
-                                    </p:animEffect>
-                                  </p:childTnLst>
-                                </p:cTn>
-                              </p:par>
-                            </p:childTnLst>
-                          </p:cTn>
-                        </p:par>
-                      </p:childTnLst>
-                    </p:cTn>
-                  </p:par>
-                </p:childTnLst>
-              </p:cTn>
-              <p:prevCondLst>
-                <p:cond evt="onPrev" delay="0">
-                  <p:tgtEl>
-                    <p:sldTgt/>
-                  </p:tgtEl>
-                </p:cond>
-              </p:prevCondLst>
-              <p:nextCondLst>
-                <p:cond evt="onNext" delay="0">
-                  <p:tgtEl>
-                    <p:sldTgt/>
-                  </p:tgtEl>
-                </p:cond>
-              </p:nextCondLst>
-            </p:seq>
-          </p:childTnLst>
-        </p:cTn>
-      </p:par>
-    </p:tnLst>
-  </p:timing>
-</p:sld>
-</file>
-
-<file path=ppt/slides/slide8.xml><?xml version="1.0" encoding="utf-8"?>
-<p:sld xmlns:a="http://schemas.openxmlformats.org/drawingml/2006/main" xmlns:r="http://schemas.openxmlformats.org/officeDocument/2006/relationships" xmlns:p="http://schemas.openxmlformats.org/presentationml/2006/main">
-  <p:cSld>
-    <p:spTree>
-      <p:nvGrpSpPr>
-        <p:cNvPr id="1" name=""/>
-        <p:cNvGrpSpPr/>
-        <p:nvPr/>
-      </p:nvGrpSpPr>
-      <p:grpSpPr>
-        <a:xfrm>
-          <a:off x="0" y="0"/>
-          <a:ext cx="0" cy="0"/>
-          <a:chOff x="0" y="0"/>
-          <a:chExt cx="0" cy="0"/>
-        </a:xfrm>
-      </p:grpSpPr>
-      <p:sp>
-        <p:nvSpPr>
-          <p:cNvPr id="4" name="ZoneTexte 3"/>
-          <p:cNvSpPr txBox="1"/>
-          <p:nvPr/>
-        </p:nvSpPr>
-        <p:spPr>
-          <a:xfrm>
-            <a:off x="713678" y="780585"/>
-            <a:ext cx="9233210" cy="2123658"/>
-          </a:xfrm>
-          <a:prstGeom prst="rect">
-            <a:avLst/>
-          </a:prstGeom>
-          <a:noFill/>
-        </p:spPr>
-        <p:txBody>
-          <a:bodyPr wrap="square" rtlCol="0">
-            <a:spAutoFit/>
-          </a:bodyPr>
-          <a:lstStyle/>
-          <a:p>
-            <a:r>
-              <a:rPr lang="fr-FR" sz="4400" dirty="0" err="1" smtClean="0">
-                <a:solidFill>
-                  <a:srgbClr val="00B050"/>
-                </a:solidFill>
-                <a:latin typeface="Courier New" panose="02070309020205020404" pitchFamily="49" charset="0"/>
-                <a:cs typeface="Courier New" panose="02070309020205020404" pitchFamily="49" charset="0"/>
-              </a:rPr>
-              <a:t>moyenne_age_francais</a:t>
-            </a:r>
-            <a:endParaRPr lang="fr-FR" sz="4400" dirty="0" smtClean="0">
-              <a:solidFill>
-                <a:srgbClr val="00B050"/>
-              </a:solidFill>
-              <a:latin typeface="Courier New" panose="02070309020205020404" pitchFamily="49" charset="0"/>
-              <a:cs typeface="Courier New" panose="02070309020205020404" pitchFamily="49" charset="0"/>
-            </a:endParaRPr>
-          </a:p>
-          <a:p>
-            <a:r>
-              <a:rPr lang="fr-FR" sz="4400" dirty="0" err="1" smtClean="0">
-                <a:solidFill>
-                  <a:srgbClr val="FFC000"/>
-                </a:solidFill>
-                <a:latin typeface="Courier New" panose="02070309020205020404" pitchFamily="49" charset="0"/>
-                <a:cs typeface="Courier New" panose="02070309020205020404" pitchFamily="49" charset="0"/>
-              </a:rPr>
-              <a:t>moy_age_f</a:t>
-            </a:r>
-            <a:endParaRPr lang="fr-FR" sz="4400" dirty="0">
-              <a:solidFill>
-                <a:srgbClr val="FFC000"/>
-              </a:solidFill>
-              <a:latin typeface="Courier New" panose="02070309020205020404" pitchFamily="49" charset="0"/>
-              <a:cs typeface="Courier New" panose="02070309020205020404" pitchFamily="49" charset="0"/>
-            </a:endParaRPr>
-          </a:p>
-          <a:p>
-            <a:r>
-              <a:rPr lang="fr-FR" sz="4400" dirty="0">
-                <a:solidFill>
-                  <a:srgbClr val="FF0000"/>
-                </a:solidFill>
-                <a:latin typeface="Courier New" panose="02070309020205020404" pitchFamily="49" charset="0"/>
-                <a:cs typeface="Courier New" panose="02070309020205020404" pitchFamily="49" charset="0"/>
-              </a:rPr>
-              <a:t>x</a:t>
-            </a:r>
-          </a:p>
-        </p:txBody>
-      </p:sp>
-    </p:spTree>
-    <p:extLst>
-      <p:ext uri="{BB962C8B-B14F-4D97-AF65-F5344CB8AC3E}">
-        <p14:creationId xmlns:p14="http://schemas.microsoft.com/office/powerpoint/2010/main" val="193595072"/>
-      </p:ext>
-    </p:extLst>
-  </p:cSld>
-  <p:clrMapOvr>
-    <a:masterClrMapping/>
-  </p:clrMapOvr>
-  <p:timing>
-    <p:tnLst>
-      <p:par>
-        <p:cTn id="1" dur="indefinite" restart="never" nodeType="tmRoot">
-          <p:childTnLst>
-            <p:seq concurrent="1" nextAc="seek">
-              <p:cTn id="2" dur="indefinite" nodeType="mainSeq">
-                <p:childTnLst>
-                  <p:par>
-                    <p:cTn id="3" fill="hold">
-                      <p:stCondLst>
-                        <p:cond delay="indefinite"/>
-                        <p:cond evt="onBegin" delay="0">
-                          <p:tn val="2"/>
-                        </p:cond>
-                      </p:stCondLst>
-                      <p:childTnLst>
-                        <p:par>
-                          <p:cTn id="4" fill="hold">
-                            <p:stCondLst>
-                              <p:cond delay="0"/>
-                            </p:stCondLst>
-                            <p:childTnLst>
-                              <p:par>
-                                <p:cTn id="5" presetID="10" presetClass="entr" presetSubtype="0" fill="hold" nodeType="withEffect">
-                                  <p:stCondLst>
-                                    <p:cond delay="0"/>
-                                  </p:stCondLst>
-                                  <p:childTnLst>
-                                    <p:set>
-                                      <p:cBhvr>
-                                        <p:cTn id="6" dur="1" fill="hold">
-                                          <p:stCondLst>
-                                            <p:cond delay="0"/>
-                                          </p:stCondLst>
-                                        </p:cTn>
-                                        <p:tgtEl>
-                                          <p:spTgt spid="4">
-                                            <p:txEl>
-                                              <p:pRg st="0" end="0"/>
-                                            </p:txEl>
-                                          </p:spTgt>
-                                        </p:tgtEl>
-                                        <p:attrNameLst>
-                                          <p:attrName>style.visibility</p:attrName>
-                                        </p:attrNameLst>
-                                      </p:cBhvr>
-                                      <p:to>
-                                        <p:strVal val="visible"/>
-                                      </p:to>
-                                    </p:set>
-                                    <p:animEffect transition="in" filter="fade">
-                                      <p:cBhvr>
-                                        <p:cTn id="7" dur="500"/>
-                                        <p:tgtEl>
-                                          <p:spTgt spid="4">
-                                            <p:txEl>
-                                              <p:pRg st="0" end="0"/>
-                                            </p:txEl>
-                                          </p:spTgt>
-                                        </p:tgtEl>
-                                      </p:cBhvr>
-                                    </p:animEffect>
-                                  </p:childTnLst>
-                                </p:cTn>
-                              </p:par>
-                            </p:childTnLst>
-                          </p:cTn>
-                        </p:par>
-                      </p:childTnLst>
-                    </p:cTn>
-                  </p:par>
-                  <p:par>
-                    <p:cTn id="8" fill="hold">
-                      <p:stCondLst>
-                        <p:cond delay="indefinite"/>
-                      </p:stCondLst>
-                      <p:childTnLst>
-                        <p:par>
-                          <p:cTn id="9" fill="hold">
-                            <p:stCondLst>
-                              <p:cond delay="0"/>
-                            </p:stCondLst>
-                            <p:childTnLst>
-                              <p:par>
-                                <p:cTn id="10" presetID="10" presetClass="entr" presetSubtype="0" fill="hold" nodeType="clickEffect">
-                                  <p:stCondLst>
-                                    <p:cond delay="0"/>
-                                  </p:stCondLst>
-                                  <p:childTnLst>
-                                    <p:set>
-                                      <p:cBhvr>
-                                        <p:cTn id="11" dur="1" fill="hold">
-                                          <p:stCondLst>
-                                            <p:cond delay="0"/>
-                                          </p:stCondLst>
-                                        </p:cTn>
-                                        <p:tgtEl>
-                                          <p:spTgt spid="4">
-                                            <p:txEl>
-                                              <p:pRg st="1" end="1"/>
-                                            </p:txEl>
-                                          </p:spTgt>
-                                        </p:tgtEl>
-                                        <p:attrNameLst>
-                                          <p:attrName>style.visibility</p:attrName>
-                                        </p:attrNameLst>
-                                      </p:cBhvr>
-                                      <p:to>
-                                        <p:strVal val="visible"/>
-                                      </p:to>
-                                    </p:set>
-                                    <p:animEffect transition="in" filter="fade">
-                                      <p:cBhvr>
-                                        <p:cTn id="12" dur="500"/>
-                                        <p:tgtEl>
-                                          <p:spTgt spid="4">
-                                            <p:txEl>
-                                              <p:pRg st="1" end="1"/>
-                                            </p:txEl>
-                                          </p:spTgt>
-                                        </p:tgtEl>
-                                      </p:cBhvr>
-                                    </p:animEffect>
-                                  </p:childTnLst>
-                                </p:cTn>
-                              </p:par>
-                            </p:childTnLst>
-                          </p:cTn>
-                        </p:par>
-                      </p:childTnLst>
-                    </p:cTn>
-                  </p:par>
-                  <p:par>
-                    <p:cTn id="13" fill="hold">
-                      <p:stCondLst>
-                        <p:cond delay="indefinite"/>
-                      </p:stCondLst>
-                      <p:childTnLst>
-                        <p:par>
-                          <p:cTn id="14" fill="hold">
-                            <p:stCondLst>
-                              <p:cond delay="0"/>
-                            </p:stCondLst>
-                            <p:childTnLst>
-                              <p:par>
-                                <p:cTn id="15" presetID="10" presetClass="entr" presetSubtype="0" fill="hold" nodeType="clickEffect">
-                                  <p:stCondLst>
-                                    <p:cond delay="0"/>
-                                  </p:stCondLst>
-                                  <p:childTnLst>
-                                    <p:set>
-                                      <p:cBhvr>
-                                        <p:cTn id="16" dur="1" fill="hold">
-                                          <p:stCondLst>
-                                            <p:cond delay="0"/>
-                                          </p:stCondLst>
-                                        </p:cTn>
-                                        <p:tgtEl>
-                                          <p:spTgt spid="4">
-                                            <p:txEl>
-                                              <p:pRg st="2" end="2"/>
-                                            </p:txEl>
-                                          </p:spTgt>
-                                        </p:tgtEl>
-                                        <p:attrNameLst>
-                                          <p:attrName>style.visibility</p:attrName>
-                                        </p:attrNameLst>
-                                      </p:cBhvr>
-                                      <p:to>
-                                        <p:strVal val="visible"/>
-                                      </p:to>
-                                    </p:set>
-                                    <p:animEffect transition="in" filter="fade">
-                                      <p:cBhvr>
-                                        <p:cTn id="17" dur="500"/>
-                                        <p:tgtEl>
-                                          <p:spTgt spid="4">
-                                            <p:txEl>
-                                              <p:pRg st="2" end="2"/>
-                                            </p:txEl>
-                                          </p:spTgt>
-                                        </p:tgtEl>
-                                      </p:cBhvr>
-                                    </p:animEffect>
-                                  </p:childTnLst>
-                                </p:cTn>
-                              </p:par>
-                            </p:childTnLst>
-                          </p:cTn>
-                        </p:par>
-                      </p:childTnLst>
-                    </p:cTn>
-                  </p:par>
-                </p:childTnLst>
-              </p:cTn>
-              <p:prevCondLst>
-                <p:cond evt="onPrev" delay="0">
-                  <p:tgtEl>
-                    <p:sldTgt/>
-                  </p:tgtEl>
-                </p:cond>
-              </p:prevCondLst>
-              <p:nextCondLst>
-                <p:cond evt="onNext" delay="0">
-                  <p:tgtEl>
-                    <p:sldTgt/>
-                  </p:tgtEl>
-                </p:cond>
-              </p:nextCondLst>
-            </p:seq>
-          </p:childTnLst>
-        </p:cTn>
-      </p:par>
-    </p:tnLst>
-  </p:timing>
-</p:sld>
-</file>
-
-<file path=ppt/slides/slide9.xml><?xml version="1.0" encoding="utf-8"?>
-<p:sld xmlns:a="http://schemas.openxmlformats.org/drawingml/2006/main" xmlns:r="http://schemas.openxmlformats.org/officeDocument/2006/relationships" xmlns:p="http://schemas.openxmlformats.org/presentationml/2006/main">
-  <p:cSld>
-    <p:spTree>
-      <p:nvGrpSpPr>
-        <p:cNvPr id="1" name=""/>
-        <p:cNvGrpSpPr/>
-        <p:nvPr/>
-      </p:nvGrpSpPr>
-      <p:grpSpPr>
-        <a:xfrm>
-          <a:off x="0" y="0"/>
-          <a:ext cx="0" cy="0"/>
-          <a:chOff x="0" y="0"/>
-          <a:chExt cx="0" cy="0"/>
-        </a:xfrm>
-      </p:grpSpPr>
-      <p:sp>
-        <p:nvSpPr>
-          <p:cNvPr id="4" name="Rectangle 3"/>
-          <p:cNvSpPr/>
-          <p:nvPr/>
-        </p:nvSpPr>
-        <p:spPr bwMode="auto">
-          <a:xfrm>
-            <a:off x="4310763" y="1263234"/>
-            <a:ext cx="3567145" cy="4164549"/>
-          </a:xfrm>
-          <a:prstGeom prst="rect">
-            <a:avLst/>
-          </a:prstGeom>
-          <a:noFill/>
-          <a:ln w="38100" cap="flat" cmpd="sng" algn="ctr">
-            <a:solidFill>
-              <a:schemeClr val="tx1"/>
-            </a:solidFill>
-            <a:prstDash val="solid"/>
-            <a:round/>
-            <a:headEnd type="none" w="med" len="med"/>
-            <a:tailEnd type="none" w="med" len="med"/>
-          </a:ln>
-          <a:effectLst/>
-        </p:spPr>
-        <p:txBody>
-          <a:bodyPr vert="horz" wrap="square" lIns="90000" tIns="46800" rIns="90000" bIns="46800" numCol="1" rtlCol="0" anchor="ctr" anchorCtr="0" compatLnSpc="1">
-            <a:prstTxWarp prst="textNoShape">
-              <a:avLst/>
-            </a:prstTxWarp>
-            <a:spAutoFit/>
-          </a:bodyPr>
-          <a:lstStyle/>
-          <a:p>
-            <a:pPr algn="ctr">
-              <a:spcBef>
-                <a:spcPct val="50000"/>
-              </a:spcBef>
-            </a:pPr>
-            <a:endParaRPr lang="fr-FR"/>
-          </a:p>
-        </p:txBody>
-      </p:sp>
-      <p:sp>
-        <p:nvSpPr>
-          <p:cNvPr id="6" name="ZoneTexte 5"/>
-          <p:cNvSpPr txBox="1"/>
-          <p:nvPr/>
-        </p:nvSpPr>
-        <p:spPr>
-          <a:xfrm>
-            <a:off x="4813389" y="413101"/>
-            <a:ext cx="3454400" cy="923330"/>
-          </a:xfrm>
-          <a:prstGeom prst="rect">
-            <a:avLst/>
-          </a:prstGeom>
-          <a:noFill/>
-        </p:spPr>
-        <p:txBody>
-          <a:bodyPr wrap="square" rtlCol="0">
-            <a:spAutoFit/>
-          </a:bodyPr>
-          <a:lstStyle/>
-          <a:p>
-            <a:r>
-              <a:rPr lang="fr-FR" sz="5400" dirty="0">
-                <a:latin typeface="Calibri" panose="020F0502020204030204" pitchFamily="34" charset="0"/>
-              </a:rPr>
-              <a:t>objets</a:t>
-            </a:r>
-          </a:p>
-        </p:txBody>
-      </p:sp>
-      <p:sp>
-        <p:nvSpPr>
-          <p:cNvPr id="5" name="Rectangle 4"/>
-          <p:cNvSpPr/>
-          <p:nvPr/>
-        </p:nvSpPr>
-        <p:spPr bwMode="auto">
-          <a:xfrm>
-            <a:off x="222739" y="1336431"/>
-            <a:ext cx="3423449" cy="4091353"/>
-          </a:xfrm>
-          <a:prstGeom prst="rect">
-            <a:avLst/>
-          </a:prstGeom>
-          <a:noFill/>
-          <a:ln w="38100" cap="flat" cmpd="sng" algn="ctr">
-            <a:solidFill>
-              <a:schemeClr val="tx1"/>
-            </a:solidFill>
-            <a:prstDash val="solid"/>
-            <a:round/>
-            <a:headEnd type="none" w="med" len="med"/>
-            <a:tailEnd type="none" w="med" len="med"/>
-          </a:ln>
-          <a:effectLst/>
-        </p:spPr>
-        <p:txBody>
-          <a:bodyPr vert="horz" wrap="square" lIns="90000" tIns="46800" rIns="90000" bIns="46800" numCol="1" rtlCol="0" anchor="ctr" anchorCtr="0" compatLnSpc="1">
-            <a:prstTxWarp prst="textNoShape">
-              <a:avLst/>
-            </a:prstTxWarp>
-            <a:spAutoFit/>
-          </a:bodyPr>
-          <a:lstStyle/>
-          <a:p>
-            <a:pPr algn="ctr">
-              <a:spcBef>
-                <a:spcPct val="50000"/>
-              </a:spcBef>
-            </a:pPr>
-            <a:endParaRPr lang="fr-FR"/>
-          </a:p>
-        </p:txBody>
-      </p:sp>
-      <p:sp>
-        <p:nvSpPr>
-          <p:cNvPr id="7" name="ZoneTexte 6"/>
-          <p:cNvSpPr txBox="1"/>
-          <p:nvPr/>
-        </p:nvSpPr>
-        <p:spPr>
-          <a:xfrm>
-            <a:off x="484555" y="441879"/>
-            <a:ext cx="3454400" cy="923330"/>
-          </a:xfrm>
-          <a:prstGeom prst="rect">
-            <a:avLst/>
-          </a:prstGeom>
-          <a:noFill/>
-        </p:spPr>
-        <p:txBody>
-          <a:bodyPr wrap="square" rtlCol="0">
-            <a:spAutoFit/>
-          </a:bodyPr>
-          <a:lstStyle/>
-          <a:p>
-            <a:r>
-              <a:rPr lang="fr-FR" sz="5400" dirty="0">
-                <a:latin typeface="Calibri" panose="020F0502020204030204" pitchFamily="34" charset="0"/>
-              </a:rPr>
-              <a:t>variables</a:t>
-            </a:r>
-          </a:p>
-        </p:txBody>
-      </p:sp>
-      <p:sp>
-        <p:nvSpPr>
-          <p:cNvPr id="2" name="ZoneTexte 1"/>
-          <p:cNvSpPr txBox="1"/>
-          <p:nvPr/>
-        </p:nvSpPr>
-        <p:spPr>
-          <a:xfrm>
-            <a:off x="7877908" y="1033540"/>
-            <a:ext cx="6669809" cy="1938992"/>
-          </a:xfrm>
-          <a:prstGeom prst="rect">
-            <a:avLst/>
-          </a:prstGeom>
-          <a:noFill/>
-        </p:spPr>
-        <p:txBody>
-          <a:bodyPr wrap="square" rtlCol="0">
-            <a:spAutoFit/>
-          </a:bodyPr>
-          <a:lstStyle/>
-          <a:p>
-            <a:r>
-              <a:rPr lang="fr-FR" sz="4000" dirty="0">
-                <a:latin typeface="Courier New" panose="02070309020205020404" pitchFamily="49" charset="0"/>
-                <a:cs typeface="Courier New" panose="02070309020205020404" pitchFamily="49" charset="0"/>
-              </a:rPr>
-              <a:t>&gt;&gt;&gt; a = 3</a:t>
-            </a:r>
-          </a:p>
-          <a:p>
-            <a:r>
-              <a:rPr lang="fr-FR" sz="4000" dirty="0">
-                <a:latin typeface="Courier New" panose="02070309020205020404" pitchFamily="49" charset="0"/>
-                <a:cs typeface="Courier New" panose="02070309020205020404" pitchFamily="49" charset="0"/>
-              </a:rPr>
-              <a:t>&gt;&gt;&gt; a = </a:t>
-            </a:r>
-            <a:r>
-              <a:rPr lang="fr-FR" sz="4000" dirty="0" smtClean="0">
-                <a:latin typeface="Courier New" panose="02070309020205020404" pitchFamily="49" charset="0"/>
-                <a:cs typeface="Courier New" panose="02070309020205020404" pitchFamily="49" charset="0"/>
-              </a:rPr>
-              <a:t>'spam'</a:t>
-            </a:r>
-          </a:p>
-          <a:p>
-            <a:r>
-              <a:rPr lang="fr-FR" sz="4000" dirty="0" smtClean="0">
-                <a:latin typeface="Courier New" panose="02070309020205020404" pitchFamily="49" charset="0"/>
-                <a:cs typeface="Courier New" panose="02070309020205020404" pitchFamily="49" charset="0"/>
-              </a:rPr>
-              <a:t>&gt;&gt;&gt; </a:t>
-            </a:r>
-            <a:r>
-              <a:rPr lang="fr-FR" sz="4000" dirty="0" err="1" smtClean="0">
-                <a:latin typeface="Courier New" panose="02070309020205020404" pitchFamily="49" charset="0"/>
-                <a:cs typeface="Courier New" panose="02070309020205020404" pitchFamily="49" charset="0"/>
-              </a:rPr>
-              <a:t>del</a:t>
-            </a:r>
-            <a:r>
-              <a:rPr lang="fr-FR" sz="4000" dirty="0" smtClean="0">
-                <a:latin typeface="Courier New" panose="02070309020205020404" pitchFamily="49" charset="0"/>
-                <a:cs typeface="Courier New" panose="02070309020205020404" pitchFamily="49" charset="0"/>
-              </a:rPr>
-              <a:t> a</a:t>
-            </a:r>
-            <a:endParaRPr lang="fr-FR" sz="4000" dirty="0">
-              <a:latin typeface="Courier New" panose="02070309020205020404" pitchFamily="49" charset="0"/>
-              <a:cs typeface="Courier New" panose="02070309020205020404" pitchFamily="49" charset="0"/>
-            </a:endParaRPr>
-          </a:p>
-        </p:txBody>
-      </p:sp>
-      <p:sp>
-        <p:nvSpPr>
-          <p:cNvPr id="8" name="ZoneTexte 7"/>
-          <p:cNvSpPr txBox="1"/>
-          <p:nvPr/>
-        </p:nvSpPr>
-        <p:spPr>
-          <a:xfrm>
-            <a:off x="5630808" y="2551902"/>
-            <a:ext cx="644237" cy="923330"/>
-          </a:xfrm>
-          <a:prstGeom prst="rect">
-            <a:avLst/>
-          </a:prstGeom>
-          <a:noFill/>
-          <a:ln w="38100">
-            <a:solidFill>
-              <a:schemeClr val="tx1"/>
-            </a:solidFill>
-          </a:ln>
-        </p:spPr>
-        <p:txBody>
-          <a:bodyPr wrap="square" rtlCol="0">
-            <a:spAutoFit/>
-          </a:bodyPr>
-          <a:lstStyle/>
-          <a:p>
-            <a:pPr algn="ctr"/>
-            <a:r>
-              <a:rPr lang="fr-FR" sz="5400" dirty="0">
-                <a:latin typeface="Calibri" panose="020F0502020204030204" pitchFamily="34" charset="0"/>
-              </a:rPr>
-              <a:t>3</a:t>
-            </a:r>
-          </a:p>
-        </p:txBody>
-      </p:sp>
-      <p:sp>
-        <p:nvSpPr>
-          <p:cNvPr id="9" name="ZoneTexte 8"/>
-          <p:cNvSpPr txBox="1"/>
-          <p:nvPr/>
-        </p:nvSpPr>
-        <p:spPr>
-          <a:xfrm>
-            <a:off x="1479640" y="2551902"/>
-            <a:ext cx="1080654" cy="923330"/>
-          </a:xfrm>
-          <a:prstGeom prst="rect">
-            <a:avLst/>
-          </a:prstGeom>
-          <a:noFill/>
-        </p:spPr>
-        <p:txBody>
-          <a:bodyPr wrap="square" rtlCol="0">
-            <a:spAutoFit/>
-          </a:bodyPr>
-          <a:lstStyle/>
-          <a:p>
-            <a:r>
-              <a:rPr lang="fr-FR" sz="5400" dirty="0">
-                <a:latin typeface="Calibri" panose="020F0502020204030204" pitchFamily="34" charset="0"/>
-              </a:rPr>
-              <a:t>a</a:t>
-            </a:r>
-          </a:p>
-        </p:txBody>
-      </p:sp>
-      <p:sp>
-        <p:nvSpPr>
-          <p:cNvPr id="12" name="Forme libre 11"/>
-          <p:cNvSpPr/>
-          <p:nvPr/>
-        </p:nvSpPr>
-        <p:spPr bwMode="auto">
-          <a:xfrm>
-            <a:off x="1973208" y="2356979"/>
-            <a:ext cx="3595254" cy="776814"/>
-          </a:xfrm>
-          <a:custGeom>
-            <a:avLst/>
-            <a:gdLst>
-              <a:gd name="connsiteX0" fmla="*/ 0 w 3366654"/>
-              <a:gd name="connsiteY0" fmla="*/ 1144751 h 1144751"/>
-              <a:gd name="connsiteX1" fmla="*/ 1371600 w 3366654"/>
-              <a:gd name="connsiteY1" fmla="*/ 1751 h 1144751"/>
-              <a:gd name="connsiteX2" fmla="*/ 3366654 w 3366654"/>
-              <a:gd name="connsiteY2" fmla="*/ 936933 h 1144751"/>
-              <a:gd name="connsiteX0" fmla="*/ 0 w 3366654"/>
-              <a:gd name="connsiteY0" fmla="*/ 1103340 h 1103340"/>
-              <a:gd name="connsiteX1" fmla="*/ 1799729 w 3366654"/>
-              <a:gd name="connsiteY1" fmla="*/ 1904 h 1103340"/>
-              <a:gd name="connsiteX2" fmla="*/ 3366654 w 3366654"/>
-              <a:gd name="connsiteY2" fmla="*/ 895522 h 1103340"/>
-              <a:gd name="connsiteX0" fmla="*/ 0 w 3366654"/>
-              <a:gd name="connsiteY0" fmla="*/ 1103340 h 1103340"/>
-              <a:gd name="connsiteX1" fmla="*/ 1799729 w 3366654"/>
-              <a:gd name="connsiteY1" fmla="*/ 1904 h 1103340"/>
-              <a:gd name="connsiteX2" fmla="*/ 3366654 w 3366654"/>
-              <a:gd name="connsiteY2" fmla="*/ 895522 h 1103340"/>
-              <a:gd name="connsiteX0" fmla="*/ 0 w 3366654"/>
-              <a:gd name="connsiteY0" fmla="*/ 1101768 h 1101768"/>
-              <a:gd name="connsiteX1" fmla="*/ 1799729 w 3366654"/>
-              <a:gd name="connsiteY1" fmla="*/ 332 h 1101768"/>
-              <a:gd name="connsiteX2" fmla="*/ 3366654 w 3366654"/>
-              <a:gd name="connsiteY2" fmla="*/ 893950 h 1101768"/>
-            </a:gdLst>
-            <a:ahLst/>
-            <a:cxnLst>
-              <a:cxn ang="0">
-                <a:pos x="connsiteX0" y="connsiteY0"/>
-              </a:cxn>
-              <a:cxn ang="0">
-                <a:pos x="connsiteX1" y="connsiteY1"/>
-              </a:cxn>
-              <a:cxn ang="0">
-                <a:pos x="connsiteX2" y="connsiteY2"/>
-              </a:cxn>
-            </a:cxnLst>
-            <a:rect l="l" t="t" r="r" b="b"/>
-            <a:pathLst>
-              <a:path w="3366654" h="1101768">
-                <a:moveTo>
-                  <a:pt x="0" y="1101768"/>
-                </a:moveTo>
-                <a:cubicBezTo>
-                  <a:pt x="405245" y="547586"/>
-                  <a:pt x="1160778" y="14186"/>
-                  <a:pt x="1799729" y="332"/>
-                </a:cubicBezTo>
-                <a:cubicBezTo>
-                  <a:pt x="2438680" y="-13522"/>
-                  <a:pt x="2649681" y="409041"/>
-                  <a:pt x="3366654" y="893950"/>
-                </a:cubicBezTo>
-              </a:path>
-            </a:pathLst>
-          </a:custGeom>
-          <a:noFill/>
-          <a:ln w="38100" cap="flat" cmpd="sng" algn="ctr">
-            <a:solidFill>
-              <a:schemeClr val="tx1"/>
-            </a:solidFill>
-            <a:prstDash val="solid"/>
-            <a:round/>
-            <a:headEnd type="none" w="med" len="med"/>
-            <a:tailEnd type="triangle" w="lg" len="lg"/>
-          </a:ln>
-          <a:effectLst/>
-        </p:spPr>
-        <p:txBody>
-          <a:bodyPr rtlCol="0" anchor="ctr"/>
-          <a:lstStyle/>
-          <a:p>
-            <a:pPr algn="ctr"/>
-            <a:endParaRPr lang="fr-FR"/>
-          </a:p>
-        </p:txBody>
-      </p:sp>
-      <p:sp>
-        <p:nvSpPr>
-          <p:cNvPr id="10" name="ZoneTexte 9"/>
-          <p:cNvSpPr txBox="1"/>
-          <p:nvPr/>
-        </p:nvSpPr>
-        <p:spPr>
-          <a:xfrm>
-            <a:off x="4868540" y="3767373"/>
-            <a:ext cx="2168770" cy="923330"/>
-          </a:xfrm>
-          <a:prstGeom prst="rect">
-            <a:avLst/>
-          </a:prstGeom>
-          <a:noFill/>
-          <a:ln w="38100">
-            <a:solidFill>
-              <a:schemeClr val="tx1"/>
-            </a:solidFill>
-          </a:ln>
-        </p:spPr>
-        <p:txBody>
-          <a:bodyPr wrap="square" rtlCol="0">
-            <a:spAutoFit/>
-          </a:bodyPr>
-          <a:lstStyle/>
-          <a:p>
-            <a:pPr algn="ctr"/>
-            <a:r>
-              <a:rPr lang="fr-FR" sz="5400" dirty="0">
-                <a:latin typeface="Calibri" panose="020F0502020204030204" pitchFamily="34" charset="0"/>
-                <a:cs typeface="Courier New" panose="02070309020205020404" pitchFamily="49" charset="0"/>
-              </a:rPr>
-              <a:t>'spam'</a:t>
-            </a:r>
-            <a:endParaRPr lang="fr-FR" sz="5400" dirty="0">
-              <a:latin typeface="Calibri" panose="020F0502020204030204" pitchFamily="34" charset="0"/>
-            </a:endParaRPr>
-          </a:p>
-        </p:txBody>
-      </p:sp>
-      <p:sp>
-        <p:nvSpPr>
-          <p:cNvPr id="13" name="Forme libre 12"/>
-          <p:cNvSpPr/>
-          <p:nvPr/>
-        </p:nvSpPr>
-        <p:spPr bwMode="auto">
-          <a:xfrm>
-            <a:off x="1946031" y="3212124"/>
-            <a:ext cx="2872154" cy="1370054"/>
-          </a:xfrm>
-          <a:custGeom>
-            <a:avLst/>
-            <a:gdLst>
-              <a:gd name="connsiteX0" fmla="*/ 0 w 2872154"/>
-              <a:gd name="connsiteY0" fmla="*/ 0 h 1370054"/>
-              <a:gd name="connsiteX1" fmla="*/ 1207477 w 2872154"/>
-              <a:gd name="connsiteY1" fmla="*/ 1289538 h 1370054"/>
-              <a:gd name="connsiteX2" fmla="*/ 2872154 w 2872154"/>
-              <a:gd name="connsiteY2" fmla="*/ 1125415 h 1370054"/>
-            </a:gdLst>
-            <a:ahLst/>
-            <a:cxnLst>
-              <a:cxn ang="0">
-                <a:pos x="connsiteX0" y="connsiteY0"/>
-              </a:cxn>
-              <a:cxn ang="0">
-                <a:pos x="connsiteX1" y="connsiteY1"/>
-              </a:cxn>
-              <a:cxn ang="0">
-                <a:pos x="connsiteX2" y="connsiteY2"/>
-              </a:cxn>
-            </a:cxnLst>
-            <a:rect l="l" t="t" r="r" b="b"/>
-            <a:pathLst>
-              <a:path w="2872154" h="1370054">
-                <a:moveTo>
-                  <a:pt x="0" y="0"/>
-                </a:moveTo>
-                <a:cubicBezTo>
-                  <a:pt x="364392" y="550984"/>
-                  <a:pt x="728785" y="1101969"/>
-                  <a:pt x="1207477" y="1289538"/>
-                </a:cubicBezTo>
-                <a:cubicBezTo>
-                  <a:pt x="1686169" y="1477107"/>
-                  <a:pt x="2279161" y="1301261"/>
-                  <a:pt x="2872154" y="1125415"/>
-                </a:cubicBezTo>
-              </a:path>
-            </a:pathLst>
-          </a:custGeom>
-          <a:noFill/>
-          <a:ln w="38100" cap="flat" cmpd="sng" algn="ctr">
-            <a:solidFill>
-              <a:schemeClr val="tx1"/>
-            </a:solidFill>
-            <a:prstDash val="solid"/>
-            <a:round/>
-            <a:headEnd type="none" w="med" len="med"/>
-            <a:tailEnd type="triangle" w="lg" len="lg"/>
-          </a:ln>
-          <a:effectLst/>
-        </p:spPr>
-        <p:txBody>
-          <a:bodyPr rtlCol="0" anchor="ctr"/>
-          <a:lstStyle/>
-          <a:p>
-            <a:pPr algn="ctr"/>
-            <a:endParaRPr lang="fr-FR"/>
-          </a:p>
-        </p:txBody>
-      </p:sp>
-      <p:sp>
-        <p:nvSpPr>
-          <p:cNvPr id="14" name="ZoneTexte 13"/>
-          <p:cNvSpPr txBox="1"/>
-          <p:nvPr/>
-        </p:nvSpPr>
-        <p:spPr>
-          <a:xfrm>
-            <a:off x="3646188" y="1895314"/>
-            <a:ext cx="585532" cy="923330"/>
-          </a:xfrm>
-          <a:prstGeom prst="rect">
-            <a:avLst/>
-          </a:prstGeom>
-          <a:noFill/>
-        </p:spPr>
-        <p:txBody>
-          <a:bodyPr wrap="square" rtlCol="0">
-            <a:spAutoFit/>
-          </a:bodyPr>
-          <a:lstStyle/>
-          <a:p>
-            <a:r>
-              <a:rPr lang="fr-FR" sz="5400" dirty="0">
-                <a:solidFill>
-                  <a:srgbClr val="FF0000"/>
-                </a:solidFill>
-                <a:latin typeface="Calibri" panose="020F0502020204030204" pitchFamily="34" charset="0"/>
-              </a:rPr>
-              <a:t>X</a:t>
-            </a:r>
-          </a:p>
-        </p:txBody>
-      </p:sp>
-    </p:spTree>
-    <p:extLst>
-      <p:ext uri="{BB962C8B-B14F-4D97-AF65-F5344CB8AC3E}">
-        <p14:creationId xmlns:p14="http://schemas.microsoft.com/office/powerpoint/2010/main" val="687991268"/>
-      </p:ext>
-    </p:extLst>
-  </p:cSld>
-  <p:clrMapOvr>
-    <a:masterClrMapping/>
-  </p:clrMapOvr>
-  <p:timing>
-    <p:tnLst>
-      <p:par>
-        <p:cTn id="1" dur="indefinite" restart="never" nodeType="tmRoot">
-          <p:childTnLst>
-            <p:seq concurrent="1" nextAc="seek">
-              <p:cTn id="2" dur="indefinite" nodeType="mainSeq">
-                <p:childTnLst>
-                  <p:par>
-                    <p:cTn id="3" fill="hold">
-                      <p:stCondLst>
-                        <p:cond delay="indefinite"/>
-                      </p:stCondLst>
-                      <p:childTnLst>
-                        <p:par>
-                          <p:cTn id="4" fill="hold">
-                            <p:stCondLst>
-                              <p:cond delay="0"/>
-                            </p:stCondLst>
-                            <p:childTnLst>
-                              <p:par>
-                                <p:cTn id="5" presetID="10" presetClass="entr" presetSubtype="0" fill="hold" grpId="0" nodeType="clickEffect">
-                                  <p:stCondLst>
-                                    <p:cond delay="0"/>
-                                  </p:stCondLst>
-                                  <p:childTnLst>
-                                    <p:set>
-                                      <p:cBhvr>
-                                        <p:cTn id="6" dur="1" fill="hold">
-                                          <p:stCondLst>
-                                            <p:cond delay="0"/>
-                                          </p:stCondLst>
-                                        </p:cTn>
-                                        <p:tgtEl>
-                                          <p:spTgt spid="6"/>
-                                        </p:tgtEl>
-                                        <p:attrNameLst>
-                                          <p:attrName>style.visibility</p:attrName>
-                                        </p:attrNameLst>
-                                      </p:cBhvr>
-                                      <p:to>
-                                        <p:strVal val="visible"/>
-                                      </p:to>
-                                    </p:set>
-                                    <p:animEffect transition="in" filter="fade">
-                                      <p:cBhvr>
-                                        <p:cTn id="7" dur="500"/>
-                                        <p:tgtEl>
-                                          <p:spTgt spid="6"/>
-                                        </p:tgtEl>
-                                      </p:cBhvr>
-                                    </p:animEffect>
-                                  </p:childTnLst>
-                                </p:cTn>
-                              </p:par>
-                              <p:par>
-                                <p:cTn id="8" presetID="10" presetClass="entr" presetSubtype="0" fill="hold" grpId="0" nodeType="withEffect">
-                                  <p:stCondLst>
-                                    <p:cond delay="0"/>
-                                  </p:stCondLst>
-                                  <p:childTnLst>
-                                    <p:set>
-                                      <p:cBhvr>
-                                        <p:cTn id="9" dur="1" fill="hold">
-                                          <p:stCondLst>
-                                            <p:cond delay="0"/>
-                                          </p:stCondLst>
-                                        </p:cTn>
-                                        <p:tgtEl>
-                                          <p:spTgt spid="4"/>
-                                        </p:tgtEl>
-                                        <p:attrNameLst>
-                                          <p:attrName>style.visibility</p:attrName>
-                                        </p:attrNameLst>
-                                      </p:cBhvr>
-                                      <p:to>
-                                        <p:strVal val="visible"/>
-                                      </p:to>
-                                    </p:set>
-                                    <p:animEffect transition="in" filter="fade">
-                                      <p:cBhvr>
-                                        <p:cTn id="10" dur="500"/>
-                                        <p:tgtEl>
-                                          <p:spTgt spid="4"/>
-                                        </p:tgtEl>
-                                      </p:cBhvr>
-                                    </p:animEffect>
-                                  </p:childTnLst>
-                                </p:cTn>
-                              </p:par>
-                              <p:par>
-                                <p:cTn id="11" presetID="10" presetClass="entr" presetSubtype="0" fill="hold" grpId="0" nodeType="withEffect">
-                                  <p:stCondLst>
-                                    <p:cond delay="0"/>
-                                  </p:stCondLst>
-                                  <p:childTnLst>
-                                    <p:set>
-                                      <p:cBhvr>
-                                        <p:cTn id="12" dur="1" fill="hold">
-                                          <p:stCondLst>
-                                            <p:cond delay="0"/>
-                                          </p:stCondLst>
-                                        </p:cTn>
-                                        <p:tgtEl>
-                                          <p:spTgt spid="7"/>
-                                        </p:tgtEl>
-                                        <p:attrNameLst>
-                                          <p:attrName>style.visibility</p:attrName>
-                                        </p:attrNameLst>
-                                      </p:cBhvr>
-                                      <p:to>
-                                        <p:strVal val="visible"/>
-                                      </p:to>
-                                    </p:set>
-                                    <p:animEffect transition="in" filter="fade">
-                                      <p:cBhvr>
-                                        <p:cTn id="13" dur="500"/>
-                                        <p:tgtEl>
-                                          <p:spTgt spid="7"/>
-                                        </p:tgtEl>
-                                      </p:cBhvr>
-                                    </p:animEffect>
-                                  </p:childTnLst>
-                                </p:cTn>
-                              </p:par>
-                              <p:par>
-                                <p:cTn id="14" presetID="10" presetClass="entr" presetSubtype="0" fill="hold" grpId="0" nodeType="withEffect">
-                                  <p:stCondLst>
-                                    <p:cond delay="0"/>
-                                  </p:stCondLst>
-                                  <p:childTnLst>
-                                    <p:set>
-                                      <p:cBhvr>
-                                        <p:cTn id="15" dur="1" fill="hold">
-                                          <p:stCondLst>
-                                            <p:cond delay="0"/>
-                                          </p:stCondLst>
-                                        </p:cTn>
-                                        <p:tgtEl>
-                                          <p:spTgt spid="5"/>
-                                        </p:tgtEl>
-                                        <p:attrNameLst>
-                                          <p:attrName>style.visibility</p:attrName>
-                                        </p:attrNameLst>
-                                      </p:cBhvr>
-                                      <p:to>
-                                        <p:strVal val="visible"/>
-                                      </p:to>
-                                    </p:set>
-                                    <p:animEffect transition="in" filter="fade">
-                                      <p:cBhvr>
-                                        <p:cTn id="16" dur="500"/>
-                                        <p:tgtEl>
-                                          <p:spTgt spid="5"/>
-                                        </p:tgtEl>
-                                      </p:cBhvr>
-                                    </p:animEffect>
-                                  </p:childTnLst>
-                                </p:cTn>
-                              </p:par>
-                            </p:childTnLst>
-                          </p:cTn>
-                        </p:par>
-                      </p:childTnLst>
-                    </p:cTn>
-                  </p:par>
-                  <p:par>
-                    <p:cTn id="17" fill="hold">
-                      <p:stCondLst>
-                        <p:cond delay="indefinite"/>
-                      </p:stCondLst>
-                      <p:childTnLst>
-                        <p:par>
-                          <p:cTn id="18" fill="hold">
-                            <p:stCondLst>
-                              <p:cond delay="0"/>
-                            </p:stCondLst>
-                            <p:childTnLst>
-                              <p:par>
-                                <p:cTn id="19" presetID="10" presetClass="entr" presetSubtype="0" fill="hold" nodeType="clickEffect">
-                                  <p:stCondLst>
-                                    <p:cond delay="0"/>
-                                  </p:stCondLst>
-                                  <p:childTnLst>
-                                    <p:set>
-                                      <p:cBhvr>
-                                        <p:cTn id="20" dur="1" fill="hold">
-                                          <p:stCondLst>
-                                            <p:cond delay="0"/>
-                                          </p:stCondLst>
-                                        </p:cTn>
-                                        <p:tgtEl>
-                                          <p:spTgt spid="2">
-                                            <p:txEl>
-                                              <p:pRg st="0" end="0"/>
-                                            </p:txEl>
-                                          </p:spTgt>
-                                        </p:tgtEl>
-                                        <p:attrNameLst>
-                                          <p:attrName>style.visibility</p:attrName>
-                                        </p:attrNameLst>
-                                      </p:cBhvr>
-                                      <p:to>
-                                        <p:strVal val="visible"/>
-                                      </p:to>
-                                    </p:set>
-                                    <p:animEffect transition="in" filter="fade">
-                                      <p:cBhvr>
-                                        <p:cTn id="21" dur="500"/>
-                                        <p:tgtEl>
-                                          <p:spTgt spid="2">
-                                            <p:txEl>
-                                              <p:pRg st="0" end="0"/>
-                                            </p:txEl>
-                                          </p:spTgt>
-                                        </p:tgtEl>
-                                      </p:cBhvr>
-                                    </p:animEffect>
-                                  </p:childTnLst>
-                                </p:cTn>
-                              </p:par>
-                            </p:childTnLst>
-                          </p:cTn>
-                        </p:par>
-                      </p:childTnLst>
-                    </p:cTn>
-                  </p:par>
-                  <p:par>
-                    <p:cTn id="22" fill="hold">
-                      <p:stCondLst>
-                        <p:cond delay="indefinite"/>
-                      </p:stCondLst>
-                      <p:childTnLst>
-                        <p:par>
-                          <p:cTn id="23" fill="hold">
-                            <p:stCondLst>
-                              <p:cond delay="0"/>
-                            </p:stCondLst>
-                            <p:childTnLst>
-                              <p:par>
-                                <p:cTn id="24" presetID="10" presetClass="entr" presetSubtype="0" fill="hold" grpId="0" nodeType="clickEffect">
-                                  <p:stCondLst>
-                                    <p:cond delay="0"/>
-                                  </p:stCondLst>
-                                  <p:childTnLst>
-                                    <p:set>
-                                      <p:cBhvr>
-                                        <p:cTn id="25" dur="1" fill="hold">
-                                          <p:stCondLst>
-                                            <p:cond delay="0"/>
-                                          </p:stCondLst>
-                                        </p:cTn>
-                                        <p:tgtEl>
-                                          <p:spTgt spid="8"/>
-                                        </p:tgtEl>
-                                        <p:attrNameLst>
-                                          <p:attrName>style.visibility</p:attrName>
-                                        </p:attrNameLst>
-                                      </p:cBhvr>
-                                      <p:to>
-                                        <p:strVal val="visible"/>
-                                      </p:to>
-                                    </p:set>
-                                    <p:animEffect transition="in" filter="fade">
-                                      <p:cBhvr>
-                                        <p:cTn id="26" dur="500"/>
-                                        <p:tgtEl>
-                                          <p:spTgt spid="8"/>
-                                        </p:tgtEl>
-                                      </p:cBhvr>
-                                    </p:animEffect>
-                                  </p:childTnLst>
-                                </p:cTn>
-                              </p:par>
-                            </p:childTnLst>
-                          </p:cTn>
-                        </p:par>
-                      </p:childTnLst>
-                    </p:cTn>
-                  </p:par>
-                  <p:par>
-                    <p:cTn id="27" fill="hold">
-                      <p:stCondLst>
-                        <p:cond delay="indefinite"/>
-                      </p:stCondLst>
-                      <p:childTnLst>
-                        <p:par>
-                          <p:cTn id="28" fill="hold">
-                            <p:stCondLst>
-                              <p:cond delay="0"/>
-                            </p:stCondLst>
-                            <p:childTnLst>
-                              <p:par>
-                                <p:cTn id="29" presetID="10" presetClass="entr" presetSubtype="0" fill="hold" grpId="0" nodeType="clickEffect">
-                                  <p:stCondLst>
-                                    <p:cond delay="0"/>
-                                  </p:stCondLst>
-                                  <p:childTnLst>
-                                    <p:set>
-                                      <p:cBhvr>
-                                        <p:cTn id="30" dur="1" fill="hold">
-                                          <p:stCondLst>
-                                            <p:cond delay="0"/>
-                                          </p:stCondLst>
-                                        </p:cTn>
-                                        <p:tgtEl>
-                                          <p:spTgt spid="9"/>
-                                        </p:tgtEl>
-                                        <p:attrNameLst>
-                                          <p:attrName>style.visibility</p:attrName>
-                                        </p:attrNameLst>
-                                      </p:cBhvr>
-                                      <p:to>
-                                        <p:strVal val="visible"/>
-                                      </p:to>
-                                    </p:set>
-                                    <p:animEffect transition="in" filter="fade">
-                                      <p:cBhvr>
-                                        <p:cTn id="31" dur="500"/>
-                                        <p:tgtEl>
-                                          <p:spTgt spid="9"/>
-                                        </p:tgtEl>
-                                      </p:cBhvr>
-                                    </p:animEffect>
-                                  </p:childTnLst>
-                                </p:cTn>
-                              </p:par>
-                            </p:childTnLst>
-                          </p:cTn>
-                        </p:par>
-                      </p:childTnLst>
-                    </p:cTn>
-                  </p:par>
-                  <p:par>
-                    <p:cTn id="32" fill="hold">
-                      <p:stCondLst>
-                        <p:cond delay="indefinite"/>
-                      </p:stCondLst>
-                      <p:childTnLst>
-                        <p:par>
-                          <p:cTn id="33" fill="hold">
-                            <p:stCondLst>
-                              <p:cond delay="0"/>
-                            </p:stCondLst>
-                            <p:childTnLst>
-                              <p:par>
-                                <p:cTn id="34" presetID="10" presetClass="entr" presetSubtype="0" fill="hold" grpId="0" nodeType="clickEffect">
-                                  <p:stCondLst>
-                                    <p:cond delay="0"/>
-                                  </p:stCondLst>
-                                  <p:childTnLst>
-                                    <p:set>
-                                      <p:cBhvr>
-                                        <p:cTn id="35" dur="1" fill="hold">
-                                          <p:stCondLst>
-                                            <p:cond delay="0"/>
-                                          </p:stCondLst>
-                                        </p:cTn>
-                                        <p:tgtEl>
-                                          <p:spTgt spid="12"/>
-                                        </p:tgtEl>
-                                        <p:attrNameLst>
-                                          <p:attrName>style.visibility</p:attrName>
-                                        </p:attrNameLst>
-                                      </p:cBhvr>
-                                      <p:to>
-                                        <p:strVal val="visible"/>
-                                      </p:to>
-                                    </p:set>
-                                    <p:animEffect transition="in" filter="fade">
-                                      <p:cBhvr>
-                                        <p:cTn id="36" dur="500"/>
-                                        <p:tgtEl>
-                                          <p:spTgt spid="12"/>
-                                        </p:tgtEl>
-                                      </p:cBhvr>
-                                    </p:animEffect>
-                                  </p:childTnLst>
-                                </p:cTn>
-                              </p:par>
-                            </p:childTnLst>
-                          </p:cTn>
-                        </p:par>
-                      </p:childTnLst>
-                    </p:cTn>
-                  </p:par>
-                  <p:par>
-                    <p:cTn id="37" fill="hold">
-                      <p:stCondLst>
-                        <p:cond delay="indefinite"/>
-                      </p:stCondLst>
-                      <p:childTnLst>
-                        <p:par>
-                          <p:cTn id="38" fill="hold">
-                            <p:stCondLst>
-                              <p:cond delay="0"/>
-                            </p:stCondLst>
-                            <p:childTnLst>
-                              <p:par>
-                                <p:cTn id="39" presetID="10" presetClass="entr" presetSubtype="0" fill="hold" nodeType="clickEffect">
-                                  <p:stCondLst>
-                                    <p:cond delay="0"/>
-                                  </p:stCondLst>
-                                  <p:childTnLst>
-                                    <p:set>
-                                      <p:cBhvr>
-                                        <p:cTn id="40" dur="1" fill="hold">
-                                          <p:stCondLst>
-                                            <p:cond delay="0"/>
-                                          </p:stCondLst>
-                                        </p:cTn>
-                                        <p:tgtEl>
-                                          <p:spTgt spid="2">
-                                            <p:txEl>
-                                              <p:pRg st="1" end="1"/>
-                                            </p:txEl>
-                                          </p:spTgt>
-                                        </p:tgtEl>
-                                        <p:attrNameLst>
-                                          <p:attrName>style.visibility</p:attrName>
-                                        </p:attrNameLst>
-                                      </p:cBhvr>
-                                      <p:to>
-                                        <p:strVal val="visible"/>
-                                      </p:to>
-                                    </p:set>
-                                    <p:animEffect transition="in" filter="fade">
-                                      <p:cBhvr>
-                                        <p:cTn id="41" dur="500"/>
-                                        <p:tgtEl>
-                                          <p:spTgt spid="2">
-                                            <p:txEl>
-                                              <p:pRg st="1" end="1"/>
-                                            </p:txEl>
-                                          </p:spTgt>
-                                        </p:tgtEl>
-                                      </p:cBhvr>
-                                    </p:animEffect>
-                                  </p:childTnLst>
-                                </p:cTn>
-                              </p:par>
-                            </p:childTnLst>
-                          </p:cTn>
-                        </p:par>
-                      </p:childTnLst>
-                    </p:cTn>
-                  </p:par>
-                  <p:par>
-                    <p:cTn id="42" fill="hold">
-                      <p:stCondLst>
-                        <p:cond delay="indefinite"/>
-                      </p:stCondLst>
-                      <p:childTnLst>
-                        <p:par>
-                          <p:cTn id="43" fill="hold">
-                            <p:stCondLst>
-                              <p:cond delay="0"/>
-                            </p:stCondLst>
-                            <p:childTnLst>
-                              <p:par>
-                                <p:cTn id="44" presetID="10" presetClass="entr" presetSubtype="0" fill="hold" grpId="0" nodeType="clickEffect">
-                                  <p:stCondLst>
-                                    <p:cond delay="0"/>
-                                  </p:stCondLst>
-                                  <p:childTnLst>
-                                    <p:set>
-                                      <p:cBhvr>
-                                        <p:cTn id="45" dur="1" fill="hold">
-                                          <p:stCondLst>
-                                            <p:cond delay="0"/>
-                                          </p:stCondLst>
-                                        </p:cTn>
-                                        <p:tgtEl>
-                                          <p:spTgt spid="10"/>
-                                        </p:tgtEl>
-                                        <p:attrNameLst>
-                                          <p:attrName>style.visibility</p:attrName>
-                                        </p:attrNameLst>
-                                      </p:cBhvr>
-                                      <p:to>
-                                        <p:strVal val="visible"/>
-                                      </p:to>
-                                    </p:set>
-                                    <p:animEffect transition="in" filter="fade">
-                                      <p:cBhvr>
-                                        <p:cTn id="46" dur="500"/>
-                                        <p:tgtEl>
-                                          <p:spTgt spid="10"/>
-                                        </p:tgtEl>
-                                      </p:cBhvr>
-                                    </p:animEffect>
-                                  </p:childTnLst>
-                                </p:cTn>
-                              </p:par>
-                            </p:childTnLst>
-                          </p:cTn>
-                        </p:par>
-                      </p:childTnLst>
-                    </p:cTn>
-                  </p:par>
-                  <p:par>
-                    <p:cTn id="47" fill="hold">
-                      <p:stCondLst>
-                        <p:cond delay="indefinite"/>
-                      </p:stCondLst>
-                      <p:childTnLst>
-                        <p:par>
-                          <p:cTn id="48" fill="hold">
-                            <p:stCondLst>
-                              <p:cond delay="0"/>
-                            </p:stCondLst>
-                            <p:childTnLst>
-                              <p:par>
-                                <p:cTn id="49" presetID="10" presetClass="entr" presetSubtype="0" fill="hold" grpId="0" nodeType="clickEffect">
-                                  <p:stCondLst>
-                                    <p:cond delay="0"/>
-                                  </p:stCondLst>
-                                  <p:childTnLst>
-                                    <p:set>
-                                      <p:cBhvr>
-                                        <p:cTn id="50" dur="1" fill="hold">
-                                          <p:stCondLst>
-                                            <p:cond delay="0"/>
-                                          </p:stCondLst>
-                                        </p:cTn>
-                                        <p:tgtEl>
-                                          <p:spTgt spid="14"/>
-                                        </p:tgtEl>
-                                        <p:attrNameLst>
-                                          <p:attrName>style.visibility</p:attrName>
-                                        </p:attrNameLst>
-                                      </p:cBhvr>
-                                      <p:to>
-                                        <p:strVal val="visible"/>
-                                      </p:to>
-                                    </p:set>
-                                    <p:animEffect transition="in" filter="fade">
-                                      <p:cBhvr>
-                                        <p:cTn id="51" dur="500"/>
-                                        <p:tgtEl>
-                                          <p:spTgt spid="14"/>
-                                        </p:tgtEl>
-                                      </p:cBhvr>
-                                    </p:animEffect>
-                                  </p:childTnLst>
-                                </p:cTn>
-                              </p:par>
-                            </p:childTnLst>
-                          </p:cTn>
-                        </p:par>
-                      </p:childTnLst>
-                    </p:cTn>
-                  </p:par>
-                  <p:par>
-                    <p:cTn id="52" fill="hold">
-                      <p:stCondLst>
-                        <p:cond delay="indefinite"/>
-                      </p:stCondLst>
-                      <p:childTnLst>
-                        <p:par>
-                          <p:cTn id="53" fill="hold">
-                            <p:stCondLst>
-                              <p:cond delay="0"/>
-                            </p:stCondLst>
-                            <p:childTnLst>
-                              <p:par>
-                                <p:cTn id="54" presetID="10" presetClass="exit" presetSubtype="0" fill="hold" grpId="1" nodeType="clickEffect">
-                                  <p:stCondLst>
-                                    <p:cond delay="0"/>
-                                  </p:stCondLst>
-                                  <p:childTnLst>
-                                    <p:animEffect transition="out" filter="fade">
-                                      <p:cBhvr>
-                                        <p:cTn id="55" dur="500"/>
-                                        <p:tgtEl>
-                                          <p:spTgt spid="12"/>
-                                        </p:tgtEl>
-                                      </p:cBhvr>
-                                    </p:animEffect>
-                                    <p:set>
-                                      <p:cBhvr>
-                                        <p:cTn id="56" dur="1" fill="hold">
-                                          <p:stCondLst>
-                                            <p:cond delay="499"/>
-                                          </p:stCondLst>
-                                        </p:cTn>
-                                        <p:tgtEl>
-                                          <p:spTgt spid="12"/>
-                                        </p:tgtEl>
-                                        <p:attrNameLst>
-                                          <p:attrName>style.visibility</p:attrName>
-                                        </p:attrNameLst>
-                                      </p:cBhvr>
-                                      <p:to>
-                                        <p:strVal val="hidden"/>
-                                      </p:to>
-                                    </p:set>
-                                  </p:childTnLst>
-                                </p:cTn>
-                              </p:par>
-                              <p:par>
-                                <p:cTn id="57" presetID="10" presetClass="exit" presetSubtype="0" fill="hold" grpId="1" nodeType="withEffect">
-                                  <p:stCondLst>
-                                    <p:cond delay="0"/>
-                                  </p:stCondLst>
-                                  <p:childTnLst>
-                                    <p:animEffect transition="out" filter="fade">
-                                      <p:cBhvr>
-                                        <p:cTn id="58" dur="500"/>
-                                        <p:tgtEl>
-                                          <p:spTgt spid="14"/>
-                                        </p:tgtEl>
-                                      </p:cBhvr>
-                                    </p:animEffect>
-                                    <p:set>
-                                      <p:cBhvr>
-                                        <p:cTn id="59" dur="1" fill="hold">
-                                          <p:stCondLst>
-                                            <p:cond delay="499"/>
-                                          </p:stCondLst>
-                                        </p:cTn>
-                                        <p:tgtEl>
-                                          <p:spTgt spid="14"/>
-                                        </p:tgtEl>
-                                        <p:attrNameLst>
-                                          <p:attrName>style.visibility</p:attrName>
-                                        </p:attrNameLst>
-                                      </p:cBhvr>
-                                      <p:to>
-                                        <p:strVal val="hidden"/>
-                                      </p:to>
-                                    </p:set>
-                                  </p:childTnLst>
-                                </p:cTn>
-                              </p:par>
-                            </p:childTnLst>
-                          </p:cTn>
-                        </p:par>
-                      </p:childTnLst>
-                    </p:cTn>
-                  </p:par>
-                  <p:par>
-                    <p:cTn id="60" fill="hold">
-                      <p:stCondLst>
-                        <p:cond delay="indefinite"/>
-                      </p:stCondLst>
-                      <p:childTnLst>
-                        <p:par>
-                          <p:cTn id="61" fill="hold">
-                            <p:stCondLst>
-                              <p:cond delay="0"/>
-                            </p:stCondLst>
-                            <p:childTnLst>
-                              <p:par>
-                                <p:cTn id="62" presetID="10" presetClass="entr" presetSubtype="0" fill="hold" grpId="0" nodeType="clickEffect">
-                                  <p:stCondLst>
-                                    <p:cond delay="0"/>
-                                  </p:stCondLst>
-                                  <p:childTnLst>
-                                    <p:set>
-                                      <p:cBhvr>
-                                        <p:cTn id="63" dur="1" fill="hold">
-                                          <p:stCondLst>
-                                            <p:cond delay="0"/>
-                                          </p:stCondLst>
-                                        </p:cTn>
-                                        <p:tgtEl>
-                                          <p:spTgt spid="13"/>
-                                        </p:tgtEl>
-                                        <p:attrNameLst>
-                                          <p:attrName>style.visibility</p:attrName>
-                                        </p:attrNameLst>
-                                      </p:cBhvr>
-                                      <p:to>
-                                        <p:strVal val="visible"/>
-                                      </p:to>
-                                    </p:set>
-                                    <p:animEffect transition="in" filter="fade">
-                                      <p:cBhvr>
-                                        <p:cTn id="64" dur="500"/>
-                                        <p:tgtEl>
-                                          <p:spTgt spid="13"/>
-                                        </p:tgtEl>
-                                      </p:cBhvr>
-                                    </p:animEffect>
-                                  </p:childTnLst>
-                                </p:cTn>
-                              </p:par>
-                            </p:childTnLst>
-                          </p:cTn>
-                        </p:par>
-                      </p:childTnLst>
-                    </p:cTn>
-                  </p:par>
-                  <p:par>
-                    <p:cTn id="65" fill="hold">
-                      <p:stCondLst>
-                        <p:cond delay="indefinite"/>
-                      </p:stCondLst>
-                      <p:childTnLst>
-                        <p:par>
-                          <p:cTn id="66" fill="hold">
-                            <p:stCondLst>
-                              <p:cond delay="0"/>
-                            </p:stCondLst>
-                            <p:childTnLst>
-                              <p:par>
-                                <p:cTn id="67" presetID="10" presetClass="entr" presetSubtype="0" fill="hold" nodeType="clickEffect">
-                                  <p:stCondLst>
-                                    <p:cond delay="0"/>
-                                  </p:stCondLst>
-                                  <p:childTnLst>
-                                    <p:set>
-                                      <p:cBhvr>
-                                        <p:cTn id="68" dur="1" fill="hold">
-                                          <p:stCondLst>
-                                            <p:cond delay="0"/>
-                                          </p:stCondLst>
-                                        </p:cTn>
-                                        <p:tgtEl>
-                                          <p:spTgt spid="2">
-                                            <p:txEl>
-                                              <p:pRg st="2" end="2"/>
-                                            </p:txEl>
-                                          </p:spTgt>
-                                        </p:tgtEl>
-                                        <p:attrNameLst>
-                                          <p:attrName>style.visibility</p:attrName>
-                                        </p:attrNameLst>
-                                      </p:cBhvr>
-                                      <p:to>
-                                        <p:strVal val="visible"/>
-                                      </p:to>
-                                    </p:set>
-                                    <p:animEffect transition="in" filter="fade">
-                                      <p:cBhvr>
-                                        <p:cTn id="69" dur="500"/>
-                                        <p:tgtEl>
-                                          <p:spTgt spid="2">
-                                            <p:txEl>
-                                              <p:pRg st="2" end="2"/>
-                                            </p:txEl>
-                                          </p:spTgt>
-                                        </p:tgtEl>
-                                      </p:cBhvr>
-                                    </p:animEffect>
-                                  </p:childTnLst>
-                                </p:cTn>
-                              </p:par>
-                            </p:childTnLst>
-                          </p:cTn>
-                        </p:par>
-                      </p:childTnLst>
-                    </p:cTn>
-                  </p:par>
-                  <p:par>
-                    <p:cTn id="70" fill="hold">
-                      <p:stCondLst>
-                        <p:cond delay="indefinite"/>
-                      </p:stCondLst>
-                      <p:childTnLst>
-                        <p:par>
-                          <p:cTn id="71" fill="hold">
-                            <p:stCondLst>
-                              <p:cond delay="0"/>
-                            </p:stCondLst>
-                            <p:childTnLst>
-                              <p:par>
-                                <p:cTn id="72" presetID="10" presetClass="exit" presetSubtype="0" fill="hold" grpId="1" nodeType="clickEffect">
-                                  <p:stCondLst>
-                                    <p:cond delay="0"/>
-                                  </p:stCondLst>
-                                  <p:childTnLst>
-                                    <p:animEffect transition="out" filter="fade">
-                                      <p:cBhvr>
-                                        <p:cTn id="73" dur="500"/>
-                                        <p:tgtEl>
-                                          <p:spTgt spid="9"/>
-                                        </p:tgtEl>
-                                      </p:cBhvr>
-                                    </p:animEffect>
-                                    <p:set>
-                                      <p:cBhvr>
-                                        <p:cTn id="74" dur="1" fill="hold">
-                                          <p:stCondLst>
-                                            <p:cond delay="499"/>
-                                          </p:stCondLst>
-                                        </p:cTn>
-                                        <p:tgtEl>
-                                          <p:spTgt spid="9"/>
-                                        </p:tgtEl>
-                                        <p:attrNameLst>
-                                          <p:attrName>style.visibility</p:attrName>
-                                        </p:attrNameLst>
-                                      </p:cBhvr>
-                                      <p:to>
-                                        <p:strVal val="hidden"/>
-                                      </p:to>
-                                    </p:set>
-                                  </p:childTnLst>
-                                </p:cTn>
-                              </p:par>
-                              <p:par>
-                                <p:cTn id="75" presetID="10" presetClass="exit" presetSubtype="0" fill="hold" grpId="1" nodeType="withEffect">
-                                  <p:stCondLst>
-                                    <p:cond delay="0"/>
-                                  </p:stCondLst>
-                                  <p:childTnLst>
-                                    <p:animEffect transition="out" filter="fade">
-                                      <p:cBhvr>
-                                        <p:cTn id="76" dur="500"/>
-                                        <p:tgtEl>
-                                          <p:spTgt spid="13"/>
-                                        </p:tgtEl>
-                                      </p:cBhvr>
-                                    </p:animEffect>
-                                    <p:set>
-                                      <p:cBhvr>
-                                        <p:cTn id="77" dur="1" fill="hold">
-                                          <p:stCondLst>
-                                            <p:cond delay="499"/>
-                                          </p:stCondLst>
-                                        </p:cTn>
-                                        <p:tgtEl>
-                                          <p:spTgt spid="13"/>
-                                        </p:tgtEl>
-                                        <p:attrNameLst>
-                                          <p:attrName>style.visibility</p:attrName>
-                                        </p:attrNameLst>
-                                      </p:cBhvr>
-                                      <p:to>
-                                        <p:strVal val="hidden"/>
-                                      </p:to>
-                                    </p:set>
-                                  </p:childTnLst>
-                                </p:cTn>
-                              </p:par>
-                            </p:childTnLst>
-                          </p:cTn>
-                        </p:par>
-                      </p:childTnLst>
-                    </p:cTn>
-                  </p:par>
-                </p:childTnLst>
-              </p:cTn>
-              <p:prevCondLst>
-                <p:cond evt="onPrev" delay="0">
-                  <p:tgtEl>
-                    <p:sldTgt/>
-                  </p:tgtEl>
-                </p:cond>
-              </p:prevCondLst>
-              <p:nextCondLst>
-                <p:cond evt="onNext" delay="0">
-                  <p:tgtEl>
-                    <p:sldTgt/>
-                  </p:tgtEl>
-                </p:cond>
-              </p:nextCondLst>
-            </p:seq>
-          </p:childTnLst>
-        </p:cTn>
-      </p:par>
-    </p:tnLst>
-    <p:bldLst>
-      <p:bldP spid="4" grpId="0" animBg="1"/>
-      <p:bldP spid="6" grpId="0"/>
-      <p:bldP spid="5" grpId="0" animBg="1"/>
-      <p:bldP spid="7" grpId="0"/>
-      <p:bldP spid="8" grpId="0" animBg="1"/>
-      <p:bldP spid="9" grpId="0"/>
-      <p:bldP spid="9" grpId="1"/>
-      <p:bldP spid="12" grpId="0" animBg="1"/>
-      <p:bldP spid="12" grpId="1" animBg="1"/>
-      <p:bldP spid="10" grpId="0" animBg="1"/>
-      <p:bldP spid="13" grpId="0" animBg="1"/>
-      <p:bldP spid="13" grpId="1" animBg="1"/>
-      <p:bldP spid="14" grpId="0"/>
-      <p:bldP spid="14" grpId="1"/>
-    </p:bldLst>
   </p:timing>
 </p:sld>
 </file>
